--- a/case.pptx
+++ b/case.pptx
@@ -14,6 +14,7 @@
     <p:sldId id="262" r:id="rId8"/>
     <p:sldId id="263" r:id="rId9"/>
     <p:sldId id="264" r:id="rId10"/>
+    <p:sldId id="265" r:id="rId11"/>
   </p:sldIdLst>
   <p:sldSz cx="12192000" cy="6858000"/>
   <p:notesSz cx="6858000" cy="9144000"/>
@@ -124,7 +125,7 @@
 <p1510:revInfo xmlns:a="http://schemas.openxmlformats.org/drawingml/2006/main" xmlns:r="http://schemas.openxmlformats.org/officeDocument/2006/relationships" xmlns:p1510="http://schemas.microsoft.com/office/powerpoint/2015/10/main">
   <p1510:revLst>
     <p1510:client id="{39860559-4141-4452-8604-00EEA2210D57}" v="95" dt="2021-11-24T08:31:56.939"/>
-    <p1510:client id="{EDAA7B36-DD7D-7B74-735E-965A6E157E6D}" v="300" dt="2021-11-24T08:49:16.622"/>
+    <p1510:client id="{BF5C6931-498A-9A45-5957-1A32E0E65705}" v="95" dt="2021-11-24T09:29:42.920"/>
   </p1510:revLst>
 </p1510:revInfo>
 </file>
@@ -4548,7 +4549,7 @@
 </p:sld>
 </file>
 
-<file path=ppt/slides/slide2.xml><?xml version="1.0" encoding="utf-8"?>
+<file path=ppt/slides/slide10.xml><?xml version="1.0" encoding="utf-8"?>
 <p:sld xmlns:a="http://schemas.openxmlformats.org/drawingml/2006/main" xmlns:r="http://schemas.openxmlformats.org/officeDocument/2006/relationships" xmlns:p="http://schemas.openxmlformats.org/presentationml/2006/main">
   <p:cSld>
     <p:bg>
@@ -4573,12 +4574,164 @@
           <a:chExt cx="0" cy="0"/>
         </a:xfrm>
       </p:grpSpPr>
+      <p:sp>
+        <p:nvSpPr>
+          <p:cNvPr id="8" name="Freeform: Shape 7">
+            <a:extLst>
+              <a:ext uri="{FF2B5EF4-FFF2-40B4-BE49-F238E27FC236}">
+                <a16:creationId xmlns:a16="http://schemas.microsoft.com/office/drawing/2014/main" id="{5CD60141-EEBD-4EC1-8E34-0344C16A18A2}"/>
+              </a:ext>
+              <a:ext uri="{C183D7F6-B498-43B3-948B-1728B52AA6E4}">
+                <adec:decorative xmlns:adec="http://schemas.microsoft.com/office/drawing/2017/decorative" val="1"/>
+              </a:ext>
+            </a:extLst>
+          </p:cNvPr>
+          <p:cNvSpPr>
+            <a:spLocks noGrp="1" noRot="1" noChangeAspect="1" noMove="1" noResize="1" noEditPoints="1" noAdjustHandles="1" noChangeArrowheads="1" noChangeShapeType="1" noTextEdit="1"/>
+          </p:cNvSpPr>
+          <p:nvPr>
+            <p:extLst>
+              <p:ext uri="{386F3935-93C4-4BCD-93E2-E3B085C9AB24}">
+                <p16:designElem xmlns:p16="http://schemas.microsoft.com/office/powerpoint/2015/main" val="1"/>
+              </p:ext>
+            </p:extLst>
+          </p:nvPr>
+        </p:nvSpPr>
+        <p:spPr>
+          <a:xfrm>
+            <a:off x="5318308" y="0"/>
+            <a:ext cx="6873692" cy="6858000"/>
+          </a:xfrm>
+          <a:custGeom>
+            <a:avLst/>
+            <a:gdLst/>
+            <a:ahLst/>
+            <a:cxnLst/>
+            <a:rect l="l" t="t" r="r" b="b"/>
+            <a:pathLst>
+              <a:path w="6873692" h="6858000">
+                <a:moveTo>
+                  <a:pt x="6010592" y="0"/>
+                </a:moveTo>
+                <a:lnTo>
+                  <a:pt x="6873692" y="0"/>
+                </a:lnTo>
+                <a:lnTo>
+                  <a:pt x="6873692" y="6858000"/>
+                </a:lnTo>
+                <a:lnTo>
+                  <a:pt x="0" y="6858000"/>
+                </a:lnTo>
+                <a:lnTo>
+                  <a:pt x="6010589" y="4"/>
+                </a:lnTo>
+                <a:cubicBezTo>
+                  <a:pt x="6010589" y="3"/>
+                  <a:pt x="6010590" y="3"/>
+                  <a:pt x="6010590" y="2"/>
+                </a:cubicBezTo>
+                <a:lnTo>
+                  <a:pt x="6010592" y="0"/>
+                </a:lnTo>
+                <a:close/>
+              </a:path>
+            </a:pathLst>
+          </a:custGeom>
+          <a:solidFill>
+            <a:schemeClr val="bg2"/>
+          </a:solidFill>
+          <a:ln w="12700" cap="flat" cmpd="sng" algn="ctr">
+            <a:noFill/>
+            <a:prstDash val="solid"/>
+            <a:miter lim="800000"/>
+          </a:ln>
+          <a:effectLst/>
+        </p:spPr>
+        <p:style>
+          <a:lnRef idx="2">
+            <a:schemeClr val="accent1">
+              <a:shade val="50000"/>
+            </a:schemeClr>
+          </a:lnRef>
+          <a:fillRef idx="1">
+            <a:schemeClr val="accent1"/>
+          </a:fillRef>
+          <a:effectRef idx="0">
+            <a:schemeClr val="accent1"/>
+          </a:effectRef>
+          <a:fontRef idx="minor">
+            <a:schemeClr val="lt1"/>
+          </a:fontRef>
+        </p:style>
+        <p:txBody>
+          <a:bodyPr wrap="square" rtlCol="0" anchor="ctr">
+            <a:noAutofit/>
+          </a:bodyPr>
+          <a:lstStyle/>
+          <a:p>
+            <a:pPr algn="ctr"/>
+            <a:endParaRPr lang="en-US"/>
+          </a:p>
+        </p:txBody>
+      </p:sp>
+      <p:cxnSp>
+        <p:nvCxnSpPr>
+          <p:cNvPr id="10" name="Straight Connector 9">
+            <a:extLst>
+              <a:ext uri="{FF2B5EF4-FFF2-40B4-BE49-F238E27FC236}">
+                <a16:creationId xmlns:a16="http://schemas.microsoft.com/office/drawing/2014/main" id="{4C75A547-BCD1-42BE-966E-53CA0AB93165}"/>
+              </a:ext>
+              <a:ext uri="{C183D7F6-B498-43B3-948B-1728B52AA6E4}">
+                <adec:decorative xmlns:adec="http://schemas.microsoft.com/office/drawing/2017/decorative" val="1"/>
+              </a:ext>
+            </a:extLst>
+          </p:cNvPr>
+          <p:cNvCxnSpPr>
+            <a:cxnSpLocks noGrp="1" noRot="1" noChangeAspect="1" noMove="1" noResize="1" noEditPoints="1" noAdjustHandles="1" noChangeArrowheads="1" noChangeShapeType="1"/>
+          </p:cNvCxnSpPr>
+          <p:nvPr>
+            <p:extLst>
+              <p:ext uri="{386F3935-93C4-4BCD-93E2-E3B085C9AB24}">
+                <p16:designElem xmlns:p16="http://schemas.microsoft.com/office/powerpoint/2015/main" val="1"/>
+              </p:ext>
+            </p:extLst>
+          </p:nvPr>
+        </p:nvCxnSpPr>
+        <p:spPr>
+          <a:xfrm>
+            <a:off x="1188357" y="5151666"/>
+            <a:ext cx="9822543" cy="0"/>
+          </a:xfrm>
+          <a:prstGeom prst="line">
+            <a:avLst/>
+          </a:prstGeom>
+          <a:ln w="12700">
+            <a:solidFill>
+              <a:schemeClr val="tx1"/>
+            </a:solidFill>
+          </a:ln>
+        </p:spPr>
+        <p:style>
+          <a:lnRef idx="1">
+            <a:schemeClr val="accent1"/>
+          </a:lnRef>
+          <a:fillRef idx="0">
+            <a:schemeClr val="accent1"/>
+          </a:fillRef>
+          <a:effectRef idx="0">
+            <a:schemeClr val="accent1"/>
+          </a:effectRef>
+          <a:fontRef idx="minor">
+            <a:schemeClr val="tx1"/>
+          </a:fontRef>
+        </p:style>
+      </p:cxnSp>
       <p:sp useBgFill="1">
         <p:nvSpPr>
-          <p:cNvPr id="8" name="Rectangle 7">
-            <a:extLst>
-              <a:ext uri="{FF2B5EF4-FFF2-40B4-BE49-F238E27FC236}">
-                <a16:creationId xmlns:a16="http://schemas.microsoft.com/office/drawing/2014/main" id="{AB20E7A4-EC2C-47C8-BE55-65771E3F2EDA}"/>
+          <p:cNvPr id="12" name="Rectangle 11">
+            <a:extLst>
+              <a:ext uri="{FF2B5EF4-FFF2-40B4-BE49-F238E27FC236}">
+                <a16:creationId xmlns:a16="http://schemas.microsoft.com/office/drawing/2014/main" id="{4A3E5678-E0CE-4EE8-9480-5A05F00FD19B}"/>
               </a:ext>
               <a:ext uri="{C183D7F6-B498-43B3-948B-1728B52AA6E4}">
                 <adec:decorative xmlns:adec="http://schemas.microsoft.com/office/drawing/2017/decorative" val="1"/>
@@ -4651,10 +4804,10 @@
       </p:sp>
       <p:sp>
         <p:nvSpPr>
-          <p:cNvPr id="10" name="Freeform: Shape 9">
-            <a:extLst>
-              <a:ext uri="{FF2B5EF4-FFF2-40B4-BE49-F238E27FC236}">
-                <a16:creationId xmlns:a16="http://schemas.microsoft.com/office/drawing/2014/main" id="{2C1892C0-2D0F-43AD-8262-C52412CA76F7}"/>
+          <p:cNvPr id="14" name="Freeform: Shape 13">
+            <a:extLst>
+              <a:ext uri="{FF2B5EF4-FFF2-40B4-BE49-F238E27FC236}">
+                <a16:creationId xmlns:a16="http://schemas.microsoft.com/office/drawing/2014/main" id="{77DE83E3-33B4-4A21-9A81-9105B7A54ED4}"/>
               </a:ext>
               <a:ext uri="{C183D7F6-B498-43B3-948B-1728B52AA6E4}">
                 <adec:decorative xmlns:adec="http://schemas.microsoft.com/office/drawing/2017/decorative" val="1"/>
@@ -4674,24 +4827,20 @@
         </p:nvSpPr>
         <p:spPr>
           <a:xfrm>
-            <a:off x="0" y="0"/>
-            <a:ext cx="9102534" cy="6858000"/>
+            <a:off x="873178" y="0"/>
+            <a:ext cx="8239927" cy="6858000"/>
           </a:xfrm>
           <a:custGeom>
             <a:avLst/>
             <a:gdLst>
-              <a:gd name="connsiteX0" fmla="*/ 0 w 9102534"/>
+              <a:gd name="connsiteX0" fmla="*/ 6010593 w 8239927"/>
               <a:gd name="connsiteY0" fmla="*/ 0 h 6858000"/>
-              <a:gd name="connsiteX1" fmla="*/ 9102534 w 9102534"/>
+              <a:gd name="connsiteX1" fmla="*/ 8239927 w 8239927"/>
               <a:gd name="connsiteY1" fmla="*/ 0 h 6858000"/>
-              <a:gd name="connsiteX2" fmla="*/ 9102532 w 9102534"/>
-              <a:gd name="connsiteY2" fmla="*/ 2 h 6858000"/>
-              <a:gd name="connsiteX3" fmla="*/ 9102531 w 9102534"/>
-              <a:gd name="connsiteY3" fmla="*/ 4 h 6858000"/>
-              <a:gd name="connsiteX4" fmla="*/ 3091942 w 9102534"/>
-              <a:gd name="connsiteY4" fmla="*/ 6858000 h 6858000"/>
-              <a:gd name="connsiteX5" fmla="*/ 0 w 9102534"/>
-              <a:gd name="connsiteY5" fmla="*/ 6858000 h 6858000"/>
+              <a:gd name="connsiteX2" fmla="*/ 2229335 w 8239927"/>
+              <a:gd name="connsiteY2" fmla="*/ 6858000 h 6858000"/>
+              <a:gd name="connsiteX3" fmla="*/ 0 w 8239927"/>
+              <a:gd name="connsiteY3" fmla="*/ 6858000 h 6858000"/>
             </a:gdLst>
             <a:ahLst/>
             <a:cxnLst>
@@ -4707,32 +4856,18 @@
               <a:cxn ang="0">
                 <a:pos x="connsiteX3" y="connsiteY3"/>
               </a:cxn>
-              <a:cxn ang="0">
-                <a:pos x="connsiteX4" y="connsiteY4"/>
-              </a:cxn>
-              <a:cxn ang="0">
-                <a:pos x="connsiteX5" y="connsiteY5"/>
-              </a:cxn>
             </a:cxnLst>
             <a:rect l="l" t="t" r="r" b="b"/>
             <a:pathLst>
-              <a:path w="9102534" h="6858000">
+              <a:path w="8239927" h="6858000">
                 <a:moveTo>
-                  <a:pt x="0" y="0"/>
+                  <a:pt x="6010593" y="0"/>
                 </a:moveTo>
                 <a:lnTo>
-                  <a:pt x="9102534" y="0"/>
+                  <a:pt x="8239927" y="0"/>
                 </a:lnTo>
                 <a:lnTo>
-                  <a:pt x="9102532" y="2"/>
-                </a:lnTo>
-                <a:cubicBezTo>
-                  <a:pt x="9102532" y="3"/>
-                  <a:pt x="9102531" y="3"/>
-                  <a:pt x="9102531" y="4"/>
-                </a:cubicBezTo>
-                <a:lnTo>
-                  <a:pt x="3091942" y="6858000"/>
+                  <a:pt x="2229335" y="6858000"/>
                 </a:lnTo>
                 <a:lnTo>
                   <a:pt x="0" y="6858000"/>
@@ -4781,7 +4916,7 @@
           <p:cNvPr id="2" name="Título 1">
             <a:extLst>
               <a:ext uri="{FF2B5EF4-FFF2-40B4-BE49-F238E27FC236}">
-                <a16:creationId xmlns:a16="http://schemas.microsoft.com/office/drawing/2014/main" id="{913CF3CD-62A7-498B-92FB-3EAC02FA2DB8}"/>
+                <a16:creationId xmlns:a16="http://schemas.microsoft.com/office/drawing/2014/main" id="{4DE20957-69E9-445D-825B-3F248CF384CF}"/>
               </a:ext>
             </a:extLst>
           </p:cNvPr>
@@ -4794,167 +4929,28 @@
         </p:nvSpPr>
         <p:spPr>
           <a:xfrm>
-            <a:off x="1143000" y="869651"/>
-            <a:ext cx="9921459" cy="930966"/>
+            <a:off x="5369563" y="2992975"/>
+            <a:ext cx="1460559" cy="871648"/>
           </a:xfrm>
         </p:spPr>
         <p:txBody>
-          <a:bodyPr anchor="t">
+          <a:bodyPr vert="horz" lIns="91440" tIns="45720" rIns="91440" bIns="45720" rtlCol="0" anchor="b">
             <a:normAutofit/>
           </a:bodyPr>
           <a:lstStyle/>
           <a:p>
-            <a:pPr algn="ctr"/>
-            <a:r>
-              <a:rPr lang="es-ES" dirty="0"/>
-              <a:t>¿Qué son las herramientas CASE?</a:t>
-            </a:r>
-          </a:p>
-        </p:txBody>
-      </p:sp>
-      <p:sp>
-        <p:nvSpPr>
-          <p:cNvPr id="3" name="Marcador de contenido 2">
-            <a:extLst>
-              <a:ext uri="{FF2B5EF4-FFF2-40B4-BE49-F238E27FC236}">
-                <a16:creationId xmlns:a16="http://schemas.microsoft.com/office/drawing/2014/main" id="{2CA58D3A-B687-4E0E-AE03-30F66E54E652}"/>
-              </a:ext>
-            </a:extLst>
-          </p:cNvPr>
-          <p:cNvSpPr>
-            <a:spLocks noGrp="1"/>
-          </p:cNvSpPr>
-          <p:nvPr>
-            <p:ph idx="1"/>
-          </p:nvPr>
-        </p:nvSpPr>
-        <p:spPr>
-          <a:xfrm>
-            <a:off x="1283918" y="2391276"/>
-            <a:ext cx="9838150" cy="3313286"/>
-          </a:xfrm>
-        </p:spPr>
-        <p:txBody>
-          <a:bodyPr anchor="b">
-            <a:normAutofit fontScale="92500" lnSpcReduction="10000"/>
-          </a:bodyPr>
-          <a:lstStyle/>
-          <a:p>
-            <a:pPr algn="just">
-              <a:buNone/>
-            </a:pPr>
-            <a:r>
-              <a:rPr lang="es-ES" dirty="0">
-                <a:ea typeface="+mn-lt"/>
-                <a:cs typeface="+mn-lt"/>
-              </a:rPr>
-              <a:t>Las herramientas CASE son un conjunto de aplicaciones informáticas, usadas para automatizar actividades de el ciclo de vida de desarrollo de sistemas (SDLC). Las herramientas CASE son usadas por los Directores de proyectos de software, analistas e Ingenieros para desarrollar sistemas de software.</a:t>
-            </a:r>
-            <a:endParaRPr lang="es-ES" dirty="0"/>
-          </a:p>
-          <a:p>
-            <a:pPr algn="just">
-              <a:buNone/>
-            </a:pPr>
-            <a:r>
-              <a:rPr lang="es-ES" dirty="0">
-                <a:ea typeface="+mn-lt"/>
-                <a:cs typeface="+mn-lt"/>
-              </a:rPr>
-              <a:t>Hay un gran número de Herramientas CASE disponibles para simplificar varias etapas en el desarrollo del ciclo vital del Software, como por ejemplo herramientas de análisis, </a:t>
-            </a:r>
-            <a:r>
-              <a:rPr lang="es-ES" dirty="0" err="1">
-                <a:ea typeface="+mn-lt"/>
-                <a:cs typeface="+mn-lt"/>
-              </a:rPr>
-              <a:t>ect</a:t>
-            </a:r>
-            <a:r>
-              <a:rPr lang="es-ES" dirty="0">
-                <a:ea typeface="+mn-lt"/>
-                <a:cs typeface="+mn-lt"/>
-              </a:rPr>
-              <a:t>...</a:t>
-            </a:r>
-          </a:p>
-          <a:p>
-            <a:pPr algn="just">
-              <a:buNone/>
-            </a:pPr>
-            <a:r>
-              <a:rPr lang="es-ES" dirty="0">
-                <a:ea typeface="+mn-lt"/>
-                <a:cs typeface="+mn-lt"/>
-              </a:rPr>
-              <a:t>El uso de Herramientas CASE acelera el desarrollo del proyecto con tal de producir los resultados deseados y ayuda a encontrar imperfecciones antes de proseguir con la siguiente etapa del desarrollo de Software.</a:t>
-            </a:r>
-            <a:endParaRPr lang="es-ES"/>
-          </a:p>
-          <a:p>
-            <a:pPr marL="0" indent="0" algn="r">
-              <a:buNone/>
-            </a:pPr>
-            <a:endParaRPr lang="es-ES" dirty="0"/>
-          </a:p>
-        </p:txBody>
-      </p:sp>
-      <p:cxnSp>
-        <p:nvCxnSpPr>
-          <p:cNvPr id="12" name="Straight Connector 11">
-            <a:extLst>
-              <a:ext uri="{FF2B5EF4-FFF2-40B4-BE49-F238E27FC236}">
-                <a16:creationId xmlns:a16="http://schemas.microsoft.com/office/drawing/2014/main" id="{1766FD2F-248A-4AA1-8078-E26D6E690BB9}"/>
-              </a:ext>
-              <a:ext uri="{C183D7F6-B498-43B3-948B-1728B52AA6E4}">
-                <adec:decorative xmlns:adec="http://schemas.microsoft.com/office/drawing/2017/decorative" val="1"/>
-              </a:ext>
-            </a:extLst>
-          </p:cNvPr>
-          <p:cNvCxnSpPr>
-            <a:cxnSpLocks noGrp="1" noRot="1" noChangeAspect="1" noMove="1" noResize="1" noEditPoints="1" noAdjustHandles="1" noChangeArrowheads="1" noChangeShapeType="1"/>
-          </p:cNvCxnSpPr>
-          <p:nvPr>
-            <p:extLst>
-              <p:ext uri="{386F3935-93C4-4BCD-93E2-E3B085C9AB24}">
-                <p16:designElem xmlns:p16="http://schemas.microsoft.com/office/powerpoint/2015/main" val="1"/>
-              </p:ext>
-            </p:extLst>
-          </p:nvPr>
-        </p:nvCxnSpPr>
-        <p:spPr>
-          <a:xfrm>
-            <a:off x="1233837" y="6172200"/>
-            <a:ext cx="9760638" cy="0"/>
-          </a:xfrm>
-          <a:prstGeom prst="line">
-            <a:avLst/>
-          </a:prstGeom>
-          <a:ln w="12700">
-            <a:solidFill>
-              <a:schemeClr val="tx1"/>
-            </a:solidFill>
-          </a:ln>
-        </p:spPr>
-        <p:style>
-          <a:lnRef idx="1">
-            <a:schemeClr val="accent1"/>
-          </a:lnRef>
-          <a:fillRef idx="0">
-            <a:schemeClr val="accent1"/>
-          </a:fillRef>
-          <a:effectRef idx="0">
-            <a:schemeClr val="accent1"/>
-          </a:effectRef>
-          <a:fontRef idx="minor">
-            <a:schemeClr val="tx1"/>
-          </a:fontRef>
-        </p:style>
-      </p:cxnSp>
+            <a:pPr algn="r"/>
+            <a:r>
+              <a:rPr lang="en-US" sz="4800" cap="all" spc="300" dirty="0"/>
+              <a:t>Fin</a:t>
+            </a:r>
+          </a:p>
+        </p:txBody>
+      </p:sp>
     </p:spTree>
     <p:extLst>
       <p:ext uri="{BB962C8B-B14F-4D97-AF65-F5344CB8AC3E}">
-        <p14:creationId xmlns:p14="http://schemas.microsoft.com/office/powerpoint/2010/main" val="824471908"/>
+        <p14:creationId xmlns:p14="http://schemas.microsoft.com/office/powerpoint/2010/main" val="3729255956"/>
       </p:ext>
     </p:extLst>
   </p:cSld>
@@ -4964,7 +4960,7 @@
 </p:sld>
 </file>
 
-<file path=ppt/slides/slide3.xml><?xml version="1.0" encoding="utf-8"?>
+<file path=ppt/slides/slide2.xml><?xml version="1.0" encoding="utf-8"?>
 <p:sld xmlns:a="http://schemas.openxmlformats.org/drawingml/2006/main" xmlns:r="http://schemas.openxmlformats.org/officeDocument/2006/relationships" xmlns:p="http://schemas.openxmlformats.org/presentationml/2006/main">
   <p:cSld>
     <p:bg>
@@ -4991,7 +4987,7 @@
       </p:grpSpPr>
       <p:sp useBgFill="1">
         <p:nvSpPr>
-          <p:cNvPr id="8" name="Rectangle 7">
+          <p:cNvPr id="17" name="Rectangle 16">
             <a:extLst>
               <a:ext uri="{FF2B5EF4-FFF2-40B4-BE49-F238E27FC236}">
                 <a16:creationId xmlns:a16="http://schemas.microsoft.com/office/drawing/2014/main" id="{AB20E7A4-EC2C-47C8-BE55-65771E3F2EDA}"/>
@@ -5067,7 +5063,7 @@
       </p:sp>
       <p:sp>
         <p:nvSpPr>
-          <p:cNvPr id="10" name="Freeform: Shape 9">
+          <p:cNvPr id="19" name="Freeform: Shape 18">
             <a:extLst>
               <a:ext uri="{FF2B5EF4-FFF2-40B4-BE49-F238E27FC236}">
                 <a16:creationId xmlns:a16="http://schemas.microsoft.com/office/drawing/2014/main" id="{1CF23DDA-0D09-4FE5-AE88-EBBE5E02467C}"/>
@@ -5289,7 +5285,7 @@
           <p:cNvPr id="2" name="Título 1">
             <a:extLst>
               <a:ext uri="{FF2B5EF4-FFF2-40B4-BE49-F238E27FC236}">
-                <a16:creationId xmlns:a16="http://schemas.microsoft.com/office/drawing/2014/main" id="{C8321AFC-FFCE-4F08-9174-AE960ABB9584}"/>
+                <a16:creationId xmlns:a16="http://schemas.microsoft.com/office/drawing/2014/main" id="{913CF3CD-62A7-498B-92FB-3EAC02FA2DB8}"/>
               </a:ext>
             </a:extLst>
           </p:cNvPr>
@@ -5302,8 +5298,8 @@
         </p:nvSpPr>
         <p:spPr>
           <a:xfrm>
-            <a:off x="1143001" y="587816"/>
-            <a:ext cx="9854713" cy="849172"/>
+            <a:off x="1143001" y="1203678"/>
+            <a:ext cx="3894412" cy="2028707"/>
           </a:xfrm>
         </p:spPr>
         <p:txBody>
@@ -5312,15 +5308,534 @@
           </a:bodyPr>
           <a:lstStyle/>
           <a:p>
+            <a:r>
+              <a:rPr lang="es-ES" dirty="0"/>
+              <a:t>¿Qué son las herramientas CASE?</a:t>
+            </a:r>
+            <a:endParaRPr lang="es-ES"/>
+          </a:p>
+        </p:txBody>
+      </p:sp>
+      <p:sp>
+        <p:nvSpPr>
+          <p:cNvPr id="3" name="Marcador de contenido 2">
+            <a:extLst>
+              <a:ext uri="{FF2B5EF4-FFF2-40B4-BE49-F238E27FC236}">
+                <a16:creationId xmlns:a16="http://schemas.microsoft.com/office/drawing/2014/main" id="{2CA58D3A-B687-4E0E-AE03-30F66E54E652}"/>
+              </a:ext>
+            </a:extLst>
+          </p:cNvPr>
+          <p:cNvSpPr>
+            <a:spLocks noGrp="1"/>
+          </p:cNvSpPr>
+          <p:nvPr>
+            <p:ph idx="1"/>
+          </p:nvPr>
+        </p:nvSpPr>
+        <p:spPr>
+          <a:xfrm>
+            <a:off x="5453548" y="1446418"/>
+            <a:ext cx="5595452" cy="4268582"/>
+          </a:xfrm>
+        </p:spPr>
+        <p:txBody>
+          <a:bodyPr anchor="b">
+            <a:normAutofit/>
+          </a:bodyPr>
+          <a:lstStyle/>
+          <a:p>
+            <a:pPr algn="ctr">
+              <a:lnSpc>
+                <a:spcPct val="110000"/>
+              </a:lnSpc>
+              <a:buNone/>
+            </a:pPr>
+            <a:r>
+              <a:rPr lang="es-ES" sz="1600" dirty="0">
+                <a:ea typeface="+mn-lt"/>
+                <a:cs typeface="+mn-lt"/>
+              </a:rPr>
+              <a:t>Las herramientas CASE son un conjunto de aplicaciones informáticas, usadas para automatizar actividades del ciclo de vida de desarrollo de sistemas (SDLC). Las herramientas CASE son usadas por los Directores de proyectos de software, analistas e Ingenieros para desarrollar sistemas de software.</a:t>
+            </a:r>
+            <a:endParaRPr lang="es-ES" sz="1600" dirty="0"/>
+          </a:p>
+          <a:p>
+            <a:pPr algn="ctr">
+              <a:lnSpc>
+                <a:spcPct val="110000"/>
+              </a:lnSpc>
+              <a:buNone/>
+            </a:pPr>
+            <a:r>
+              <a:rPr lang="es-ES" sz="1600" dirty="0">
+                <a:ea typeface="+mn-lt"/>
+                <a:cs typeface="+mn-lt"/>
+              </a:rPr>
+              <a:t>Hay un gran número de Herramientas CASE disponibles para simplificar varias etapas en el desarrollo del ciclo vital del Software, como por ejemplo herramientas de análisis, </a:t>
+            </a:r>
+            <a:r>
+              <a:rPr lang="es-ES" sz="1600" dirty="0" err="1">
+                <a:ea typeface="+mn-lt"/>
+                <a:cs typeface="+mn-lt"/>
+              </a:rPr>
+              <a:t>ect</a:t>
+            </a:r>
+            <a:r>
+              <a:rPr lang="es-ES" sz="1600" dirty="0">
+                <a:ea typeface="+mn-lt"/>
+                <a:cs typeface="+mn-lt"/>
+              </a:rPr>
+              <a:t>...</a:t>
+            </a:r>
+          </a:p>
+          <a:p>
+            <a:pPr algn="ctr">
+              <a:lnSpc>
+                <a:spcPct val="110000"/>
+              </a:lnSpc>
+              <a:buNone/>
+            </a:pPr>
+            <a:r>
+              <a:rPr lang="es-ES" sz="1600" dirty="0">
+                <a:ea typeface="+mn-lt"/>
+                <a:cs typeface="+mn-lt"/>
+              </a:rPr>
+              <a:t>El uso de Herramientas CASE acelera el desarrollo del proyecto con tal de producir los resultados deseados y ayuda a encontrar imperfecciones antes de proseguir con la siguiente etapa del desarrollo de Software.</a:t>
+            </a:r>
+            <a:endParaRPr lang="es-ES" sz="1600" dirty="0"/>
+          </a:p>
+          <a:p>
+            <a:pPr marL="0" indent="0" algn="r">
+              <a:lnSpc>
+                <a:spcPct val="110000"/>
+              </a:lnSpc>
+              <a:buNone/>
+            </a:pPr>
+            <a:endParaRPr lang="es-ES" sz="1600"/>
+          </a:p>
+        </p:txBody>
+      </p:sp>
+      <p:cxnSp>
+        <p:nvCxnSpPr>
+          <p:cNvPr id="21" name="Straight Connector 20">
+            <a:extLst>
+              <a:ext uri="{FF2B5EF4-FFF2-40B4-BE49-F238E27FC236}">
+                <a16:creationId xmlns:a16="http://schemas.microsoft.com/office/drawing/2014/main" id="{1766FD2F-248A-4AA1-8078-E26D6E690BB9}"/>
+              </a:ext>
+              <a:ext uri="{C183D7F6-B498-43B3-948B-1728B52AA6E4}">
+                <adec:decorative xmlns:adec="http://schemas.microsoft.com/office/drawing/2017/decorative" val="1"/>
+              </a:ext>
+            </a:extLst>
+          </p:cNvPr>
+          <p:cNvCxnSpPr>
+            <a:cxnSpLocks noGrp="1" noRot="1" noChangeAspect="1" noMove="1" noResize="1" noEditPoints="1" noAdjustHandles="1" noChangeArrowheads="1" noChangeShapeType="1"/>
+          </p:cNvCxnSpPr>
+          <p:nvPr>
+            <p:extLst>
+              <p:ext uri="{386F3935-93C4-4BCD-93E2-E3B085C9AB24}">
+                <p16:designElem xmlns:p16="http://schemas.microsoft.com/office/powerpoint/2015/main" val="1"/>
+              </p:ext>
+            </p:extLst>
+          </p:nvPr>
+        </p:nvCxnSpPr>
+        <p:spPr>
+          <a:xfrm>
+            <a:off x="1233837" y="6172200"/>
+            <a:ext cx="9760638" cy="0"/>
+          </a:xfrm>
+          <a:prstGeom prst="line">
+            <a:avLst/>
+          </a:prstGeom>
+          <a:ln w="12700">
+            <a:solidFill>
+              <a:schemeClr val="tx1"/>
+            </a:solidFill>
+          </a:ln>
+        </p:spPr>
+        <p:style>
+          <a:lnRef idx="1">
+            <a:schemeClr val="accent1"/>
+          </a:lnRef>
+          <a:fillRef idx="0">
+            <a:schemeClr val="accent1"/>
+          </a:fillRef>
+          <a:effectRef idx="0">
+            <a:schemeClr val="accent1"/>
+          </a:effectRef>
+          <a:fontRef idx="minor">
+            <a:schemeClr val="tx1"/>
+          </a:fontRef>
+        </p:style>
+      </p:cxnSp>
+    </p:spTree>
+    <p:extLst>
+      <p:ext uri="{BB962C8B-B14F-4D97-AF65-F5344CB8AC3E}">
+        <p14:creationId xmlns:p14="http://schemas.microsoft.com/office/powerpoint/2010/main" val="824471908"/>
+      </p:ext>
+    </p:extLst>
+  </p:cSld>
+  <p:clrMapOvr>
+    <a:masterClrMapping/>
+  </p:clrMapOvr>
+</p:sld>
+</file>
+
+<file path=ppt/slides/slide3.xml><?xml version="1.0" encoding="utf-8"?>
+<p:sld xmlns:a="http://schemas.openxmlformats.org/drawingml/2006/main" xmlns:r="http://schemas.openxmlformats.org/officeDocument/2006/relationships" xmlns:p="http://schemas.openxmlformats.org/presentationml/2006/main">
+  <p:cSld>
+    <p:bg>
+      <p:bgPr>
+        <a:solidFill>
+          <a:schemeClr val="bg1"/>
+        </a:solidFill>
+        <a:effectLst/>
+      </p:bgPr>
+    </p:bg>
+    <p:spTree>
+      <p:nvGrpSpPr>
+        <p:cNvPr id="1" name=""/>
+        <p:cNvGrpSpPr/>
+        <p:nvPr/>
+      </p:nvGrpSpPr>
+      <p:grpSpPr>
+        <a:xfrm>
+          <a:off x="0" y="0"/>
+          <a:ext cx="0" cy="0"/>
+          <a:chOff x="0" y="0"/>
+          <a:chExt cx="0" cy="0"/>
+        </a:xfrm>
+      </p:grpSpPr>
+      <p:sp useBgFill="1">
+        <p:nvSpPr>
+          <p:cNvPr id="17" name="Rectangle 16">
+            <a:extLst>
+              <a:ext uri="{FF2B5EF4-FFF2-40B4-BE49-F238E27FC236}">
+                <a16:creationId xmlns:a16="http://schemas.microsoft.com/office/drawing/2014/main" id="{AB20E7A4-EC2C-47C8-BE55-65771E3F2EDA}"/>
+              </a:ext>
+              <a:ext uri="{C183D7F6-B498-43B3-948B-1728B52AA6E4}">
+                <adec:decorative xmlns:adec="http://schemas.microsoft.com/office/drawing/2017/decorative" val="1"/>
+              </a:ext>
+            </a:extLst>
+          </p:cNvPr>
+          <p:cNvSpPr>
+            <a:spLocks noGrp="1" noRot="1" noChangeAspect="1" noMove="1" noResize="1" noEditPoints="1" noAdjustHandles="1" noChangeArrowheads="1" noChangeShapeType="1" noTextEdit="1"/>
+          </p:cNvSpPr>
+          <p:nvPr>
+            <p:extLst>
+              <p:ext uri="{386F3935-93C4-4BCD-93E2-E3B085C9AB24}">
+                <p16:designElem xmlns:p16="http://schemas.microsoft.com/office/powerpoint/2015/main" val="1"/>
+              </p:ext>
+            </p:extLst>
+          </p:nvPr>
+        </p:nvSpPr>
+        <p:spPr>
+          <a:xfrm>
+            <a:off x="0" y="0"/>
+            <a:ext cx="12192000" cy="6858000"/>
+          </a:xfrm>
+          <a:prstGeom prst="rect">
+            <a:avLst/>
+          </a:prstGeom>
+          <a:ln w="12700" cap="flat" cmpd="sng" algn="ctr">
+            <a:noFill/>
+            <a:prstDash val="solid"/>
+            <a:miter lim="800000"/>
+          </a:ln>
+          <a:effectLst/>
+          <a:extLst>
+            <a:ext uri="{91240B29-F687-4F45-9708-019B960494DF}">
+              <a14:hiddenLine xmlns:a14="http://schemas.microsoft.com/office/drawing/2010/main" w="12700" cap="flat" cmpd="sng" algn="ctr">
+                <a:solidFill>
+                  <a:schemeClr val="accent1">
+                    <a:shade val="50000"/>
+                  </a:schemeClr>
+                </a:solidFill>
+                <a:prstDash val="solid"/>
+                <a:miter lim="800000"/>
+              </a14:hiddenLine>
+            </a:ext>
+          </a:extLst>
+        </p:spPr>
+        <p:style>
+          <a:lnRef idx="2">
+            <a:schemeClr val="accent1">
+              <a:shade val="50000"/>
+            </a:schemeClr>
+          </a:lnRef>
+          <a:fillRef idx="1">
+            <a:schemeClr val="accent1"/>
+          </a:fillRef>
+          <a:effectRef idx="0">
+            <a:schemeClr val="accent1"/>
+          </a:effectRef>
+          <a:fontRef idx="minor">
+            <a:schemeClr val="lt1"/>
+          </a:fontRef>
+        </p:style>
+        <p:txBody>
+          <a:bodyPr rtlCol="0" anchor="ctr"/>
+          <a:lstStyle/>
+          <a:p>
             <a:pPr algn="ctr"/>
-            <a:r>
-              <a:rPr lang="es-ES" dirty="0">
+            <a:endParaRPr lang="en-US"/>
+          </a:p>
+        </p:txBody>
+      </p:sp>
+      <p:sp>
+        <p:nvSpPr>
+          <p:cNvPr id="19" name="Freeform: Shape 18">
+            <a:extLst>
+              <a:ext uri="{FF2B5EF4-FFF2-40B4-BE49-F238E27FC236}">
+                <a16:creationId xmlns:a16="http://schemas.microsoft.com/office/drawing/2014/main" id="{1CF23DDA-0D09-4FE5-AE88-EBBE5E02467C}"/>
+              </a:ext>
+              <a:ext uri="{C183D7F6-B498-43B3-948B-1728B52AA6E4}">
+                <adec:decorative xmlns:adec="http://schemas.microsoft.com/office/drawing/2017/decorative" val="1"/>
+              </a:ext>
+            </a:extLst>
+          </p:cNvPr>
+          <p:cNvSpPr>
+            <a:spLocks noGrp="1" noRot="1" noChangeAspect="1" noMove="1" noResize="1" noEditPoints="1" noAdjustHandles="1" noChangeArrowheads="1" noChangeShapeType="1" noTextEdit="1"/>
+          </p:cNvSpPr>
+          <p:nvPr>
+            <p:extLst>
+              <p:ext uri="{386F3935-93C4-4BCD-93E2-E3B085C9AB24}">
+                <p16:designElem xmlns:p16="http://schemas.microsoft.com/office/powerpoint/2015/main" val="1"/>
+              </p:ext>
+            </p:extLst>
+          </p:nvPr>
+        </p:nvSpPr>
+        <p:spPr>
+          <a:xfrm rot="10800000">
+            <a:off x="0" y="0"/>
+            <a:ext cx="6885325" cy="6858000"/>
+          </a:xfrm>
+          <a:custGeom>
+            <a:avLst/>
+            <a:gdLst>
+              <a:gd name="connsiteX0" fmla="*/ 4456883 w 6885325"/>
+              <a:gd name="connsiteY0" fmla="*/ 6858000 h 6858000"/>
+              <a:gd name="connsiteX1" fmla="*/ 0 w 6885325"/>
+              <a:gd name="connsiteY1" fmla="*/ 6858000 h 6858000"/>
+              <a:gd name="connsiteX2" fmla="*/ 6010592 w 6885325"/>
+              <a:gd name="connsiteY2" fmla="*/ 0 h 6858000"/>
+              <a:gd name="connsiteX3" fmla="*/ 6885325 w 6885325"/>
+              <a:gd name="connsiteY3" fmla="*/ 0 h 6858000"/>
+              <a:gd name="connsiteX4" fmla="*/ 6885325 w 6885325"/>
+              <a:gd name="connsiteY4" fmla="*/ 1545581 h 6858000"/>
+              <a:gd name="connsiteX5" fmla="*/ 6885324 w 6885325"/>
+              <a:gd name="connsiteY5" fmla="*/ 1545582 h 6858000"/>
+              <a:gd name="connsiteX6" fmla="*/ 6885324 w 6885325"/>
+              <a:gd name="connsiteY6" fmla="*/ 4070877 h 6858000"/>
+              <a:gd name="connsiteX7" fmla="*/ 6885325 w 6885325"/>
+              <a:gd name="connsiteY7" fmla="*/ 4070876 h 6858000"/>
+              <a:gd name="connsiteX8" fmla="*/ 6885325 w 6885325"/>
+              <a:gd name="connsiteY8" fmla="*/ 6857999 h 6858000"/>
+              <a:gd name="connsiteX9" fmla="*/ 4456884 w 6885325"/>
+              <a:gd name="connsiteY9" fmla="*/ 6857999 h 6858000"/>
+              <a:gd name="connsiteX0" fmla="*/ 4456884 w 6885325"/>
+              <a:gd name="connsiteY0" fmla="*/ 6857999 h 6858000"/>
+              <a:gd name="connsiteX1" fmla="*/ 0 w 6885325"/>
+              <a:gd name="connsiteY1" fmla="*/ 6858000 h 6858000"/>
+              <a:gd name="connsiteX2" fmla="*/ 6010592 w 6885325"/>
+              <a:gd name="connsiteY2" fmla="*/ 0 h 6858000"/>
+              <a:gd name="connsiteX3" fmla="*/ 6885325 w 6885325"/>
+              <a:gd name="connsiteY3" fmla="*/ 0 h 6858000"/>
+              <a:gd name="connsiteX4" fmla="*/ 6885325 w 6885325"/>
+              <a:gd name="connsiteY4" fmla="*/ 1545581 h 6858000"/>
+              <a:gd name="connsiteX5" fmla="*/ 6885324 w 6885325"/>
+              <a:gd name="connsiteY5" fmla="*/ 1545582 h 6858000"/>
+              <a:gd name="connsiteX6" fmla="*/ 6885324 w 6885325"/>
+              <a:gd name="connsiteY6" fmla="*/ 4070877 h 6858000"/>
+              <a:gd name="connsiteX7" fmla="*/ 6885325 w 6885325"/>
+              <a:gd name="connsiteY7" fmla="*/ 4070876 h 6858000"/>
+              <a:gd name="connsiteX8" fmla="*/ 6885325 w 6885325"/>
+              <a:gd name="connsiteY8" fmla="*/ 6857999 h 6858000"/>
+              <a:gd name="connsiteX9" fmla="*/ 4456884 w 6885325"/>
+              <a:gd name="connsiteY9" fmla="*/ 6857999 h 6858000"/>
+              <a:gd name="connsiteX0" fmla="*/ 6885325 w 6885325"/>
+              <a:gd name="connsiteY0" fmla="*/ 6857999 h 6858000"/>
+              <a:gd name="connsiteX1" fmla="*/ 0 w 6885325"/>
+              <a:gd name="connsiteY1" fmla="*/ 6858000 h 6858000"/>
+              <a:gd name="connsiteX2" fmla="*/ 6010592 w 6885325"/>
+              <a:gd name="connsiteY2" fmla="*/ 0 h 6858000"/>
+              <a:gd name="connsiteX3" fmla="*/ 6885325 w 6885325"/>
+              <a:gd name="connsiteY3" fmla="*/ 0 h 6858000"/>
+              <a:gd name="connsiteX4" fmla="*/ 6885325 w 6885325"/>
+              <a:gd name="connsiteY4" fmla="*/ 1545581 h 6858000"/>
+              <a:gd name="connsiteX5" fmla="*/ 6885324 w 6885325"/>
+              <a:gd name="connsiteY5" fmla="*/ 1545582 h 6858000"/>
+              <a:gd name="connsiteX6" fmla="*/ 6885324 w 6885325"/>
+              <a:gd name="connsiteY6" fmla="*/ 4070877 h 6858000"/>
+              <a:gd name="connsiteX7" fmla="*/ 6885325 w 6885325"/>
+              <a:gd name="connsiteY7" fmla="*/ 4070876 h 6858000"/>
+              <a:gd name="connsiteX8" fmla="*/ 6885325 w 6885325"/>
+              <a:gd name="connsiteY8" fmla="*/ 6857999 h 6858000"/>
+              <a:gd name="connsiteX0" fmla="*/ 6885325 w 6885325"/>
+              <a:gd name="connsiteY0" fmla="*/ 6857999 h 6858000"/>
+              <a:gd name="connsiteX1" fmla="*/ 0 w 6885325"/>
+              <a:gd name="connsiteY1" fmla="*/ 6858000 h 6858000"/>
+              <a:gd name="connsiteX2" fmla="*/ 6010592 w 6885325"/>
+              <a:gd name="connsiteY2" fmla="*/ 0 h 6858000"/>
+              <a:gd name="connsiteX3" fmla="*/ 6885325 w 6885325"/>
+              <a:gd name="connsiteY3" fmla="*/ 0 h 6858000"/>
+              <a:gd name="connsiteX4" fmla="*/ 6885325 w 6885325"/>
+              <a:gd name="connsiteY4" fmla="*/ 1545581 h 6858000"/>
+              <a:gd name="connsiteX5" fmla="*/ 6885324 w 6885325"/>
+              <a:gd name="connsiteY5" fmla="*/ 1545582 h 6858000"/>
+              <a:gd name="connsiteX6" fmla="*/ 6885324 w 6885325"/>
+              <a:gd name="connsiteY6" fmla="*/ 4070877 h 6858000"/>
+              <a:gd name="connsiteX7" fmla="*/ 6885325 w 6885325"/>
+              <a:gd name="connsiteY7" fmla="*/ 6857999 h 6858000"/>
+              <a:gd name="connsiteX0" fmla="*/ 6885325 w 6885325"/>
+              <a:gd name="connsiteY0" fmla="*/ 6857999 h 6858000"/>
+              <a:gd name="connsiteX1" fmla="*/ 0 w 6885325"/>
+              <a:gd name="connsiteY1" fmla="*/ 6858000 h 6858000"/>
+              <a:gd name="connsiteX2" fmla="*/ 6010592 w 6885325"/>
+              <a:gd name="connsiteY2" fmla="*/ 0 h 6858000"/>
+              <a:gd name="connsiteX3" fmla="*/ 6885325 w 6885325"/>
+              <a:gd name="connsiteY3" fmla="*/ 0 h 6858000"/>
+              <a:gd name="connsiteX4" fmla="*/ 6885325 w 6885325"/>
+              <a:gd name="connsiteY4" fmla="*/ 1545581 h 6858000"/>
+              <a:gd name="connsiteX5" fmla="*/ 6885324 w 6885325"/>
+              <a:gd name="connsiteY5" fmla="*/ 1545582 h 6858000"/>
+              <a:gd name="connsiteX6" fmla="*/ 6885325 w 6885325"/>
+              <a:gd name="connsiteY6" fmla="*/ 6857999 h 6858000"/>
+              <a:gd name="connsiteX0" fmla="*/ 6885325 w 6885325"/>
+              <a:gd name="connsiteY0" fmla="*/ 6857999 h 6858000"/>
+              <a:gd name="connsiteX1" fmla="*/ 0 w 6885325"/>
+              <a:gd name="connsiteY1" fmla="*/ 6858000 h 6858000"/>
+              <a:gd name="connsiteX2" fmla="*/ 6010592 w 6885325"/>
+              <a:gd name="connsiteY2" fmla="*/ 0 h 6858000"/>
+              <a:gd name="connsiteX3" fmla="*/ 6885325 w 6885325"/>
+              <a:gd name="connsiteY3" fmla="*/ 0 h 6858000"/>
+              <a:gd name="connsiteX4" fmla="*/ 6885325 w 6885325"/>
+              <a:gd name="connsiteY4" fmla="*/ 1545581 h 6858000"/>
+              <a:gd name="connsiteX5" fmla="*/ 6885325 w 6885325"/>
+              <a:gd name="connsiteY5" fmla="*/ 6857999 h 6858000"/>
+              <a:gd name="connsiteX0" fmla="*/ 6885325 w 6885325"/>
+              <a:gd name="connsiteY0" fmla="*/ 6857999 h 6858000"/>
+              <a:gd name="connsiteX1" fmla="*/ 0 w 6885325"/>
+              <a:gd name="connsiteY1" fmla="*/ 6858000 h 6858000"/>
+              <a:gd name="connsiteX2" fmla="*/ 6010592 w 6885325"/>
+              <a:gd name="connsiteY2" fmla="*/ 0 h 6858000"/>
+              <a:gd name="connsiteX3" fmla="*/ 6885325 w 6885325"/>
+              <a:gd name="connsiteY3" fmla="*/ 0 h 6858000"/>
+              <a:gd name="connsiteX4" fmla="*/ 6885325 w 6885325"/>
+              <a:gd name="connsiteY4" fmla="*/ 6857999 h 6858000"/>
+            </a:gdLst>
+            <a:ahLst/>
+            <a:cxnLst>
+              <a:cxn ang="0">
+                <a:pos x="connsiteX0" y="connsiteY0"/>
+              </a:cxn>
+              <a:cxn ang="0">
+                <a:pos x="connsiteX1" y="connsiteY1"/>
+              </a:cxn>
+              <a:cxn ang="0">
+                <a:pos x="connsiteX2" y="connsiteY2"/>
+              </a:cxn>
+              <a:cxn ang="0">
+                <a:pos x="connsiteX3" y="connsiteY3"/>
+              </a:cxn>
+              <a:cxn ang="0">
+                <a:pos x="connsiteX4" y="connsiteY4"/>
+              </a:cxn>
+            </a:cxnLst>
+            <a:rect l="l" t="t" r="r" b="b"/>
+            <a:pathLst>
+              <a:path w="6885325" h="6858000">
+                <a:moveTo>
+                  <a:pt x="6885325" y="6857999"/>
+                </a:moveTo>
+                <a:lnTo>
+                  <a:pt x="0" y="6858000"/>
+                </a:lnTo>
+                <a:lnTo>
+                  <a:pt x="6010592" y="0"/>
+                </a:lnTo>
+                <a:lnTo>
+                  <a:pt x="6885325" y="0"/>
+                </a:lnTo>
+                <a:lnTo>
+                  <a:pt x="6885325" y="6857999"/>
+                </a:lnTo>
+                <a:close/>
+              </a:path>
+            </a:pathLst>
+          </a:custGeom>
+          <a:solidFill>
+            <a:schemeClr val="bg2"/>
+          </a:solidFill>
+          <a:ln w="12700" cap="flat" cmpd="sng" algn="ctr">
+            <a:noFill/>
+            <a:prstDash val="solid"/>
+            <a:miter lim="800000"/>
+          </a:ln>
+          <a:effectLst/>
+        </p:spPr>
+        <p:style>
+          <a:lnRef idx="2">
+            <a:schemeClr val="accent1">
+              <a:shade val="50000"/>
+            </a:schemeClr>
+          </a:lnRef>
+          <a:fillRef idx="1">
+            <a:schemeClr val="accent1"/>
+          </a:fillRef>
+          <a:effectRef idx="0">
+            <a:schemeClr val="accent1"/>
+          </a:effectRef>
+          <a:fontRef idx="minor">
+            <a:schemeClr val="lt1"/>
+          </a:fontRef>
+        </p:style>
+        <p:txBody>
+          <a:bodyPr wrap="square" rtlCol="0" anchor="ctr">
+            <a:noAutofit/>
+          </a:bodyPr>
+          <a:lstStyle/>
+          <a:p>
+            <a:pPr algn="ctr"/>
+            <a:endParaRPr lang="en-US"/>
+          </a:p>
+        </p:txBody>
+      </p:sp>
+      <p:sp>
+        <p:nvSpPr>
+          <p:cNvPr id="2" name="Título 1">
+            <a:extLst>
+              <a:ext uri="{FF2B5EF4-FFF2-40B4-BE49-F238E27FC236}">
+                <a16:creationId xmlns:a16="http://schemas.microsoft.com/office/drawing/2014/main" id="{C8321AFC-FFCE-4F08-9174-AE960ABB9584}"/>
+              </a:ext>
+            </a:extLst>
+          </p:cNvPr>
+          <p:cNvSpPr>
+            <a:spLocks noGrp="1"/>
+          </p:cNvSpPr>
+          <p:nvPr>
+            <p:ph type="title"/>
+          </p:nvPr>
+        </p:nvSpPr>
+        <p:spPr>
+          <a:xfrm>
+            <a:off x="1143001" y="1203678"/>
+            <a:ext cx="3894412" cy="2028707"/>
+          </a:xfrm>
+        </p:spPr>
+        <p:txBody>
+          <a:bodyPr anchor="t">
+            <a:normAutofit/>
+          </a:bodyPr>
+          <a:lstStyle/>
+          <a:p>
+            <a:r>
+              <a:rPr lang="es-ES" sz="2500">
                 <a:ea typeface="+mj-lt"/>
                 <a:cs typeface="+mj-lt"/>
               </a:rPr>
               <a:t>Estructura/Componentes</a:t>
             </a:r>
-            <a:endParaRPr lang="es-ES" dirty="0"/>
+            <a:endParaRPr lang="es-ES" sz="2500"/>
           </a:p>
         </p:txBody>
       </p:sp>
@@ -5342,146 +5857,155 @@
         </p:nvSpPr>
         <p:spPr>
           <a:xfrm>
-            <a:off x="1142507" y="2020527"/>
-            <a:ext cx="9906493" cy="3694473"/>
+            <a:off x="5453548" y="1446418"/>
+            <a:ext cx="5595452" cy="4268582"/>
           </a:xfrm>
         </p:spPr>
         <p:txBody>
           <a:bodyPr anchor="b">
-            <a:normAutofit fontScale="92500" lnSpcReduction="10000"/>
+            <a:normAutofit/>
           </a:bodyPr>
           <a:lstStyle/>
           <a:p>
-            <a:pPr algn="ctr"/>
-            <a:r>
-              <a:rPr lang="es-ES" b="1" dirty="0">
+            <a:pPr algn="ctr">
+              <a:lnSpc>
+                <a:spcPct val="110000"/>
+              </a:lnSpc>
+            </a:pPr>
+            <a:r>
+              <a:rPr lang="es-ES" sz="1400" b="1" dirty="0">
                 <a:ea typeface="+mn-lt"/>
                 <a:cs typeface="+mn-lt"/>
               </a:rPr>
               <a:t>Depósito central </a:t>
             </a:r>
             <a:r>
-              <a:rPr lang="es-ES" dirty="0">
+              <a:rPr lang="es-ES" sz="1400" dirty="0">
                 <a:ea typeface="+mn-lt"/>
                 <a:cs typeface="+mn-lt"/>
               </a:rPr>
               <a:t>- Las herramientas CASE requieren un Depósito central, el cual nos puede servir como fuente de común, consistente e integrada información. El depósito central. Aquí</a:t>
             </a:r>
             <a:r>
-              <a:rPr lang="es-ES" dirty="0"/>
+              <a:rPr lang="es-ES" sz="1400" dirty="0"/>
               <a:t> se almacena </a:t>
             </a:r>
             <a:r>
-              <a:rPr lang="es-ES" dirty="0">
+              <a:rPr lang="es-ES" sz="1400" dirty="0">
                 <a:ea typeface="+mn-lt"/>
                 <a:cs typeface="+mn-lt"/>
               </a:rPr>
               <a:t>los requisitos del producto, los documentos requeridos ,</a:t>
             </a:r>
             <a:r>
-              <a:rPr lang="es-ES" dirty="0" err="1">
+              <a:rPr lang="es-ES" sz="1400" dirty="0" err="1">
                 <a:ea typeface="+mn-lt"/>
                 <a:cs typeface="+mn-lt"/>
               </a:rPr>
               <a:t>ect</a:t>
             </a:r>
             <a:r>
-              <a:rPr lang="es-ES" dirty="0">
+              <a:rPr lang="es-ES" sz="1400" dirty="0">
                 <a:ea typeface="+mn-lt"/>
                 <a:cs typeface="+mn-lt"/>
               </a:rPr>
               <a:t>...</a:t>
             </a:r>
-            <a:endParaRPr lang="es-ES">
-              <a:ea typeface="+mn-lt"/>
-              <a:cs typeface="+mn-lt"/>
-            </a:endParaRPr>
-          </a:p>
-          <a:p>
-            <a:pPr algn="ctr"/>
-            <a:r>
-              <a:rPr lang="es-ES" b="1" dirty="0">
+            <a:endParaRPr lang="es-ES" dirty="0"/>
+          </a:p>
+          <a:p>
+            <a:pPr algn="ctr">
+              <a:lnSpc>
+                <a:spcPct val="110000"/>
+              </a:lnSpc>
+            </a:pPr>
+            <a:r>
+              <a:rPr lang="es-ES" sz="1400" b="1" dirty="0">
                 <a:ea typeface="+mn-lt"/>
                 <a:cs typeface="+mn-lt"/>
               </a:rPr>
               <a:t>Herramientas </a:t>
             </a:r>
             <a:r>
-              <a:rPr lang="es-ES" b="1" dirty="0" err="1">
+              <a:rPr lang="es-ES" sz="1400" b="1" dirty="0" err="1">
                 <a:ea typeface="+mn-lt"/>
                 <a:cs typeface="+mn-lt"/>
               </a:rPr>
               <a:t>Upper</a:t>
             </a:r>
             <a:r>
-              <a:rPr lang="es-ES" b="1" dirty="0">
+              <a:rPr lang="es-ES" sz="1400" b="1" dirty="0">
                 <a:ea typeface="+mn-lt"/>
                 <a:cs typeface="+mn-lt"/>
               </a:rPr>
               <a:t> CASE </a:t>
             </a:r>
             <a:r>
-              <a:rPr lang="es-ES" dirty="0">
+              <a:rPr lang="es-ES" sz="1400" dirty="0">
                 <a:ea typeface="+mn-lt"/>
                 <a:cs typeface="+mn-lt"/>
               </a:rPr>
               <a:t>- Las Herramientas </a:t>
             </a:r>
             <a:r>
-              <a:rPr lang="es-ES" dirty="0" err="1">
+              <a:rPr lang="es-ES" sz="1400" dirty="0" err="1">
                 <a:ea typeface="+mn-lt"/>
                 <a:cs typeface="+mn-lt"/>
               </a:rPr>
               <a:t>Upper</a:t>
             </a:r>
             <a:r>
-              <a:rPr lang="es-ES" dirty="0">
+              <a:rPr lang="es-ES" sz="1400" dirty="0">
                 <a:ea typeface="+mn-lt"/>
                 <a:cs typeface="+mn-lt"/>
               </a:rPr>
               <a:t> CASE se usan en las etapas de planificación, análisis y diseño del SDLC.</a:t>
             </a:r>
-            <a:endParaRPr lang="es-ES" dirty="0"/>
-          </a:p>
-          <a:p>
-            <a:pPr algn="ctr"/>
-            <a:r>
-              <a:rPr lang="es-ES" b="1" dirty="0">
+            <a:endParaRPr lang="es-ES" sz="1400" dirty="0"/>
+          </a:p>
+          <a:p>
+            <a:pPr algn="ctr">
+              <a:lnSpc>
+                <a:spcPct val="110000"/>
+              </a:lnSpc>
+            </a:pPr>
+            <a:r>
+              <a:rPr lang="es-ES" sz="1400" b="1" dirty="0">
                 <a:ea typeface="+mn-lt"/>
                 <a:cs typeface="+mn-lt"/>
               </a:rPr>
               <a:t>Herramientas </a:t>
             </a:r>
             <a:r>
-              <a:rPr lang="es-ES" b="1" dirty="0" err="1">
+              <a:rPr lang="es-ES" sz="1400" b="1" dirty="0" err="1">
                 <a:ea typeface="+mn-lt"/>
                 <a:cs typeface="+mn-lt"/>
               </a:rPr>
               <a:t>Lower</a:t>
             </a:r>
             <a:r>
-              <a:rPr lang="es-ES" b="1" dirty="0">
+              <a:rPr lang="es-ES" sz="1400" b="1" dirty="0">
                 <a:ea typeface="+mn-lt"/>
                 <a:cs typeface="+mn-lt"/>
               </a:rPr>
               <a:t> CASE </a:t>
             </a:r>
             <a:r>
-              <a:rPr lang="es-ES" dirty="0">
+              <a:rPr lang="es-ES" sz="1400" dirty="0">
                 <a:ea typeface="+mn-lt"/>
                 <a:cs typeface="+mn-lt"/>
               </a:rPr>
               <a:t>- Las Herramientas </a:t>
             </a:r>
             <a:r>
-              <a:rPr lang="es-ES" dirty="0" err="1">
+              <a:rPr lang="es-ES" sz="1400" dirty="0" err="1">
                 <a:ea typeface="+mn-lt"/>
                 <a:cs typeface="+mn-lt"/>
               </a:rPr>
               <a:t>Lower</a:t>
             </a:r>
             <a:r>
-              <a:rPr lang="es-ES" dirty="0">
+              <a:rPr lang="es-ES" sz="1400" dirty="0">
                 <a:ea typeface="+mn-lt"/>
                 <a:cs typeface="+mn-lt"/>
               </a:rPr>
@@ -5489,55 +6013,59 @@
             </a:r>
           </a:p>
           <a:p>
-            <a:pPr algn="ctr"/>
-            <a:r>
-              <a:rPr lang="es-ES" b="1" dirty="0">
+            <a:pPr algn="ctr">
+              <a:lnSpc>
+                <a:spcPct val="110000"/>
+              </a:lnSpc>
+            </a:pPr>
+            <a:r>
+              <a:rPr lang="es-ES" sz="1400" b="1" dirty="0">
                 <a:ea typeface="+mn-lt"/>
                 <a:cs typeface="+mn-lt"/>
               </a:rPr>
               <a:t>Herramientas </a:t>
             </a:r>
             <a:r>
-              <a:rPr lang="es-ES" b="1" dirty="0" err="1">
+              <a:rPr lang="es-ES" sz="1400" b="1" dirty="0" err="1">
                 <a:ea typeface="+mn-lt"/>
                 <a:cs typeface="+mn-lt"/>
               </a:rPr>
               <a:t>Integrated</a:t>
             </a:r>
             <a:r>
-              <a:rPr lang="es-ES" b="1" dirty="0">
+              <a:rPr lang="es-ES" sz="1400" b="1" dirty="0">
                 <a:ea typeface="+mn-lt"/>
                 <a:cs typeface="+mn-lt"/>
               </a:rPr>
               <a:t> CASE </a:t>
             </a:r>
             <a:r>
-              <a:rPr lang="es-ES" dirty="0">
+              <a:rPr lang="es-ES" sz="1400" dirty="0">
                 <a:ea typeface="+mn-lt"/>
                 <a:cs typeface="+mn-lt"/>
               </a:rPr>
               <a:t>- Las Herramientas </a:t>
             </a:r>
             <a:r>
-              <a:rPr lang="es-ES" dirty="0" err="1">
+              <a:rPr lang="es-ES" sz="1400" dirty="0" err="1">
                 <a:ea typeface="+mn-lt"/>
                 <a:cs typeface="+mn-lt"/>
               </a:rPr>
               <a:t>Integrated</a:t>
             </a:r>
             <a:r>
-              <a:rPr lang="es-ES" dirty="0">
+              <a:rPr lang="es-ES" sz="1400" dirty="0">
                 <a:ea typeface="+mn-lt"/>
                 <a:cs typeface="+mn-lt"/>
               </a:rPr>
-              <a:t> CASE son de utilidad en todas las fases del SDLC, desde la reducción de requisitos y las pruebas hasta la documentación.</a:t>
+              <a:t> CASE son de utilidad en todas las fases del SDLC, des de la educción de requisitos y las pruebas hasta la documentación.</a:t>
             </a:r>
           </a:p>
         </p:txBody>
       </p:sp>
       <p:cxnSp>
         <p:nvCxnSpPr>
-          <p:cNvPr id="12" name="Straight Connector 11">
+          <p:cNvPr id="21" name="Straight Connector 20">
             <a:extLst>
               <a:ext uri="{FF2B5EF4-FFF2-40B4-BE49-F238E27FC236}">
                 <a16:creationId xmlns:a16="http://schemas.microsoft.com/office/drawing/2014/main" id="{1766FD2F-248A-4AA1-8078-E26D6E690BB9}"/>
@@ -5603,6 +6131,14 @@
 <file path=ppt/slides/slide4.xml><?xml version="1.0" encoding="utf-8"?>
 <p:sld xmlns:a="http://schemas.openxmlformats.org/drawingml/2006/main" xmlns:r="http://schemas.openxmlformats.org/officeDocument/2006/relationships" xmlns:p="http://schemas.openxmlformats.org/presentationml/2006/main">
   <p:cSld>
+    <p:bg>
+      <p:bgPr>
+        <a:solidFill>
+          <a:schemeClr val="bg1"/>
+        </a:solidFill>
+        <a:effectLst/>
+      </p:bgPr>
+    </p:bg>
     <p:spTree>
       <p:nvGrpSpPr>
         <p:cNvPr id="1" name=""/>
@@ -5617,12 +6153,307 @@
           <a:chExt cx="0" cy="0"/>
         </a:xfrm>
       </p:grpSpPr>
+      <p:sp useBgFill="1">
+        <p:nvSpPr>
+          <p:cNvPr id="17" name="Rectangle 16">
+            <a:extLst>
+              <a:ext uri="{FF2B5EF4-FFF2-40B4-BE49-F238E27FC236}">
+                <a16:creationId xmlns:a16="http://schemas.microsoft.com/office/drawing/2014/main" id="{AB20E7A4-EC2C-47C8-BE55-65771E3F2EDA}"/>
+              </a:ext>
+              <a:ext uri="{C183D7F6-B498-43B3-948B-1728B52AA6E4}">
+                <adec:decorative xmlns:adec="http://schemas.microsoft.com/office/drawing/2017/decorative" val="1"/>
+              </a:ext>
+            </a:extLst>
+          </p:cNvPr>
+          <p:cNvSpPr>
+            <a:spLocks noGrp="1" noRot="1" noChangeAspect="1" noMove="1" noResize="1" noEditPoints="1" noAdjustHandles="1" noChangeArrowheads="1" noChangeShapeType="1" noTextEdit="1"/>
+          </p:cNvSpPr>
+          <p:nvPr>
+            <p:extLst>
+              <p:ext uri="{386F3935-93C4-4BCD-93E2-E3B085C9AB24}">
+                <p16:designElem xmlns:p16="http://schemas.microsoft.com/office/powerpoint/2015/main" val="1"/>
+              </p:ext>
+            </p:extLst>
+          </p:nvPr>
+        </p:nvSpPr>
+        <p:spPr>
+          <a:xfrm>
+            <a:off x="0" y="0"/>
+            <a:ext cx="12192000" cy="6858000"/>
+          </a:xfrm>
+          <a:prstGeom prst="rect">
+            <a:avLst/>
+          </a:prstGeom>
+          <a:ln w="12700" cap="flat" cmpd="sng" algn="ctr">
+            <a:noFill/>
+            <a:prstDash val="solid"/>
+            <a:miter lim="800000"/>
+          </a:ln>
+          <a:effectLst/>
+          <a:extLst>
+            <a:ext uri="{91240B29-F687-4F45-9708-019B960494DF}">
+              <a14:hiddenLine xmlns:a14="http://schemas.microsoft.com/office/drawing/2010/main" w="12700" cap="flat" cmpd="sng" algn="ctr">
+                <a:solidFill>
+                  <a:schemeClr val="accent1">
+                    <a:shade val="50000"/>
+                  </a:schemeClr>
+                </a:solidFill>
+                <a:prstDash val="solid"/>
+                <a:miter lim="800000"/>
+              </a14:hiddenLine>
+            </a:ext>
+          </a:extLst>
+        </p:spPr>
+        <p:style>
+          <a:lnRef idx="2">
+            <a:schemeClr val="accent1">
+              <a:shade val="50000"/>
+            </a:schemeClr>
+          </a:lnRef>
+          <a:fillRef idx="1">
+            <a:schemeClr val="accent1"/>
+          </a:fillRef>
+          <a:effectRef idx="0">
+            <a:schemeClr val="accent1"/>
+          </a:effectRef>
+          <a:fontRef idx="minor">
+            <a:schemeClr val="lt1"/>
+          </a:fontRef>
+        </p:style>
+        <p:txBody>
+          <a:bodyPr rtlCol="0" anchor="ctr"/>
+          <a:lstStyle/>
+          <a:p>
+            <a:pPr algn="ctr"/>
+            <a:endParaRPr lang="en-US"/>
+          </a:p>
+        </p:txBody>
+      </p:sp>
+      <p:sp>
+        <p:nvSpPr>
+          <p:cNvPr id="19" name="Freeform: Shape 18">
+            <a:extLst>
+              <a:ext uri="{FF2B5EF4-FFF2-40B4-BE49-F238E27FC236}">
+                <a16:creationId xmlns:a16="http://schemas.microsoft.com/office/drawing/2014/main" id="{1CF23DDA-0D09-4FE5-AE88-EBBE5E02467C}"/>
+              </a:ext>
+              <a:ext uri="{C183D7F6-B498-43B3-948B-1728B52AA6E4}">
+                <adec:decorative xmlns:adec="http://schemas.microsoft.com/office/drawing/2017/decorative" val="1"/>
+              </a:ext>
+            </a:extLst>
+          </p:cNvPr>
+          <p:cNvSpPr>
+            <a:spLocks noGrp="1" noRot="1" noChangeAspect="1" noMove="1" noResize="1" noEditPoints="1" noAdjustHandles="1" noChangeArrowheads="1" noChangeShapeType="1" noTextEdit="1"/>
+          </p:cNvSpPr>
+          <p:nvPr>
+            <p:extLst>
+              <p:ext uri="{386F3935-93C4-4BCD-93E2-E3B085C9AB24}">
+                <p16:designElem xmlns:p16="http://schemas.microsoft.com/office/powerpoint/2015/main" val="1"/>
+              </p:ext>
+            </p:extLst>
+          </p:nvPr>
+        </p:nvSpPr>
+        <p:spPr>
+          <a:xfrm rot="10800000">
+            <a:off x="0" y="0"/>
+            <a:ext cx="6885325" cy="6858000"/>
+          </a:xfrm>
+          <a:custGeom>
+            <a:avLst/>
+            <a:gdLst>
+              <a:gd name="connsiteX0" fmla="*/ 4456883 w 6885325"/>
+              <a:gd name="connsiteY0" fmla="*/ 6858000 h 6858000"/>
+              <a:gd name="connsiteX1" fmla="*/ 0 w 6885325"/>
+              <a:gd name="connsiteY1" fmla="*/ 6858000 h 6858000"/>
+              <a:gd name="connsiteX2" fmla="*/ 6010592 w 6885325"/>
+              <a:gd name="connsiteY2" fmla="*/ 0 h 6858000"/>
+              <a:gd name="connsiteX3" fmla="*/ 6885325 w 6885325"/>
+              <a:gd name="connsiteY3" fmla="*/ 0 h 6858000"/>
+              <a:gd name="connsiteX4" fmla="*/ 6885325 w 6885325"/>
+              <a:gd name="connsiteY4" fmla="*/ 1545581 h 6858000"/>
+              <a:gd name="connsiteX5" fmla="*/ 6885324 w 6885325"/>
+              <a:gd name="connsiteY5" fmla="*/ 1545582 h 6858000"/>
+              <a:gd name="connsiteX6" fmla="*/ 6885324 w 6885325"/>
+              <a:gd name="connsiteY6" fmla="*/ 4070877 h 6858000"/>
+              <a:gd name="connsiteX7" fmla="*/ 6885325 w 6885325"/>
+              <a:gd name="connsiteY7" fmla="*/ 4070876 h 6858000"/>
+              <a:gd name="connsiteX8" fmla="*/ 6885325 w 6885325"/>
+              <a:gd name="connsiteY8" fmla="*/ 6857999 h 6858000"/>
+              <a:gd name="connsiteX9" fmla="*/ 4456884 w 6885325"/>
+              <a:gd name="connsiteY9" fmla="*/ 6857999 h 6858000"/>
+              <a:gd name="connsiteX0" fmla="*/ 4456884 w 6885325"/>
+              <a:gd name="connsiteY0" fmla="*/ 6857999 h 6858000"/>
+              <a:gd name="connsiteX1" fmla="*/ 0 w 6885325"/>
+              <a:gd name="connsiteY1" fmla="*/ 6858000 h 6858000"/>
+              <a:gd name="connsiteX2" fmla="*/ 6010592 w 6885325"/>
+              <a:gd name="connsiteY2" fmla="*/ 0 h 6858000"/>
+              <a:gd name="connsiteX3" fmla="*/ 6885325 w 6885325"/>
+              <a:gd name="connsiteY3" fmla="*/ 0 h 6858000"/>
+              <a:gd name="connsiteX4" fmla="*/ 6885325 w 6885325"/>
+              <a:gd name="connsiteY4" fmla="*/ 1545581 h 6858000"/>
+              <a:gd name="connsiteX5" fmla="*/ 6885324 w 6885325"/>
+              <a:gd name="connsiteY5" fmla="*/ 1545582 h 6858000"/>
+              <a:gd name="connsiteX6" fmla="*/ 6885324 w 6885325"/>
+              <a:gd name="connsiteY6" fmla="*/ 4070877 h 6858000"/>
+              <a:gd name="connsiteX7" fmla="*/ 6885325 w 6885325"/>
+              <a:gd name="connsiteY7" fmla="*/ 4070876 h 6858000"/>
+              <a:gd name="connsiteX8" fmla="*/ 6885325 w 6885325"/>
+              <a:gd name="connsiteY8" fmla="*/ 6857999 h 6858000"/>
+              <a:gd name="connsiteX9" fmla="*/ 4456884 w 6885325"/>
+              <a:gd name="connsiteY9" fmla="*/ 6857999 h 6858000"/>
+              <a:gd name="connsiteX0" fmla="*/ 6885325 w 6885325"/>
+              <a:gd name="connsiteY0" fmla="*/ 6857999 h 6858000"/>
+              <a:gd name="connsiteX1" fmla="*/ 0 w 6885325"/>
+              <a:gd name="connsiteY1" fmla="*/ 6858000 h 6858000"/>
+              <a:gd name="connsiteX2" fmla="*/ 6010592 w 6885325"/>
+              <a:gd name="connsiteY2" fmla="*/ 0 h 6858000"/>
+              <a:gd name="connsiteX3" fmla="*/ 6885325 w 6885325"/>
+              <a:gd name="connsiteY3" fmla="*/ 0 h 6858000"/>
+              <a:gd name="connsiteX4" fmla="*/ 6885325 w 6885325"/>
+              <a:gd name="connsiteY4" fmla="*/ 1545581 h 6858000"/>
+              <a:gd name="connsiteX5" fmla="*/ 6885324 w 6885325"/>
+              <a:gd name="connsiteY5" fmla="*/ 1545582 h 6858000"/>
+              <a:gd name="connsiteX6" fmla="*/ 6885324 w 6885325"/>
+              <a:gd name="connsiteY6" fmla="*/ 4070877 h 6858000"/>
+              <a:gd name="connsiteX7" fmla="*/ 6885325 w 6885325"/>
+              <a:gd name="connsiteY7" fmla="*/ 4070876 h 6858000"/>
+              <a:gd name="connsiteX8" fmla="*/ 6885325 w 6885325"/>
+              <a:gd name="connsiteY8" fmla="*/ 6857999 h 6858000"/>
+              <a:gd name="connsiteX0" fmla="*/ 6885325 w 6885325"/>
+              <a:gd name="connsiteY0" fmla="*/ 6857999 h 6858000"/>
+              <a:gd name="connsiteX1" fmla="*/ 0 w 6885325"/>
+              <a:gd name="connsiteY1" fmla="*/ 6858000 h 6858000"/>
+              <a:gd name="connsiteX2" fmla="*/ 6010592 w 6885325"/>
+              <a:gd name="connsiteY2" fmla="*/ 0 h 6858000"/>
+              <a:gd name="connsiteX3" fmla="*/ 6885325 w 6885325"/>
+              <a:gd name="connsiteY3" fmla="*/ 0 h 6858000"/>
+              <a:gd name="connsiteX4" fmla="*/ 6885325 w 6885325"/>
+              <a:gd name="connsiteY4" fmla="*/ 1545581 h 6858000"/>
+              <a:gd name="connsiteX5" fmla="*/ 6885324 w 6885325"/>
+              <a:gd name="connsiteY5" fmla="*/ 1545582 h 6858000"/>
+              <a:gd name="connsiteX6" fmla="*/ 6885324 w 6885325"/>
+              <a:gd name="connsiteY6" fmla="*/ 4070877 h 6858000"/>
+              <a:gd name="connsiteX7" fmla="*/ 6885325 w 6885325"/>
+              <a:gd name="connsiteY7" fmla="*/ 6857999 h 6858000"/>
+              <a:gd name="connsiteX0" fmla="*/ 6885325 w 6885325"/>
+              <a:gd name="connsiteY0" fmla="*/ 6857999 h 6858000"/>
+              <a:gd name="connsiteX1" fmla="*/ 0 w 6885325"/>
+              <a:gd name="connsiteY1" fmla="*/ 6858000 h 6858000"/>
+              <a:gd name="connsiteX2" fmla="*/ 6010592 w 6885325"/>
+              <a:gd name="connsiteY2" fmla="*/ 0 h 6858000"/>
+              <a:gd name="connsiteX3" fmla="*/ 6885325 w 6885325"/>
+              <a:gd name="connsiteY3" fmla="*/ 0 h 6858000"/>
+              <a:gd name="connsiteX4" fmla="*/ 6885325 w 6885325"/>
+              <a:gd name="connsiteY4" fmla="*/ 1545581 h 6858000"/>
+              <a:gd name="connsiteX5" fmla="*/ 6885324 w 6885325"/>
+              <a:gd name="connsiteY5" fmla="*/ 1545582 h 6858000"/>
+              <a:gd name="connsiteX6" fmla="*/ 6885325 w 6885325"/>
+              <a:gd name="connsiteY6" fmla="*/ 6857999 h 6858000"/>
+              <a:gd name="connsiteX0" fmla="*/ 6885325 w 6885325"/>
+              <a:gd name="connsiteY0" fmla="*/ 6857999 h 6858000"/>
+              <a:gd name="connsiteX1" fmla="*/ 0 w 6885325"/>
+              <a:gd name="connsiteY1" fmla="*/ 6858000 h 6858000"/>
+              <a:gd name="connsiteX2" fmla="*/ 6010592 w 6885325"/>
+              <a:gd name="connsiteY2" fmla="*/ 0 h 6858000"/>
+              <a:gd name="connsiteX3" fmla="*/ 6885325 w 6885325"/>
+              <a:gd name="connsiteY3" fmla="*/ 0 h 6858000"/>
+              <a:gd name="connsiteX4" fmla="*/ 6885325 w 6885325"/>
+              <a:gd name="connsiteY4" fmla="*/ 1545581 h 6858000"/>
+              <a:gd name="connsiteX5" fmla="*/ 6885325 w 6885325"/>
+              <a:gd name="connsiteY5" fmla="*/ 6857999 h 6858000"/>
+              <a:gd name="connsiteX0" fmla="*/ 6885325 w 6885325"/>
+              <a:gd name="connsiteY0" fmla="*/ 6857999 h 6858000"/>
+              <a:gd name="connsiteX1" fmla="*/ 0 w 6885325"/>
+              <a:gd name="connsiteY1" fmla="*/ 6858000 h 6858000"/>
+              <a:gd name="connsiteX2" fmla="*/ 6010592 w 6885325"/>
+              <a:gd name="connsiteY2" fmla="*/ 0 h 6858000"/>
+              <a:gd name="connsiteX3" fmla="*/ 6885325 w 6885325"/>
+              <a:gd name="connsiteY3" fmla="*/ 0 h 6858000"/>
+              <a:gd name="connsiteX4" fmla="*/ 6885325 w 6885325"/>
+              <a:gd name="connsiteY4" fmla="*/ 6857999 h 6858000"/>
+            </a:gdLst>
+            <a:ahLst/>
+            <a:cxnLst>
+              <a:cxn ang="0">
+                <a:pos x="connsiteX0" y="connsiteY0"/>
+              </a:cxn>
+              <a:cxn ang="0">
+                <a:pos x="connsiteX1" y="connsiteY1"/>
+              </a:cxn>
+              <a:cxn ang="0">
+                <a:pos x="connsiteX2" y="connsiteY2"/>
+              </a:cxn>
+              <a:cxn ang="0">
+                <a:pos x="connsiteX3" y="connsiteY3"/>
+              </a:cxn>
+              <a:cxn ang="0">
+                <a:pos x="connsiteX4" y="connsiteY4"/>
+              </a:cxn>
+            </a:cxnLst>
+            <a:rect l="l" t="t" r="r" b="b"/>
+            <a:pathLst>
+              <a:path w="6885325" h="6858000">
+                <a:moveTo>
+                  <a:pt x="6885325" y="6857999"/>
+                </a:moveTo>
+                <a:lnTo>
+                  <a:pt x="0" y="6858000"/>
+                </a:lnTo>
+                <a:lnTo>
+                  <a:pt x="6010592" y="0"/>
+                </a:lnTo>
+                <a:lnTo>
+                  <a:pt x="6885325" y="0"/>
+                </a:lnTo>
+                <a:lnTo>
+                  <a:pt x="6885325" y="6857999"/>
+                </a:lnTo>
+                <a:close/>
+              </a:path>
+            </a:pathLst>
+          </a:custGeom>
+          <a:solidFill>
+            <a:schemeClr val="bg2"/>
+          </a:solidFill>
+          <a:ln w="12700" cap="flat" cmpd="sng" algn="ctr">
+            <a:noFill/>
+            <a:prstDash val="solid"/>
+            <a:miter lim="800000"/>
+          </a:ln>
+          <a:effectLst/>
+        </p:spPr>
+        <p:style>
+          <a:lnRef idx="2">
+            <a:schemeClr val="accent1">
+              <a:shade val="50000"/>
+            </a:schemeClr>
+          </a:lnRef>
+          <a:fillRef idx="1">
+            <a:schemeClr val="accent1"/>
+          </a:fillRef>
+          <a:effectRef idx="0">
+            <a:schemeClr val="accent1"/>
+          </a:effectRef>
+          <a:fontRef idx="minor">
+            <a:schemeClr val="lt1"/>
+          </a:fontRef>
+        </p:style>
+        <p:txBody>
+          <a:bodyPr wrap="square" rtlCol="0" anchor="ctr">
+            <a:noAutofit/>
+          </a:bodyPr>
+          <a:lstStyle/>
+          <a:p>
+            <a:pPr algn="ctr"/>
+            <a:endParaRPr lang="en-US"/>
+          </a:p>
+        </p:txBody>
+      </p:sp>
       <p:sp>
         <p:nvSpPr>
           <p:cNvPr id="2" name="Título 1">
             <a:extLst>
               <a:ext uri="{FF2B5EF4-FFF2-40B4-BE49-F238E27FC236}">
-                <a16:creationId xmlns:a16="http://schemas.microsoft.com/office/drawing/2014/main" id="{BC07CEC9-B5D1-4F7E-B0DD-F865BA56B397}"/>
+                <a16:creationId xmlns:a16="http://schemas.microsoft.com/office/drawing/2014/main" id="{DD5DB3CE-CBC8-4341-88B6-466D27F32C8A}"/>
               </a:ext>
             </a:extLst>
           </p:cNvPr>
@@ -5633,9 +6464,16 @@
             <p:ph type="title"/>
           </p:nvPr>
         </p:nvSpPr>
-        <p:spPr/>
-        <p:txBody>
-          <a:bodyPr/>
+        <p:spPr>
+          <a:xfrm>
+            <a:off x="1143001" y="1203678"/>
+            <a:ext cx="3894412" cy="2028707"/>
+          </a:xfrm>
+        </p:spPr>
+        <p:txBody>
+          <a:bodyPr anchor="t">
+            <a:normAutofit/>
+          </a:bodyPr>
           <a:lstStyle/>
           <a:p>
             <a:r>
@@ -5645,7 +6483,7 @@
               </a:rPr>
               <a:t>Clasificación:</a:t>
             </a:r>
-            <a:endParaRPr lang="es-ES" dirty="0"/>
+            <a:endParaRPr lang="es-ES"/>
           </a:p>
         </p:txBody>
       </p:sp>
@@ -5654,7 +6492,7 @@
           <p:cNvPr id="3" name="Marcador de contenido 2">
             <a:extLst>
               <a:ext uri="{FF2B5EF4-FFF2-40B4-BE49-F238E27FC236}">
-                <a16:creationId xmlns:a16="http://schemas.microsoft.com/office/drawing/2014/main" id="{4B8919B5-82EF-4EFF-9316-83099940001B}"/>
+                <a16:creationId xmlns:a16="http://schemas.microsoft.com/office/drawing/2014/main" id="{894D9854-7120-47E5-987E-13C97761FA4D}"/>
               </a:ext>
             </a:extLst>
           </p:cNvPr>
@@ -5665,19 +6503,30 @@
             <p:ph idx="1"/>
           </p:nvPr>
         </p:nvSpPr>
-        <p:spPr/>
-        <p:txBody>
-          <a:bodyPr vert="horz" lIns="91440" tIns="45720" rIns="91440" bIns="45720" rtlCol="0" anchor="t">
+        <p:spPr>
+          <a:xfrm>
+            <a:off x="5453548" y="1446418"/>
+            <a:ext cx="5595452" cy="4268582"/>
+          </a:xfrm>
+        </p:spPr>
+        <p:txBody>
+          <a:bodyPr anchor="b">
             <a:normAutofit/>
           </a:bodyPr>
           <a:lstStyle/>
           <a:p>
+            <a:pPr indent="-227965" algn="ctr">
+              <a:spcBef>
+                <a:spcPts val="1001"/>
+              </a:spcBef>
+              <a:buFont typeface="Arial,Sans-Serif" panose="020B0604020202020204" pitchFamily="34" charset="0"/>
+            </a:pPr>
             <a:r>
               <a:rPr lang="es-ES" b="1" dirty="0">
                 <a:ea typeface="+mn-lt"/>
                 <a:cs typeface="+mn-lt"/>
               </a:rPr>
-              <a:t>U-CASE: y L-CASE </a:t>
+              <a:t>U-CASE: y L-CASE </a:t>
             </a:r>
             <a:r>
               <a:rPr lang="es-ES" dirty="0">
@@ -5686,8 +6535,15 @@
               </a:rPr>
               <a:t>ya han sido definidos anteriormente</a:t>
             </a:r>
-          </a:p>
-          <a:p>
+            <a:endParaRPr lang="es-ES"/>
+          </a:p>
+          <a:p>
+            <a:pPr indent="-227965" algn="ctr">
+              <a:spcBef>
+                <a:spcPts val="1001"/>
+              </a:spcBef>
+              <a:buFont typeface="Arial,Sans-Serif" panose="020B0604020202020204" pitchFamily="34" charset="0"/>
+            </a:pPr>
             <a:r>
               <a:rPr lang="es-ES" b="1" dirty="0">
                 <a:ea typeface="+mn-lt"/>
@@ -5700,7 +6556,7 @@
                 <a:ea typeface="+mn-lt"/>
                 <a:cs typeface="+mn-lt"/>
               </a:rPr>
-              <a:t> Las herramientas </a:t>
+              <a:t> Las herramientas </a:t>
             </a:r>
             <a:r>
               <a:rPr lang="es-ES" dirty="0" err="1">
@@ -5714,16 +6570,107 @@
                 <a:ea typeface="+mn-lt"/>
                 <a:cs typeface="+mn-lt"/>
               </a:rPr>
-              <a:t> CASE se usan para automatizar tareas en el análisis y diseño de la aplicación.</a:t>
-            </a:r>
-            <a:endParaRPr lang="es-ES" dirty="0"/>
-          </a:p>
-        </p:txBody>
-      </p:sp>
+              <a:t> CASE se usan para automatizar tareas en el análisis y diseño de la aplicación.</a:t>
+            </a:r>
+            <a:endParaRPr lang="es-ES">
+              <a:ea typeface="+mn-lt"/>
+              <a:cs typeface="+mn-lt"/>
+            </a:endParaRPr>
+          </a:p>
+          <a:p>
+            <a:pPr indent="-227965" algn="r">
+              <a:spcBef>
+                <a:spcPts val="1001"/>
+              </a:spcBef>
+              <a:buFont typeface="Arial,Sans-Serif" panose="020B0604020202020204" pitchFamily="34" charset="0"/>
+            </a:pPr>
+            <a:endParaRPr lang="es-ES"/>
+          </a:p>
+          <a:p>
+            <a:pPr indent="-227965" algn="r">
+              <a:spcBef>
+                <a:spcPts val="1001"/>
+              </a:spcBef>
+              <a:buFont typeface="Arial,Sans-Serif" panose="020B0604020202020204" pitchFamily="34" charset="0"/>
+            </a:pPr>
+            <a:endParaRPr lang="es-ES"/>
+          </a:p>
+          <a:p>
+            <a:pPr indent="-227965" algn="r">
+              <a:spcBef>
+                <a:spcPts val="1001"/>
+              </a:spcBef>
+              <a:buFont typeface="Arial,Sans-Serif" panose="020B0604020202020204" pitchFamily="34" charset="0"/>
+            </a:pPr>
+            <a:endParaRPr lang="es-ES"/>
+          </a:p>
+          <a:p>
+            <a:pPr indent="-227965" algn="r">
+              <a:spcBef>
+                <a:spcPts val="1001"/>
+              </a:spcBef>
+              <a:buFont typeface="Arial,Sans-Serif" panose="020B0604020202020204" pitchFamily="34" charset="0"/>
+            </a:pPr>
+            <a:endParaRPr lang="es-ES"/>
+          </a:p>
+        </p:txBody>
+      </p:sp>
+      <p:cxnSp>
+        <p:nvCxnSpPr>
+          <p:cNvPr id="21" name="Straight Connector 20">
+            <a:extLst>
+              <a:ext uri="{FF2B5EF4-FFF2-40B4-BE49-F238E27FC236}">
+                <a16:creationId xmlns:a16="http://schemas.microsoft.com/office/drawing/2014/main" id="{1766FD2F-248A-4AA1-8078-E26D6E690BB9}"/>
+              </a:ext>
+              <a:ext uri="{C183D7F6-B498-43B3-948B-1728B52AA6E4}">
+                <adec:decorative xmlns:adec="http://schemas.microsoft.com/office/drawing/2017/decorative" val="1"/>
+              </a:ext>
+            </a:extLst>
+          </p:cNvPr>
+          <p:cNvCxnSpPr>
+            <a:cxnSpLocks noGrp="1" noRot="1" noChangeAspect="1" noMove="1" noResize="1" noEditPoints="1" noAdjustHandles="1" noChangeArrowheads="1" noChangeShapeType="1"/>
+          </p:cNvCxnSpPr>
+          <p:nvPr>
+            <p:extLst>
+              <p:ext uri="{386F3935-93C4-4BCD-93E2-E3B085C9AB24}">
+                <p16:designElem xmlns:p16="http://schemas.microsoft.com/office/powerpoint/2015/main" val="1"/>
+              </p:ext>
+            </p:extLst>
+          </p:nvPr>
+        </p:nvCxnSpPr>
+        <p:spPr>
+          <a:xfrm>
+            <a:off x="1233837" y="6172200"/>
+            <a:ext cx="9760638" cy="0"/>
+          </a:xfrm>
+          <a:prstGeom prst="line">
+            <a:avLst/>
+          </a:prstGeom>
+          <a:ln w="12700">
+            <a:solidFill>
+              <a:schemeClr val="tx1"/>
+            </a:solidFill>
+          </a:ln>
+        </p:spPr>
+        <p:style>
+          <a:lnRef idx="1">
+            <a:schemeClr val="accent1"/>
+          </a:lnRef>
+          <a:fillRef idx="0">
+            <a:schemeClr val="accent1"/>
+          </a:fillRef>
+          <a:effectRef idx="0">
+            <a:schemeClr val="accent1"/>
+          </a:effectRef>
+          <a:fontRef idx="minor">
+            <a:schemeClr val="tx1"/>
+          </a:fontRef>
+        </p:style>
+      </p:cxnSp>
     </p:spTree>
     <p:extLst>
       <p:ext uri="{BB962C8B-B14F-4D97-AF65-F5344CB8AC3E}">
-        <p14:creationId xmlns:p14="http://schemas.microsoft.com/office/powerpoint/2010/main" val="3336028167"/>
+        <p14:creationId xmlns:p14="http://schemas.microsoft.com/office/powerpoint/2010/main" val="2758009961"/>
       </p:ext>
     </p:extLst>
   </p:cSld>
@@ -5736,6 +6683,14 @@
 <file path=ppt/slides/slide5.xml><?xml version="1.0" encoding="utf-8"?>
 <p:sld xmlns:a="http://schemas.openxmlformats.org/drawingml/2006/main" xmlns:r="http://schemas.openxmlformats.org/officeDocument/2006/relationships" xmlns:p="http://schemas.openxmlformats.org/presentationml/2006/main">
   <p:cSld>
+    <p:bg>
+      <p:bgPr>
+        <a:solidFill>
+          <a:schemeClr val="bg1"/>
+        </a:solidFill>
+        <a:effectLst/>
+      </p:bgPr>
+    </p:bg>
     <p:spTree>
       <p:nvGrpSpPr>
         <p:cNvPr id="1" name=""/>
@@ -5750,12 +6705,307 @@
           <a:chExt cx="0" cy="0"/>
         </a:xfrm>
       </p:grpSpPr>
+      <p:sp useBgFill="1">
+        <p:nvSpPr>
+          <p:cNvPr id="17" name="Rectangle 16">
+            <a:extLst>
+              <a:ext uri="{FF2B5EF4-FFF2-40B4-BE49-F238E27FC236}">
+                <a16:creationId xmlns:a16="http://schemas.microsoft.com/office/drawing/2014/main" id="{AB20E7A4-EC2C-47C8-BE55-65771E3F2EDA}"/>
+              </a:ext>
+              <a:ext uri="{C183D7F6-B498-43B3-948B-1728B52AA6E4}">
+                <adec:decorative xmlns:adec="http://schemas.microsoft.com/office/drawing/2017/decorative" val="1"/>
+              </a:ext>
+            </a:extLst>
+          </p:cNvPr>
+          <p:cNvSpPr>
+            <a:spLocks noGrp="1" noRot="1" noChangeAspect="1" noMove="1" noResize="1" noEditPoints="1" noAdjustHandles="1" noChangeArrowheads="1" noChangeShapeType="1" noTextEdit="1"/>
+          </p:cNvSpPr>
+          <p:nvPr>
+            <p:extLst>
+              <p:ext uri="{386F3935-93C4-4BCD-93E2-E3B085C9AB24}">
+                <p16:designElem xmlns:p16="http://schemas.microsoft.com/office/powerpoint/2015/main" val="1"/>
+              </p:ext>
+            </p:extLst>
+          </p:nvPr>
+        </p:nvSpPr>
+        <p:spPr>
+          <a:xfrm>
+            <a:off x="0" y="0"/>
+            <a:ext cx="12192000" cy="6858000"/>
+          </a:xfrm>
+          <a:prstGeom prst="rect">
+            <a:avLst/>
+          </a:prstGeom>
+          <a:ln w="12700" cap="flat" cmpd="sng" algn="ctr">
+            <a:noFill/>
+            <a:prstDash val="solid"/>
+            <a:miter lim="800000"/>
+          </a:ln>
+          <a:effectLst/>
+          <a:extLst>
+            <a:ext uri="{91240B29-F687-4F45-9708-019B960494DF}">
+              <a14:hiddenLine xmlns:a14="http://schemas.microsoft.com/office/drawing/2010/main" w="12700" cap="flat" cmpd="sng" algn="ctr">
+                <a:solidFill>
+                  <a:schemeClr val="accent1">
+                    <a:shade val="50000"/>
+                  </a:schemeClr>
+                </a:solidFill>
+                <a:prstDash val="solid"/>
+                <a:miter lim="800000"/>
+              </a14:hiddenLine>
+            </a:ext>
+          </a:extLst>
+        </p:spPr>
+        <p:style>
+          <a:lnRef idx="2">
+            <a:schemeClr val="accent1">
+              <a:shade val="50000"/>
+            </a:schemeClr>
+          </a:lnRef>
+          <a:fillRef idx="1">
+            <a:schemeClr val="accent1"/>
+          </a:fillRef>
+          <a:effectRef idx="0">
+            <a:schemeClr val="accent1"/>
+          </a:effectRef>
+          <a:fontRef idx="minor">
+            <a:schemeClr val="lt1"/>
+          </a:fontRef>
+        </p:style>
+        <p:txBody>
+          <a:bodyPr rtlCol="0" anchor="ctr"/>
+          <a:lstStyle/>
+          <a:p>
+            <a:pPr algn="ctr"/>
+            <a:endParaRPr lang="en-US"/>
+          </a:p>
+        </p:txBody>
+      </p:sp>
+      <p:sp>
+        <p:nvSpPr>
+          <p:cNvPr id="19" name="Freeform: Shape 18">
+            <a:extLst>
+              <a:ext uri="{FF2B5EF4-FFF2-40B4-BE49-F238E27FC236}">
+                <a16:creationId xmlns:a16="http://schemas.microsoft.com/office/drawing/2014/main" id="{1CF23DDA-0D09-4FE5-AE88-EBBE5E02467C}"/>
+              </a:ext>
+              <a:ext uri="{C183D7F6-B498-43B3-948B-1728B52AA6E4}">
+                <adec:decorative xmlns:adec="http://schemas.microsoft.com/office/drawing/2017/decorative" val="1"/>
+              </a:ext>
+            </a:extLst>
+          </p:cNvPr>
+          <p:cNvSpPr>
+            <a:spLocks noGrp="1" noRot="1" noChangeAspect="1" noMove="1" noResize="1" noEditPoints="1" noAdjustHandles="1" noChangeArrowheads="1" noChangeShapeType="1" noTextEdit="1"/>
+          </p:cNvSpPr>
+          <p:nvPr>
+            <p:extLst>
+              <p:ext uri="{386F3935-93C4-4BCD-93E2-E3B085C9AB24}">
+                <p16:designElem xmlns:p16="http://schemas.microsoft.com/office/powerpoint/2015/main" val="1"/>
+              </p:ext>
+            </p:extLst>
+          </p:nvPr>
+        </p:nvSpPr>
+        <p:spPr>
+          <a:xfrm rot="10800000">
+            <a:off x="0" y="0"/>
+            <a:ext cx="6885325" cy="6858000"/>
+          </a:xfrm>
+          <a:custGeom>
+            <a:avLst/>
+            <a:gdLst>
+              <a:gd name="connsiteX0" fmla="*/ 4456883 w 6885325"/>
+              <a:gd name="connsiteY0" fmla="*/ 6858000 h 6858000"/>
+              <a:gd name="connsiteX1" fmla="*/ 0 w 6885325"/>
+              <a:gd name="connsiteY1" fmla="*/ 6858000 h 6858000"/>
+              <a:gd name="connsiteX2" fmla="*/ 6010592 w 6885325"/>
+              <a:gd name="connsiteY2" fmla="*/ 0 h 6858000"/>
+              <a:gd name="connsiteX3" fmla="*/ 6885325 w 6885325"/>
+              <a:gd name="connsiteY3" fmla="*/ 0 h 6858000"/>
+              <a:gd name="connsiteX4" fmla="*/ 6885325 w 6885325"/>
+              <a:gd name="connsiteY4" fmla="*/ 1545581 h 6858000"/>
+              <a:gd name="connsiteX5" fmla="*/ 6885324 w 6885325"/>
+              <a:gd name="connsiteY5" fmla="*/ 1545582 h 6858000"/>
+              <a:gd name="connsiteX6" fmla="*/ 6885324 w 6885325"/>
+              <a:gd name="connsiteY6" fmla="*/ 4070877 h 6858000"/>
+              <a:gd name="connsiteX7" fmla="*/ 6885325 w 6885325"/>
+              <a:gd name="connsiteY7" fmla="*/ 4070876 h 6858000"/>
+              <a:gd name="connsiteX8" fmla="*/ 6885325 w 6885325"/>
+              <a:gd name="connsiteY8" fmla="*/ 6857999 h 6858000"/>
+              <a:gd name="connsiteX9" fmla="*/ 4456884 w 6885325"/>
+              <a:gd name="connsiteY9" fmla="*/ 6857999 h 6858000"/>
+              <a:gd name="connsiteX0" fmla="*/ 4456884 w 6885325"/>
+              <a:gd name="connsiteY0" fmla="*/ 6857999 h 6858000"/>
+              <a:gd name="connsiteX1" fmla="*/ 0 w 6885325"/>
+              <a:gd name="connsiteY1" fmla="*/ 6858000 h 6858000"/>
+              <a:gd name="connsiteX2" fmla="*/ 6010592 w 6885325"/>
+              <a:gd name="connsiteY2" fmla="*/ 0 h 6858000"/>
+              <a:gd name="connsiteX3" fmla="*/ 6885325 w 6885325"/>
+              <a:gd name="connsiteY3" fmla="*/ 0 h 6858000"/>
+              <a:gd name="connsiteX4" fmla="*/ 6885325 w 6885325"/>
+              <a:gd name="connsiteY4" fmla="*/ 1545581 h 6858000"/>
+              <a:gd name="connsiteX5" fmla="*/ 6885324 w 6885325"/>
+              <a:gd name="connsiteY5" fmla="*/ 1545582 h 6858000"/>
+              <a:gd name="connsiteX6" fmla="*/ 6885324 w 6885325"/>
+              <a:gd name="connsiteY6" fmla="*/ 4070877 h 6858000"/>
+              <a:gd name="connsiteX7" fmla="*/ 6885325 w 6885325"/>
+              <a:gd name="connsiteY7" fmla="*/ 4070876 h 6858000"/>
+              <a:gd name="connsiteX8" fmla="*/ 6885325 w 6885325"/>
+              <a:gd name="connsiteY8" fmla="*/ 6857999 h 6858000"/>
+              <a:gd name="connsiteX9" fmla="*/ 4456884 w 6885325"/>
+              <a:gd name="connsiteY9" fmla="*/ 6857999 h 6858000"/>
+              <a:gd name="connsiteX0" fmla="*/ 6885325 w 6885325"/>
+              <a:gd name="connsiteY0" fmla="*/ 6857999 h 6858000"/>
+              <a:gd name="connsiteX1" fmla="*/ 0 w 6885325"/>
+              <a:gd name="connsiteY1" fmla="*/ 6858000 h 6858000"/>
+              <a:gd name="connsiteX2" fmla="*/ 6010592 w 6885325"/>
+              <a:gd name="connsiteY2" fmla="*/ 0 h 6858000"/>
+              <a:gd name="connsiteX3" fmla="*/ 6885325 w 6885325"/>
+              <a:gd name="connsiteY3" fmla="*/ 0 h 6858000"/>
+              <a:gd name="connsiteX4" fmla="*/ 6885325 w 6885325"/>
+              <a:gd name="connsiteY4" fmla="*/ 1545581 h 6858000"/>
+              <a:gd name="connsiteX5" fmla="*/ 6885324 w 6885325"/>
+              <a:gd name="connsiteY5" fmla="*/ 1545582 h 6858000"/>
+              <a:gd name="connsiteX6" fmla="*/ 6885324 w 6885325"/>
+              <a:gd name="connsiteY6" fmla="*/ 4070877 h 6858000"/>
+              <a:gd name="connsiteX7" fmla="*/ 6885325 w 6885325"/>
+              <a:gd name="connsiteY7" fmla="*/ 4070876 h 6858000"/>
+              <a:gd name="connsiteX8" fmla="*/ 6885325 w 6885325"/>
+              <a:gd name="connsiteY8" fmla="*/ 6857999 h 6858000"/>
+              <a:gd name="connsiteX0" fmla="*/ 6885325 w 6885325"/>
+              <a:gd name="connsiteY0" fmla="*/ 6857999 h 6858000"/>
+              <a:gd name="connsiteX1" fmla="*/ 0 w 6885325"/>
+              <a:gd name="connsiteY1" fmla="*/ 6858000 h 6858000"/>
+              <a:gd name="connsiteX2" fmla="*/ 6010592 w 6885325"/>
+              <a:gd name="connsiteY2" fmla="*/ 0 h 6858000"/>
+              <a:gd name="connsiteX3" fmla="*/ 6885325 w 6885325"/>
+              <a:gd name="connsiteY3" fmla="*/ 0 h 6858000"/>
+              <a:gd name="connsiteX4" fmla="*/ 6885325 w 6885325"/>
+              <a:gd name="connsiteY4" fmla="*/ 1545581 h 6858000"/>
+              <a:gd name="connsiteX5" fmla="*/ 6885324 w 6885325"/>
+              <a:gd name="connsiteY5" fmla="*/ 1545582 h 6858000"/>
+              <a:gd name="connsiteX6" fmla="*/ 6885324 w 6885325"/>
+              <a:gd name="connsiteY6" fmla="*/ 4070877 h 6858000"/>
+              <a:gd name="connsiteX7" fmla="*/ 6885325 w 6885325"/>
+              <a:gd name="connsiteY7" fmla="*/ 6857999 h 6858000"/>
+              <a:gd name="connsiteX0" fmla="*/ 6885325 w 6885325"/>
+              <a:gd name="connsiteY0" fmla="*/ 6857999 h 6858000"/>
+              <a:gd name="connsiteX1" fmla="*/ 0 w 6885325"/>
+              <a:gd name="connsiteY1" fmla="*/ 6858000 h 6858000"/>
+              <a:gd name="connsiteX2" fmla="*/ 6010592 w 6885325"/>
+              <a:gd name="connsiteY2" fmla="*/ 0 h 6858000"/>
+              <a:gd name="connsiteX3" fmla="*/ 6885325 w 6885325"/>
+              <a:gd name="connsiteY3" fmla="*/ 0 h 6858000"/>
+              <a:gd name="connsiteX4" fmla="*/ 6885325 w 6885325"/>
+              <a:gd name="connsiteY4" fmla="*/ 1545581 h 6858000"/>
+              <a:gd name="connsiteX5" fmla="*/ 6885324 w 6885325"/>
+              <a:gd name="connsiteY5" fmla="*/ 1545582 h 6858000"/>
+              <a:gd name="connsiteX6" fmla="*/ 6885325 w 6885325"/>
+              <a:gd name="connsiteY6" fmla="*/ 6857999 h 6858000"/>
+              <a:gd name="connsiteX0" fmla="*/ 6885325 w 6885325"/>
+              <a:gd name="connsiteY0" fmla="*/ 6857999 h 6858000"/>
+              <a:gd name="connsiteX1" fmla="*/ 0 w 6885325"/>
+              <a:gd name="connsiteY1" fmla="*/ 6858000 h 6858000"/>
+              <a:gd name="connsiteX2" fmla="*/ 6010592 w 6885325"/>
+              <a:gd name="connsiteY2" fmla="*/ 0 h 6858000"/>
+              <a:gd name="connsiteX3" fmla="*/ 6885325 w 6885325"/>
+              <a:gd name="connsiteY3" fmla="*/ 0 h 6858000"/>
+              <a:gd name="connsiteX4" fmla="*/ 6885325 w 6885325"/>
+              <a:gd name="connsiteY4" fmla="*/ 1545581 h 6858000"/>
+              <a:gd name="connsiteX5" fmla="*/ 6885325 w 6885325"/>
+              <a:gd name="connsiteY5" fmla="*/ 6857999 h 6858000"/>
+              <a:gd name="connsiteX0" fmla="*/ 6885325 w 6885325"/>
+              <a:gd name="connsiteY0" fmla="*/ 6857999 h 6858000"/>
+              <a:gd name="connsiteX1" fmla="*/ 0 w 6885325"/>
+              <a:gd name="connsiteY1" fmla="*/ 6858000 h 6858000"/>
+              <a:gd name="connsiteX2" fmla="*/ 6010592 w 6885325"/>
+              <a:gd name="connsiteY2" fmla="*/ 0 h 6858000"/>
+              <a:gd name="connsiteX3" fmla="*/ 6885325 w 6885325"/>
+              <a:gd name="connsiteY3" fmla="*/ 0 h 6858000"/>
+              <a:gd name="connsiteX4" fmla="*/ 6885325 w 6885325"/>
+              <a:gd name="connsiteY4" fmla="*/ 6857999 h 6858000"/>
+            </a:gdLst>
+            <a:ahLst/>
+            <a:cxnLst>
+              <a:cxn ang="0">
+                <a:pos x="connsiteX0" y="connsiteY0"/>
+              </a:cxn>
+              <a:cxn ang="0">
+                <a:pos x="connsiteX1" y="connsiteY1"/>
+              </a:cxn>
+              <a:cxn ang="0">
+                <a:pos x="connsiteX2" y="connsiteY2"/>
+              </a:cxn>
+              <a:cxn ang="0">
+                <a:pos x="connsiteX3" y="connsiteY3"/>
+              </a:cxn>
+              <a:cxn ang="0">
+                <a:pos x="connsiteX4" y="connsiteY4"/>
+              </a:cxn>
+            </a:cxnLst>
+            <a:rect l="l" t="t" r="r" b="b"/>
+            <a:pathLst>
+              <a:path w="6885325" h="6858000">
+                <a:moveTo>
+                  <a:pt x="6885325" y="6857999"/>
+                </a:moveTo>
+                <a:lnTo>
+                  <a:pt x="0" y="6858000"/>
+                </a:lnTo>
+                <a:lnTo>
+                  <a:pt x="6010592" y="0"/>
+                </a:lnTo>
+                <a:lnTo>
+                  <a:pt x="6885325" y="0"/>
+                </a:lnTo>
+                <a:lnTo>
+                  <a:pt x="6885325" y="6857999"/>
+                </a:lnTo>
+                <a:close/>
+              </a:path>
+            </a:pathLst>
+          </a:custGeom>
+          <a:solidFill>
+            <a:schemeClr val="bg2"/>
+          </a:solidFill>
+          <a:ln w="12700" cap="flat" cmpd="sng" algn="ctr">
+            <a:noFill/>
+            <a:prstDash val="solid"/>
+            <a:miter lim="800000"/>
+          </a:ln>
+          <a:effectLst/>
+        </p:spPr>
+        <p:style>
+          <a:lnRef idx="2">
+            <a:schemeClr val="accent1">
+              <a:shade val="50000"/>
+            </a:schemeClr>
+          </a:lnRef>
+          <a:fillRef idx="1">
+            <a:schemeClr val="accent1"/>
+          </a:fillRef>
+          <a:effectRef idx="0">
+            <a:schemeClr val="accent1"/>
+          </a:effectRef>
+          <a:fontRef idx="minor">
+            <a:schemeClr val="lt1"/>
+          </a:fontRef>
+        </p:style>
+        <p:txBody>
+          <a:bodyPr wrap="square" rtlCol="0" anchor="ctr">
+            <a:noAutofit/>
+          </a:bodyPr>
+          <a:lstStyle/>
+          <a:p>
+            <a:pPr algn="ctr"/>
+            <a:endParaRPr lang="en-US"/>
+          </a:p>
+        </p:txBody>
+      </p:sp>
       <p:sp>
         <p:nvSpPr>
           <p:cNvPr id="2" name="Título 1">
             <a:extLst>
               <a:ext uri="{FF2B5EF4-FFF2-40B4-BE49-F238E27FC236}">
-                <a16:creationId xmlns:a16="http://schemas.microsoft.com/office/drawing/2014/main" id="{0AC55202-A027-4AF5-809D-F6D775ADD0A0}"/>
+                <a16:creationId xmlns:a16="http://schemas.microsoft.com/office/drawing/2014/main" id="{B30EDB0F-1754-4CC8-9010-F36FC1E0400B}"/>
               </a:ext>
             </a:extLst>
           </p:cNvPr>
@@ -5766,102 +7016,191 @@
             <p:ph type="title"/>
           </p:nvPr>
         </p:nvSpPr>
-        <p:spPr/>
-        <p:txBody>
-          <a:bodyPr/>
-          <a:lstStyle/>
-          <a:p>
-            <a:r>
-              <a:rPr lang="es-ES" dirty="0"/>
-              <a:t>Herramientas más comunes:</a:t>
-            </a:r>
-          </a:p>
-        </p:txBody>
-      </p:sp>
-      <p:sp>
-        <p:nvSpPr>
-          <p:cNvPr id="3" name="Marcador de contenido 2">
-            <a:extLst>
-              <a:ext uri="{FF2B5EF4-FFF2-40B4-BE49-F238E27FC236}">
-                <a16:creationId xmlns:a16="http://schemas.microsoft.com/office/drawing/2014/main" id="{5E4A2C5A-3F31-40C3-A0CA-4721963483A2}"/>
-              </a:ext>
-            </a:extLst>
-          </p:cNvPr>
-          <p:cNvSpPr>
-            <a:spLocks noGrp="1"/>
-          </p:cNvSpPr>
-          <p:nvPr>
-            <p:ph idx="1"/>
-          </p:nvPr>
-        </p:nvSpPr>
-        <p:spPr/>
-        <p:txBody>
-          <a:bodyPr vert="horz" lIns="91440" tIns="45720" rIns="91440" bIns="45720" rtlCol="0" anchor="t">
+        <p:spPr>
+          <a:xfrm>
+            <a:off x="1143001" y="1203678"/>
+            <a:ext cx="3894412" cy="2028707"/>
+          </a:xfrm>
+        </p:spPr>
+        <p:txBody>
+          <a:bodyPr anchor="t">
             <a:normAutofit/>
           </a:bodyPr>
           <a:lstStyle/>
           <a:p>
             <a:r>
-              <a:rPr lang="es-ES" b="1" dirty="0"/>
-              <a:t>Herramienta CASE Diagrama: </a:t>
-            </a:r>
-            <a:r>
-              <a:rPr lang="es-ES" dirty="0"/>
-              <a:t>Estas</a:t>
-            </a:r>
-            <a:r>
               <a:rPr lang="es-ES" dirty="0">
+                <a:ea typeface="+mj-lt"/>
+                <a:cs typeface="+mj-lt"/>
+              </a:rPr>
+              <a:t>Herramientas más comunes:</a:t>
+            </a:r>
+            <a:endParaRPr lang="es-ES"/>
+          </a:p>
+        </p:txBody>
+      </p:sp>
+      <p:sp>
+        <p:nvSpPr>
+          <p:cNvPr id="3" name="Marcador de contenido 2">
+            <a:extLst>
+              <a:ext uri="{FF2B5EF4-FFF2-40B4-BE49-F238E27FC236}">
+                <a16:creationId xmlns:a16="http://schemas.microsoft.com/office/drawing/2014/main" id="{1B34120B-83EF-4E3E-A770-D531C4A6A232}"/>
+              </a:ext>
+            </a:extLst>
+          </p:cNvPr>
+          <p:cNvSpPr>
+            <a:spLocks noGrp="1"/>
+          </p:cNvSpPr>
+          <p:nvPr>
+            <p:ph idx="1"/>
+          </p:nvPr>
+        </p:nvSpPr>
+        <p:spPr>
+          <a:xfrm>
+            <a:off x="5453548" y="1446418"/>
+            <a:ext cx="5595452" cy="4268582"/>
+          </a:xfrm>
+        </p:spPr>
+        <p:txBody>
+          <a:bodyPr anchor="b">
+            <a:normAutofit/>
+          </a:bodyPr>
+          <a:lstStyle/>
+          <a:p>
+            <a:pPr indent="-227965" algn="ctr">
+              <a:lnSpc>
+                <a:spcPct val="110000"/>
+              </a:lnSpc>
+              <a:spcBef>
+                <a:spcPts val="1001"/>
+              </a:spcBef>
+              <a:buFont typeface="Arial,Sans-Serif" panose="020B0604020202020204" pitchFamily="34" charset="0"/>
+            </a:pPr>
+            <a:r>
+              <a:rPr lang="es-ES" sz="1600" b="1" dirty="0">
                 <a:ea typeface="+mn-lt"/>
                 <a:cs typeface="+mn-lt"/>
               </a:rPr>
-              <a:t> herramientas se usan para representar componentes del sistema, datos, y a controlar la fluidez de varios componentes y estructura del software de manera gráfica. </a:t>
-            </a:r>
-            <a:endParaRPr lang="es-ES">
-              <a:ea typeface="+mn-lt"/>
-              <a:cs typeface="+mn-lt"/>
-            </a:endParaRPr>
-          </a:p>
-          <a:p>
-            <a:r>
-              <a:rPr lang="es-ES" b="1" dirty="0"/>
-              <a:t>Herramientas para modelado de procesos:</a:t>
-            </a:r>
-            <a:r>
-              <a:rPr lang="es-ES" dirty="0"/>
-              <a:t> El</a:t>
-            </a:r>
-            <a:r>
-              <a:rPr lang="es-ES" dirty="0">
+              <a:t>Herramienta CASE Diagrama: </a:t>
+            </a:r>
+            <a:r>
+              <a:rPr lang="es-ES" sz="1600" dirty="0">
                 <a:ea typeface="+mn-lt"/>
                 <a:cs typeface="+mn-lt"/>
               </a:rPr>
-              <a:t> modelado de procesos es un método para crear modelos de proceso de software y se usa para su desarrollo.</a:t>
-            </a:r>
-          </a:p>
-          <a:p>
-            <a:r>
-              <a:rPr lang="es-ES" b="1" dirty="0"/>
-              <a:t>Herramientas de administración de procesos:</a:t>
-            </a:r>
-            <a:r>
-              <a:rPr lang="es-ES" dirty="0"/>
-              <a:t> </a:t>
-            </a:r>
-            <a:r>
-              <a:rPr lang="es-ES" dirty="0">
+              <a:t>Estas herramientas se usan para representar componentes del sistema, datos, y a controlar la fluidez de varios componentes y estructura del software de manera gráfica. </a:t>
+            </a:r>
+            <a:endParaRPr lang="es-ES" sz="1600" dirty="0"/>
+          </a:p>
+          <a:p>
+            <a:pPr indent="-227965" algn="ctr">
+              <a:lnSpc>
+                <a:spcPct val="110000"/>
+              </a:lnSpc>
+              <a:spcBef>
+                <a:spcPts val="1001"/>
+              </a:spcBef>
+              <a:buFont typeface="Arial,Sans-Serif" panose="020B0604020202020204" pitchFamily="34" charset="0"/>
+            </a:pPr>
+            <a:r>
+              <a:rPr lang="es-ES" sz="1600" b="1" dirty="0">
                 <a:ea typeface="+mn-lt"/>
                 <a:cs typeface="+mn-lt"/>
               </a:rPr>
-              <a:t>Estas herramientas se usan para la planificación del proyecto, el coste y esfuerzo estimados, la temporalización y la organización de los recursos. </a:t>
-            </a:r>
-            <a:endParaRPr lang="es-ES" dirty="0"/>
-          </a:p>
-        </p:txBody>
-      </p:sp>
+              <a:t>Herramientas para modelado de procesos:</a:t>
+            </a:r>
+            <a:r>
+              <a:rPr lang="es-ES" sz="1600" dirty="0">
+                <a:ea typeface="+mn-lt"/>
+                <a:cs typeface="+mn-lt"/>
+              </a:rPr>
+              <a:t> El modelado de procesos es un método para crear modelos de proceso de software y se usa para su desarrollo.</a:t>
+            </a:r>
+          </a:p>
+          <a:p>
+            <a:pPr indent="-227965" algn="ctr">
+              <a:lnSpc>
+                <a:spcPct val="110000"/>
+              </a:lnSpc>
+              <a:spcBef>
+                <a:spcPts val="1001"/>
+              </a:spcBef>
+              <a:buFont typeface="Arial,Sans-Serif" panose="020B0604020202020204" pitchFamily="34" charset="0"/>
+            </a:pPr>
+            <a:r>
+              <a:rPr lang="es-ES" sz="1600" b="1" dirty="0">
+                <a:ea typeface="+mn-lt"/>
+                <a:cs typeface="+mn-lt"/>
+              </a:rPr>
+              <a:t>Herramientas de administración de procesos:</a:t>
+            </a:r>
+            <a:r>
+              <a:rPr lang="es-ES" sz="1600" dirty="0">
+                <a:ea typeface="+mn-lt"/>
+                <a:cs typeface="+mn-lt"/>
+              </a:rPr>
+              <a:t> Estas herramientas se usan para la planificación del proyecto, el coste y esfuerzo estimados, la temporalización y la organización de los recursos. </a:t>
+            </a:r>
+            <a:endParaRPr lang="es-ES" sz="1600" dirty="0"/>
+          </a:p>
+        </p:txBody>
+      </p:sp>
+      <p:cxnSp>
+        <p:nvCxnSpPr>
+          <p:cNvPr id="21" name="Straight Connector 20">
+            <a:extLst>
+              <a:ext uri="{FF2B5EF4-FFF2-40B4-BE49-F238E27FC236}">
+                <a16:creationId xmlns:a16="http://schemas.microsoft.com/office/drawing/2014/main" id="{1766FD2F-248A-4AA1-8078-E26D6E690BB9}"/>
+              </a:ext>
+              <a:ext uri="{C183D7F6-B498-43B3-948B-1728B52AA6E4}">
+                <adec:decorative xmlns:adec="http://schemas.microsoft.com/office/drawing/2017/decorative" val="1"/>
+              </a:ext>
+            </a:extLst>
+          </p:cNvPr>
+          <p:cNvCxnSpPr>
+            <a:cxnSpLocks noGrp="1" noRot="1" noChangeAspect="1" noMove="1" noResize="1" noEditPoints="1" noAdjustHandles="1" noChangeArrowheads="1" noChangeShapeType="1"/>
+          </p:cNvCxnSpPr>
+          <p:nvPr>
+            <p:extLst>
+              <p:ext uri="{386F3935-93C4-4BCD-93E2-E3B085C9AB24}">
+                <p16:designElem xmlns:p16="http://schemas.microsoft.com/office/powerpoint/2015/main" val="1"/>
+              </p:ext>
+            </p:extLst>
+          </p:nvPr>
+        </p:nvCxnSpPr>
+        <p:spPr>
+          <a:xfrm>
+            <a:off x="1233837" y="6172200"/>
+            <a:ext cx="9760638" cy="0"/>
+          </a:xfrm>
+          <a:prstGeom prst="line">
+            <a:avLst/>
+          </a:prstGeom>
+          <a:ln w="12700">
+            <a:solidFill>
+              <a:schemeClr val="tx1"/>
+            </a:solidFill>
+          </a:ln>
+        </p:spPr>
+        <p:style>
+          <a:lnRef idx="1">
+            <a:schemeClr val="accent1"/>
+          </a:lnRef>
+          <a:fillRef idx="0">
+            <a:schemeClr val="accent1"/>
+          </a:fillRef>
+          <a:effectRef idx="0">
+            <a:schemeClr val="accent1"/>
+          </a:effectRef>
+          <a:fontRef idx="minor">
+            <a:schemeClr val="tx1"/>
+          </a:fontRef>
+        </p:style>
+      </p:cxnSp>
     </p:spTree>
     <p:extLst>
       <p:ext uri="{BB962C8B-B14F-4D97-AF65-F5344CB8AC3E}">
-        <p14:creationId xmlns:p14="http://schemas.microsoft.com/office/powerpoint/2010/main" val="747775259"/>
+        <p14:creationId xmlns:p14="http://schemas.microsoft.com/office/powerpoint/2010/main" val="1323482824"/>
       </p:ext>
     </p:extLst>
   </p:cSld>
@@ -5874,6 +7213,14 @@
 <file path=ppt/slides/slide6.xml><?xml version="1.0" encoding="utf-8"?>
 <p:sld xmlns:a="http://schemas.openxmlformats.org/drawingml/2006/main" xmlns:r="http://schemas.openxmlformats.org/officeDocument/2006/relationships" xmlns:p="http://schemas.openxmlformats.org/presentationml/2006/main">
   <p:cSld>
+    <p:bg>
+      <p:bgPr>
+        <a:solidFill>
+          <a:schemeClr val="bg1"/>
+        </a:solidFill>
+        <a:effectLst/>
+      </p:bgPr>
+    </p:bg>
     <p:spTree>
       <p:nvGrpSpPr>
         <p:cNvPr id="1" name=""/>
@@ -5888,12 +7235,307 @@
           <a:chExt cx="0" cy="0"/>
         </a:xfrm>
       </p:grpSpPr>
+      <p:sp useBgFill="1">
+        <p:nvSpPr>
+          <p:cNvPr id="17" name="Rectangle 16">
+            <a:extLst>
+              <a:ext uri="{FF2B5EF4-FFF2-40B4-BE49-F238E27FC236}">
+                <a16:creationId xmlns:a16="http://schemas.microsoft.com/office/drawing/2014/main" id="{AB20E7A4-EC2C-47C8-BE55-65771E3F2EDA}"/>
+              </a:ext>
+              <a:ext uri="{C183D7F6-B498-43B3-948B-1728B52AA6E4}">
+                <adec:decorative xmlns:adec="http://schemas.microsoft.com/office/drawing/2017/decorative" val="1"/>
+              </a:ext>
+            </a:extLst>
+          </p:cNvPr>
+          <p:cNvSpPr>
+            <a:spLocks noGrp="1" noRot="1" noChangeAspect="1" noMove="1" noResize="1" noEditPoints="1" noAdjustHandles="1" noChangeArrowheads="1" noChangeShapeType="1" noTextEdit="1"/>
+          </p:cNvSpPr>
+          <p:nvPr>
+            <p:extLst>
+              <p:ext uri="{386F3935-93C4-4BCD-93E2-E3B085C9AB24}">
+                <p16:designElem xmlns:p16="http://schemas.microsoft.com/office/powerpoint/2015/main" val="1"/>
+              </p:ext>
+            </p:extLst>
+          </p:nvPr>
+        </p:nvSpPr>
+        <p:spPr>
+          <a:xfrm>
+            <a:off x="0" y="0"/>
+            <a:ext cx="12192000" cy="6858000"/>
+          </a:xfrm>
+          <a:prstGeom prst="rect">
+            <a:avLst/>
+          </a:prstGeom>
+          <a:ln w="12700" cap="flat" cmpd="sng" algn="ctr">
+            <a:noFill/>
+            <a:prstDash val="solid"/>
+            <a:miter lim="800000"/>
+          </a:ln>
+          <a:effectLst/>
+          <a:extLst>
+            <a:ext uri="{91240B29-F687-4F45-9708-019B960494DF}">
+              <a14:hiddenLine xmlns:a14="http://schemas.microsoft.com/office/drawing/2010/main" w="12700" cap="flat" cmpd="sng" algn="ctr">
+                <a:solidFill>
+                  <a:schemeClr val="accent1">
+                    <a:shade val="50000"/>
+                  </a:schemeClr>
+                </a:solidFill>
+                <a:prstDash val="solid"/>
+                <a:miter lim="800000"/>
+              </a14:hiddenLine>
+            </a:ext>
+          </a:extLst>
+        </p:spPr>
+        <p:style>
+          <a:lnRef idx="2">
+            <a:schemeClr val="accent1">
+              <a:shade val="50000"/>
+            </a:schemeClr>
+          </a:lnRef>
+          <a:fillRef idx="1">
+            <a:schemeClr val="accent1"/>
+          </a:fillRef>
+          <a:effectRef idx="0">
+            <a:schemeClr val="accent1"/>
+          </a:effectRef>
+          <a:fontRef idx="minor">
+            <a:schemeClr val="lt1"/>
+          </a:fontRef>
+        </p:style>
+        <p:txBody>
+          <a:bodyPr rtlCol="0" anchor="ctr"/>
+          <a:lstStyle/>
+          <a:p>
+            <a:pPr algn="ctr"/>
+            <a:endParaRPr lang="en-US"/>
+          </a:p>
+        </p:txBody>
+      </p:sp>
+      <p:sp>
+        <p:nvSpPr>
+          <p:cNvPr id="19" name="Freeform: Shape 18">
+            <a:extLst>
+              <a:ext uri="{FF2B5EF4-FFF2-40B4-BE49-F238E27FC236}">
+                <a16:creationId xmlns:a16="http://schemas.microsoft.com/office/drawing/2014/main" id="{1CF23DDA-0D09-4FE5-AE88-EBBE5E02467C}"/>
+              </a:ext>
+              <a:ext uri="{C183D7F6-B498-43B3-948B-1728B52AA6E4}">
+                <adec:decorative xmlns:adec="http://schemas.microsoft.com/office/drawing/2017/decorative" val="1"/>
+              </a:ext>
+            </a:extLst>
+          </p:cNvPr>
+          <p:cNvSpPr>
+            <a:spLocks noGrp="1" noRot="1" noChangeAspect="1" noMove="1" noResize="1" noEditPoints="1" noAdjustHandles="1" noChangeArrowheads="1" noChangeShapeType="1" noTextEdit="1"/>
+          </p:cNvSpPr>
+          <p:nvPr>
+            <p:extLst>
+              <p:ext uri="{386F3935-93C4-4BCD-93E2-E3B085C9AB24}">
+                <p16:designElem xmlns:p16="http://schemas.microsoft.com/office/powerpoint/2015/main" val="1"/>
+              </p:ext>
+            </p:extLst>
+          </p:nvPr>
+        </p:nvSpPr>
+        <p:spPr>
+          <a:xfrm rot="10800000">
+            <a:off x="0" y="0"/>
+            <a:ext cx="6885325" cy="6858000"/>
+          </a:xfrm>
+          <a:custGeom>
+            <a:avLst/>
+            <a:gdLst>
+              <a:gd name="connsiteX0" fmla="*/ 4456883 w 6885325"/>
+              <a:gd name="connsiteY0" fmla="*/ 6858000 h 6858000"/>
+              <a:gd name="connsiteX1" fmla="*/ 0 w 6885325"/>
+              <a:gd name="connsiteY1" fmla="*/ 6858000 h 6858000"/>
+              <a:gd name="connsiteX2" fmla="*/ 6010592 w 6885325"/>
+              <a:gd name="connsiteY2" fmla="*/ 0 h 6858000"/>
+              <a:gd name="connsiteX3" fmla="*/ 6885325 w 6885325"/>
+              <a:gd name="connsiteY3" fmla="*/ 0 h 6858000"/>
+              <a:gd name="connsiteX4" fmla="*/ 6885325 w 6885325"/>
+              <a:gd name="connsiteY4" fmla="*/ 1545581 h 6858000"/>
+              <a:gd name="connsiteX5" fmla="*/ 6885324 w 6885325"/>
+              <a:gd name="connsiteY5" fmla="*/ 1545582 h 6858000"/>
+              <a:gd name="connsiteX6" fmla="*/ 6885324 w 6885325"/>
+              <a:gd name="connsiteY6" fmla="*/ 4070877 h 6858000"/>
+              <a:gd name="connsiteX7" fmla="*/ 6885325 w 6885325"/>
+              <a:gd name="connsiteY7" fmla="*/ 4070876 h 6858000"/>
+              <a:gd name="connsiteX8" fmla="*/ 6885325 w 6885325"/>
+              <a:gd name="connsiteY8" fmla="*/ 6857999 h 6858000"/>
+              <a:gd name="connsiteX9" fmla="*/ 4456884 w 6885325"/>
+              <a:gd name="connsiteY9" fmla="*/ 6857999 h 6858000"/>
+              <a:gd name="connsiteX0" fmla="*/ 4456884 w 6885325"/>
+              <a:gd name="connsiteY0" fmla="*/ 6857999 h 6858000"/>
+              <a:gd name="connsiteX1" fmla="*/ 0 w 6885325"/>
+              <a:gd name="connsiteY1" fmla="*/ 6858000 h 6858000"/>
+              <a:gd name="connsiteX2" fmla="*/ 6010592 w 6885325"/>
+              <a:gd name="connsiteY2" fmla="*/ 0 h 6858000"/>
+              <a:gd name="connsiteX3" fmla="*/ 6885325 w 6885325"/>
+              <a:gd name="connsiteY3" fmla="*/ 0 h 6858000"/>
+              <a:gd name="connsiteX4" fmla="*/ 6885325 w 6885325"/>
+              <a:gd name="connsiteY4" fmla="*/ 1545581 h 6858000"/>
+              <a:gd name="connsiteX5" fmla="*/ 6885324 w 6885325"/>
+              <a:gd name="connsiteY5" fmla="*/ 1545582 h 6858000"/>
+              <a:gd name="connsiteX6" fmla="*/ 6885324 w 6885325"/>
+              <a:gd name="connsiteY6" fmla="*/ 4070877 h 6858000"/>
+              <a:gd name="connsiteX7" fmla="*/ 6885325 w 6885325"/>
+              <a:gd name="connsiteY7" fmla="*/ 4070876 h 6858000"/>
+              <a:gd name="connsiteX8" fmla="*/ 6885325 w 6885325"/>
+              <a:gd name="connsiteY8" fmla="*/ 6857999 h 6858000"/>
+              <a:gd name="connsiteX9" fmla="*/ 4456884 w 6885325"/>
+              <a:gd name="connsiteY9" fmla="*/ 6857999 h 6858000"/>
+              <a:gd name="connsiteX0" fmla="*/ 6885325 w 6885325"/>
+              <a:gd name="connsiteY0" fmla="*/ 6857999 h 6858000"/>
+              <a:gd name="connsiteX1" fmla="*/ 0 w 6885325"/>
+              <a:gd name="connsiteY1" fmla="*/ 6858000 h 6858000"/>
+              <a:gd name="connsiteX2" fmla="*/ 6010592 w 6885325"/>
+              <a:gd name="connsiteY2" fmla="*/ 0 h 6858000"/>
+              <a:gd name="connsiteX3" fmla="*/ 6885325 w 6885325"/>
+              <a:gd name="connsiteY3" fmla="*/ 0 h 6858000"/>
+              <a:gd name="connsiteX4" fmla="*/ 6885325 w 6885325"/>
+              <a:gd name="connsiteY4" fmla="*/ 1545581 h 6858000"/>
+              <a:gd name="connsiteX5" fmla="*/ 6885324 w 6885325"/>
+              <a:gd name="connsiteY5" fmla="*/ 1545582 h 6858000"/>
+              <a:gd name="connsiteX6" fmla="*/ 6885324 w 6885325"/>
+              <a:gd name="connsiteY6" fmla="*/ 4070877 h 6858000"/>
+              <a:gd name="connsiteX7" fmla="*/ 6885325 w 6885325"/>
+              <a:gd name="connsiteY7" fmla="*/ 4070876 h 6858000"/>
+              <a:gd name="connsiteX8" fmla="*/ 6885325 w 6885325"/>
+              <a:gd name="connsiteY8" fmla="*/ 6857999 h 6858000"/>
+              <a:gd name="connsiteX0" fmla="*/ 6885325 w 6885325"/>
+              <a:gd name="connsiteY0" fmla="*/ 6857999 h 6858000"/>
+              <a:gd name="connsiteX1" fmla="*/ 0 w 6885325"/>
+              <a:gd name="connsiteY1" fmla="*/ 6858000 h 6858000"/>
+              <a:gd name="connsiteX2" fmla="*/ 6010592 w 6885325"/>
+              <a:gd name="connsiteY2" fmla="*/ 0 h 6858000"/>
+              <a:gd name="connsiteX3" fmla="*/ 6885325 w 6885325"/>
+              <a:gd name="connsiteY3" fmla="*/ 0 h 6858000"/>
+              <a:gd name="connsiteX4" fmla="*/ 6885325 w 6885325"/>
+              <a:gd name="connsiteY4" fmla="*/ 1545581 h 6858000"/>
+              <a:gd name="connsiteX5" fmla="*/ 6885324 w 6885325"/>
+              <a:gd name="connsiteY5" fmla="*/ 1545582 h 6858000"/>
+              <a:gd name="connsiteX6" fmla="*/ 6885324 w 6885325"/>
+              <a:gd name="connsiteY6" fmla="*/ 4070877 h 6858000"/>
+              <a:gd name="connsiteX7" fmla="*/ 6885325 w 6885325"/>
+              <a:gd name="connsiteY7" fmla="*/ 6857999 h 6858000"/>
+              <a:gd name="connsiteX0" fmla="*/ 6885325 w 6885325"/>
+              <a:gd name="connsiteY0" fmla="*/ 6857999 h 6858000"/>
+              <a:gd name="connsiteX1" fmla="*/ 0 w 6885325"/>
+              <a:gd name="connsiteY1" fmla="*/ 6858000 h 6858000"/>
+              <a:gd name="connsiteX2" fmla="*/ 6010592 w 6885325"/>
+              <a:gd name="connsiteY2" fmla="*/ 0 h 6858000"/>
+              <a:gd name="connsiteX3" fmla="*/ 6885325 w 6885325"/>
+              <a:gd name="connsiteY3" fmla="*/ 0 h 6858000"/>
+              <a:gd name="connsiteX4" fmla="*/ 6885325 w 6885325"/>
+              <a:gd name="connsiteY4" fmla="*/ 1545581 h 6858000"/>
+              <a:gd name="connsiteX5" fmla="*/ 6885324 w 6885325"/>
+              <a:gd name="connsiteY5" fmla="*/ 1545582 h 6858000"/>
+              <a:gd name="connsiteX6" fmla="*/ 6885325 w 6885325"/>
+              <a:gd name="connsiteY6" fmla="*/ 6857999 h 6858000"/>
+              <a:gd name="connsiteX0" fmla="*/ 6885325 w 6885325"/>
+              <a:gd name="connsiteY0" fmla="*/ 6857999 h 6858000"/>
+              <a:gd name="connsiteX1" fmla="*/ 0 w 6885325"/>
+              <a:gd name="connsiteY1" fmla="*/ 6858000 h 6858000"/>
+              <a:gd name="connsiteX2" fmla="*/ 6010592 w 6885325"/>
+              <a:gd name="connsiteY2" fmla="*/ 0 h 6858000"/>
+              <a:gd name="connsiteX3" fmla="*/ 6885325 w 6885325"/>
+              <a:gd name="connsiteY3" fmla="*/ 0 h 6858000"/>
+              <a:gd name="connsiteX4" fmla="*/ 6885325 w 6885325"/>
+              <a:gd name="connsiteY4" fmla="*/ 1545581 h 6858000"/>
+              <a:gd name="connsiteX5" fmla="*/ 6885325 w 6885325"/>
+              <a:gd name="connsiteY5" fmla="*/ 6857999 h 6858000"/>
+              <a:gd name="connsiteX0" fmla="*/ 6885325 w 6885325"/>
+              <a:gd name="connsiteY0" fmla="*/ 6857999 h 6858000"/>
+              <a:gd name="connsiteX1" fmla="*/ 0 w 6885325"/>
+              <a:gd name="connsiteY1" fmla="*/ 6858000 h 6858000"/>
+              <a:gd name="connsiteX2" fmla="*/ 6010592 w 6885325"/>
+              <a:gd name="connsiteY2" fmla="*/ 0 h 6858000"/>
+              <a:gd name="connsiteX3" fmla="*/ 6885325 w 6885325"/>
+              <a:gd name="connsiteY3" fmla="*/ 0 h 6858000"/>
+              <a:gd name="connsiteX4" fmla="*/ 6885325 w 6885325"/>
+              <a:gd name="connsiteY4" fmla="*/ 6857999 h 6858000"/>
+            </a:gdLst>
+            <a:ahLst/>
+            <a:cxnLst>
+              <a:cxn ang="0">
+                <a:pos x="connsiteX0" y="connsiteY0"/>
+              </a:cxn>
+              <a:cxn ang="0">
+                <a:pos x="connsiteX1" y="connsiteY1"/>
+              </a:cxn>
+              <a:cxn ang="0">
+                <a:pos x="connsiteX2" y="connsiteY2"/>
+              </a:cxn>
+              <a:cxn ang="0">
+                <a:pos x="connsiteX3" y="connsiteY3"/>
+              </a:cxn>
+              <a:cxn ang="0">
+                <a:pos x="connsiteX4" y="connsiteY4"/>
+              </a:cxn>
+            </a:cxnLst>
+            <a:rect l="l" t="t" r="r" b="b"/>
+            <a:pathLst>
+              <a:path w="6885325" h="6858000">
+                <a:moveTo>
+                  <a:pt x="6885325" y="6857999"/>
+                </a:moveTo>
+                <a:lnTo>
+                  <a:pt x="0" y="6858000"/>
+                </a:lnTo>
+                <a:lnTo>
+                  <a:pt x="6010592" y="0"/>
+                </a:lnTo>
+                <a:lnTo>
+                  <a:pt x="6885325" y="0"/>
+                </a:lnTo>
+                <a:lnTo>
+                  <a:pt x="6885325" y="6857999"/>
+                </a:lnTo>
+                <a:close/>
+              </a:path>
+            </a:pathLst>
+          </a:custGeom>
+          <a:solidFill>
+            <a:schemeClr val="bg2"/>
+          </a:solidFill>
+          <a:ln w="12700" cap="flat" cmpd="sng" algn="ctr">
+            <a:noFill/>
+            <a:prstDash val="solid"/>
+            <a:miter lim="800000"/>
+          </a:ln>
+          <a:effectLst/>
+        </p:spPr>
+        <p:style>
+          <a:lnRef idx="2">
+            <a:schemeClr val="accent1">
+              <a:shade val="50000"/>
+            </a:schemeClr>
+          </a:lnRef>
+          <a:fillRef idx="1">
+            <a:schemeClr val="accent1"/>
+          </a:fillRef>
+          <a:effectRef idx="0">
+            <a:schemeClr val="accent1"/>
+          </a:effectRef>
+          <a:fontRef idx="minor">
+            <a:schemeClr val="lt1"/>
+          </a:fontRef>
+        </p:style>
+        <p:txBody>
+          <a:bodyPr wrap="square" rtlCol="0" anchor="ctr">
+            <a:noAutofit/>
+          </a:bodyPr>
+          <a:lstStyle/>
+          <a:p>
+            <a:pPr algn="ctr"/>
+            <a:endParaRPr lang="en-US"/>
+          </a:p>
+        </p:txBody>
+      </p:sp>
       <p:sp>
         <p:nvSpPr>
           <p:cNvPr id="2" name="Título 1">
             <a:extLst>
               <a:ext uri="{FF2B5EF4-FFF2-40B4-BE49-F238E27FC236}">
-                <a16:creationId xmlns:a16="http://schemas.microsoft.com/office/drawing/2014/main" id="{139D4401-01F8-4C86-A8B1-F0370F028F33}"/>
+                <a16:creationId xmlns:a16="http://schemas.microsoft.com/office/drawing/2014/main" id="{A6210F50-29F3-43AD-B126-BAB92CD008A7}"/>
               </a:ext>
             </a:extLst>
           </p:cNvPr>
@@ -5904,85 +7546,171 @@
             <p:ph type="title"/>
           </p:nvPr>
         </p:nvSpPr>
-        <p:spPr/>
-        <p:txBody>
-          <a:bodyPr/>
-          <a:lstStyle/>
-          <a:p>
-            <a:endParaRPr lang="es-ES"/>
-          </a:p>
-        </p:txBody>
-      </p:sp>
-      <p:sp>
-        <p:nvSpPr>
-          <p:cNvPr id="3" name="Marcador de contenido 2">
-            <a:extLst>
-              <a:ext uri="{FF2B5EF4-FFF2-40B4-BE49-F238E27FC236}">
-                <a16:creationId xmlns:a16="http://schemas.microsoft.com/office/drawing/2014/main" id="{7965ED65-061E-4624-A743-7CE2F6427FA7}"/>
-              </a:ext>
-            </a:extLst>
-          </p:cNvPr>
-          <p:cNvSpPr>
-            <a:spLocks noGrp="1"/>
-          </p:cNvSpPr>
-          <p:nvPr>
-            <p:ph idx="1"/>
-          </p:nvPr>
-        </p:nvSpPr>
-        <p:spPr/>
-        <p:txBody>
-          <a:bodyPr vert="horz" lIns="91440" tIns="45720" rIns="91440" bIns="45720" rtlCol="0" anchor="t">
+        <p:spPr>
+          <a:xfrm>
+            <a:off x="1143001" y="1203678"/>
+            <a:ext cx="3894412" cy="2028707"/>
+          </a:xfrm>
+        </p:spPr>
+        <p:txBody>
+          <a:bodyPr anchor="t">
             <a:normAutofit/>
           </a:bodyPr>
           <a:lstStyle/>
           <a:p>
             <a:r>
-              <a:rPr lang="es-ES" b="1" dirty="0"/>
-              <a:t>Herramientas de documentación: </a:t>
-            </a:r>
-            <a:r>
-              <a:rPr lang="es-ES" dirty="0"/>
-              <a:t>La</a:t>
+              <a:rPr lang="es-ES" sz="3400">
+                <a:ea typeface="+mj-lt"/>
+                <a:cs typeface="+mj-lt"/>
+              </a:rPr>
+              <a:t>Herramientas más comunes:</a:t>
+            </a:r>
+          </a:p>
+        </p:txBody>
+      </p:sp>
+      <p:sp>
+        <p:nvSpPr>
+          <p:cNvPr id="3" name="Marcador de contenido 2">
+            <a:extLst>
+              <a:ext uri="{FF2B5EF4-FFF2-40B4-BE49-F238E27FC236}">
+                <a16:creationId xmlns:a16="http://schemas.microsoft.com/office/drawing/2014/main" id="{AC100045-F285-4FB1-9312-EA8BCDB000F6}"/>
+              </a:ext>
+            </a:extLst>
+          </p:cNvPr>
+          <p:cNvSpPr>
+            <a:spLocks noGrp="1"/>
+          </p:cNvSpPr>
+          <p:nvPr>
+            <p:ph idx="1"/>
+          </p:nvPr>
+        </p:nvSpPr>
+        <p:spPr>
+          <a:xfrm>
+            <a:off x="5453548" y="1446418"/>
+            <a:ext cx="5595452" cy="4268582"/>
+          </a:xfrm>
+        </p:spPr>
+        <p:txBody>
+          <a:bodyPr anchor="b">
+            <a:normAutofit/>
+          </a:bodyPr>
+          <a:lstStyle/>
+          <a:p>
+            <a:pPr indent="-227965" algn="ctr">
+              <a:lnSpc>
+                <a:spcPct val="110000"/>
+              </a:lnSpc>
+              <a:spcBef>
+                <a:spcPts val="1001"/>
+              </a:spcBef>
+              <a:buFont typeface="Arial,Sans-Serif" panose="020B0604020202020204" pitchFamily="34" charset="0"/>
+            </a:pPr>
+            <a:r>
+              <a:rPr lang="es-ES" b="1" dirty="0">
+                <a:ea typeface="+mn-lt"/>
+                <a:cs typeface="+mn-lt"/>
+              </a:rPr>
+              <a:t>Herramientas de documentación: </a:t>
             </a:r>
             <a:r>
               <a:rPr lang="es-ES" dirty="0">
                 <a:ea typeface="+mn-lt"/>
                 <a:cs typeface="+mn-lt"/>
               </a:rPr>
-              <a:t> documentación de un proyecto de software empieza antes que el proceso de software, pasa por todas las fases del SDLC y se concluye con la terminación del proyecto.</a:t>
-            </a:r>
-            <a:endParaRPr lang="es-ES" dirty="0"/>
-          </a:p>
-          <a:p>
-            <a:r>
-              <a:rPr lang="es-ES" b="1" dirty="0"/>
+              <a:t>La documentación de un proyecto de software empieza antes que el proceso de software, pasa por todas las fases del SDLC y se concluye con la terminación del proyecto.</a:t>
+            </a:r>
+            <a:endParaRPr lang="es-ES">
+              <a:ea typeface="+mn-lt"/>
+              <a:cs typeface="+mn-lt"/>
+            </a:endParaRPr>
+          </a:p>
+          <a:p>
+            <a:pPr indent="-227965" algn="ctr">
+              <a:lnSpc>
+                <a:spcPct val="110000"/>
+              </a:lnSpc>
+              <a:spcBef>
+                <a:spcPts val="1001"/>
+              </a:spcBef>
+              <a:buFont typeface="Arial,Sans-Serif" panose="020B0604020202020204" pitchFamily="34" charset="0"/>
+            </a:pPr>
+            <a:r>
+              <a:rPr lang="es-ES" b="1" dirty="0">
+                <a:ea typeface="+mn-lt"/>
+                <a:cs typeface="+mn-lt"/>
+              </a:rPr>
               <a:t>Herramientas de análisis:</a:t>
-            </a:r>
-            <a:r>
-              <a:rPr lang="es-ES" dirty="0"/>
-              <a:t> Estas</a:t>
             </a:r>
             <a:r>
               <a:rPr lang="es-ES" dirty="0">
                 <a:ea typeface="+mn-lt"/>
                 <a:cs typeface="+mn-lt"/>
               </a:rPr>
-              <a:t> herramientas ayudan a cumplir con los requisitos, de manera automática examinan si hay alguna inconsistencia, o informaciones no acuradas en los diagramas, buscan posibles redundancias u omisiones erróneas.</a:t>
-            </a:r>
-            <a:endParaRPr lang="es-ES" dirty="0"/>
-          </a:p>
-          <a:p>
-            <a:endParaRPr lang="es-ES" dirty="0"/>
-          </a:p>
-          <a:p>
-            <a:endParaRPr lang="es-ES" dirty="0"/>
-          </a:p>
-        </p:txBody>
-      </p:sp>
+              <a:t> Estas herramientas ayudan a cumplir con los requisitos, de manera automática examinan si hay alguna inconsistencia, o informaciones no acuradas en los diagramas, buscan posibles redundancias u omisiones erróneas.</a:t>
+            </a:r>
+            <a:endParaRPr lang="es-ES">
+              <a:ea typeface="+mn-lt"/>
+              <a:cs typeface="+mn-lt"/>
+            </a:endParaRPr>
+          </a:p>
+        </p:txBody>
+      </p:sp>
+      <p:cxnSp>
+        <p:nvCxnSpPr>
+          <p:cNvPr id="21" name="Straight Connector 20">
+            <a:extLst>
+              <a:ext uri="{FF2B5EF4-FFF2-40B4-BE49-F238E27FC236}">
+                <a16:creationId xmlns:a16="http://schemas.microsoft.com/office/drawing/2014/main" id="{1766FD2F-248A-4AA1-8078-E26D6E690BB9}"/>
+              </a:ext>
+              <a:ext uri="{C183D7F6-B498-43B3-948B-1728B52AA6E4}">
+                <adec:decorative xmlns:adec="http://schemas.microsoft.com/office/drawing/2017/decorative" val="1"/>
+              </a:ext>
+            </a:extLst>
+          </p:cNvPr>
+          <p:cNvCxnSpPr>
+            <a:cxnSpLocks noGrp="1" noRot="1" noChangeAspect="1" noMove="1" noResize="1" noEditPoints="1" noAdjustHandles="1" noChangeArrowheads="1" noChangeShapeType="1"/>
+          </p:cNvCxnSpPr>
+          <p:nvPr>
+            <p:extLst>
+              <p:ext uri="{386F3935-93C4-4BCD-93E2-E3B085C9AB24}">
+                <p16:designElem xmlns:p16="http://schemas.microsoft.com/office/powerpoint/2015/main" val="1"/>
+              </p:ext>
+            </p:extLst>
+          </p:nvPr>
+        </p:nvCxnSpPr>
+        <p:spPr>
+          <a:xfrm>
+            <a:off x="1233837" y="6172200"/>
+            <a:ext cx="9760638" cy="0"/>
+          </a:xfrm>
+          <a:prstGeom prst="line">
+            <a:avLst/>
+          </a:prstGeom>
+          <a:ln w="12700">
+            <a:solidFill>
+              <a:schemeClr val="tx1"/>
+            </a:solidFill>
+          </a:ln>
+        </p:spPr>
+        <p:style>
+          <a:lnRef idx="1">
+            <a:schemeClr val="accent1"/>
+          </a:lnRef>
+          <a:fillRef idx="0">
+            <a:schemeClr val="accent1"/>
+          </a:fillRef>
+          <a:effectRef idx="0">
+            <a:schemeClr val="accent1"/>
+          </a:effectRef>
+          <a:fontRef idx="minor">
+            <a:schemeClr val="tx1"/>
+          </a:fontRef>
+        </p:style>
+      </p:cxnSp>
     </p:spTree>
     <p:extLst>
       <p:ext uri="{BB962C8B-B14F-4D97-AF65-F5344CB8AC3E}">
-        <p14:creationId xmlns:p14="http://schemas.microsoft.com/office/powerpoint/2010/main" val="428685766"/>
+        <p14:creationId xmlns:p14="http://schemas.microsoft.com/office/powerpoint/2010/main" val="4086614123"/>
       </p:ext>
     </p:extLst>
   </p:cSld>
@@ -5995,6 +7723,14 @@
 <file path=ppt/slides/slide7.xml><?xml version="1.0" encoding="utf-8"?>
 <p:sld xmlns:a="http://schemas.openxmlformats.org/drawingml/2006/main" xmlns:r="http://schemas.openxmlformats.org/officeDocument/2006/relationships" xmlns:p="http://schemas.openxmlformats.org/presentationml/2006/main">
   <p:cSld>
+    <p:bg>
+      <p:bgPr>
+        <a:solidFill>
+          <a:schemeClr val="bg1"/>
+        </a:solidFill>
+        <a:effectLst/>
+      </p:bgPr>
+    </p:bg>
     <p:spTree>
       <p:nvGrpSpPr>
         <p:cNvPr id="1" name=""/>
@@ -6009,74 +7745,402 @@
           <a:chExt cx="0" cy="0"/>
         </a:xfrm>
       </p:grpSpPr>
-      <p:sp>
-        <p:nvSpPr>
-          <p:cNvPr id="2" name="Título 1">
-            <a:extLst>
-              <a:ext uri="{FF2B5EF4-FFF2-40B4-BE49-F238E27FC236}">
-                <a16:creationId xmlns:a16="http://schemas.microsoft.com/office/drawing/2014/main" id="{90842AC3-48AC-487A-8539-6A1E46B1E741}"/>
-              </a:ext>
-            </a:extLst>
-          </p:cNvPr>
-          <p:cNvSpPr>
-            <a:spLocks noGrp="1"/>
-          </p:cNvSpPr>
-          <p:nvPr>
-            <p:ph type="title"/>
-          </p:nvPr>
-        </p:nvSpPr>
-        <p:spPr/>
-        <p:txBody>
-          <a:bodyPr/>
+      <p:sp useBgFill="1">
+        <p:nvSpPr>
+          <p:cNvPr id="8" name="Rectangle 7">
+            <a:extLst>
+              <a:ext uri="{FF2B5EF4-FFF2-40B4-BE49-F238E27FC236}">
+                <a16:creationId xmlns:a16="http://schemas.microsoft.com/office/drawing/2014/main" id="{AB20E7A4-EC2C-47C8-BE55-65771E3F2EDA}"/>
+              </a:ext>
+              <a:ext uri="{C183D7F6-B498-43B3-948B-1728B52AA6E4}">
+                <adec:decorative xmlns:adec="http://schemas.microsoft.com/office/drawing/2017/decorative" val="1"/>
+              </a:ext>
+            </a:extLst>
+          </p:cNvPr>
+          <p:cNvSpPr>
+            <a:spLocks noGrp="1" noRot="1" noChangeAspect="1" noMove="1" noResize="1" noEditPoints="1" noAdjustHandles="1" noChangeArrowheads="1" noChangeShapeType="1" noTextEdit="1"/>
+          </p:cNvSpPr>
+          <p:nvPr>
+            <p:extLst>
+              <p:ext uri="{386F3935-93C4-4BCD-93E2-E3B085C9AB24}">
+                <p16:designElem xmlns:p16="http://schemas.microsoft.com/office/powerpoint/2015/main" val="1"/>
+              </p:ext>
+            </p:extLst>
+          </p:nvPr>
+        </p:nvSpPr>
+        <p:spPr>
+          <a:xfrm>
+            <a:off x="0" y="0"/>
+            <a:ext cx="12192000" cy="6858000"/>
+          </a:xfrm>
+          <a:prstGeom prst="rect">
+            <a:avLst/>
+          </a:prstGeom>
+          <a:ln w="12700" cap="flat" cmpd="sng" algn="ctr">
+            <a:noFill/>
+            <a:prstDash val="solid"/>
+            <a:miter lim="800000"/>
+          </a:ln>
+          <a:effectLst/>
+          <a:extLst>
+            <a:ext uri="{91240B29-F687-4F45-9708-019B960494DF}">
+              <a14:hiddenLine xmlns:a14="http://schemas.microsoft.com/office/drawing/2010/main" w="12700" cap="flat" cmpd="sng" algn="ctr">
+                <a:solidFill>
+                  <a:schemeClr val="accent1">
+                    <a:shade val="50000"/>
+                  </a:schemeClr>
+                </a:solidFill>
+                <a:prstDash val="solid"/>
+                <a:miter lim="800000"/>
+              </a14:hiddenLine>
+            </a:ext>
+          </a:extLst>
+        </p:spPr>
+        <p:style>
+          <a:lnRef idx="2">
+            <a:schemeClr val="accent1">
+              <a:shade val="50000"/>
+            </a:schemeClr>
+          </a:lnRef>
+          <a:fillRef idx="1">
+            <a:schemeClr val="accent1"/>
+          </a:fillRef>
+          <a:effectRef idx="0">
+            <a:schemeClr val="accent1"/>
+          </a:effectRef>
+          <a:fontRef idx="minor">
+            <a:schemeClr val="lt1"/>
+          </a:fontRef>
+        </p:style>
+        <p:txBody>
+          <a:bodyPr rtlCol="0" anchor="ctr"/>
           <a:lstStyle/>
           <a:p>
-            <a:endParaRPr lang="es-ES"/>
-          </a:p>
-        </p:txBody>
-      </p:sp>
-      <p:sp>
-        <p:nvSpPr>
-          <p:cNvPr id="3" name="Marcador de contenido 2">
-            <a:extLst>
-              <a:ext uri="{FF2B5EF4-FFF2-40B4-BE49-F238E27FC236}">
-                <a16:creationId xmlns:a16="http://schemas.microsoft.com/office/drawing/2014/main" id="{9508D630-9394-4F2E-857E-C0FD9EA75A50}"/>
-              </a:ext>
-            </a:extLst>
-          </p:cNvPr>
-          <p:cNvSpPr>
-            <a:spLocks noGrp="1"/>
-          </p:cNvSpPr>
-          <p:nvPr>
-            <p:ph idx="1"/>
-          </p:nvPr>
-        </p:nvSpPr>
-        <p:spPr/>
-        <p:txBody>
-          <a:bodyPr vert="horz" lIns="91440" tIns="45720" rIns="91440" bIns="45720" rtlCol="0" anchor="t">
-            <a:normAutofit lnSpcReduction="10000"/>
+            <a:pPr algn="ctr"/>
+            <a:endParaRPr lang="en-US"/>
+          </a:p>
+        </p:txBody>
+      </p:sp>
+      <p:sp>
+        <p:nvSpPr>
+          <p:cNvPr id="10" name="Freeform: Shape 9">
+            <a:extLst>
+              <a:ext uri="{FF2B5EF4-FFF2-40B4-BE49-F238E27FC236}">
+                <a16:creationId xmlns:a16="http://schemas.microsoft.com/office/drawing/2014/main" id="{1CF23DDA-0D09-4FE5-AE88-EBBE5E02467C}"/>
+              </a:ext>
+              <a:ext uri="{C183D7F6-B498-43B3-948B-1728B52AA6E4}">
+                <adec:decorative xmlns:adec="http://schemas.microsoft.com/office/drawing/2017/decorative" val="1"/>
+              </a:ext>
+            </a:extLst>
+          </p:cNvPr>
+          <p:cNvSpPr>
+            <a:spLocks noGrp="1" noRot="1" noChangeAspect="1" noMove="1" noResize="1" noEditPoints="1" noAdjustHandles="1" noChangeArrowheads="1" noChangeShapeType="1" noTextEdit="1"/>
+          </p:cNvSpPr>
+          <p:nvPr>
+            <p:extLst>
+              <p:ext uri="{386F3935-93C4-4BCD-93E2-E3B085C9AB24}">
+                <p16:designElem xmlns:p16="http://schemas.microsoft.com/office/powerpoint/2015/main" val="1"/>
+              </p:ext>
+            </p:extLst>
+          </p:nvPr>
+        </p:nvSpPr>
+        <p:spPr>
+          <a:xfrm rot="10800000">
+            <a:off x="0" y="0"/>
+            <a:ext cx="6885325" cy="6858000"/>
+          </a:xfrm>
+          <a:custGeom>
+            <a:avLst/>
+            <a:gdLst>
+              <a:gd name="connsiteX0" fmla="*/ 4456883 w 6885325"/>
+              <a:gd name="connsiteY0" fmla="*/ 6858000 h 6858000"/>
+              <a:gd name="connsiteX1" fmla="*/ 0 w 6885325"/>
+              <a:gd name="connsiteY1" fmla="*/ 6858000 h 6858000"/>
+              <a:gd name="connsiteX2" fmla="*/ 6010592 w 6885325"/>
+              <a:gd name="connsiteY2" fmla="*/ 0 h 6858000"/>
+              <a:gd name="connsiteX3" fmla="*/ 6885325 w 6885325"/>
+              <a:gd name="connsiteY3" fmla="*/ 0 h 6858000"/>
+              <a:gd name="connsiteX4" fmla="*/ 6885325 w 6885325"/>
+              <a:gd name="connsiteY4" fmla="*/ 1545581 h 6858000"/>
+              <a:gd name="connsiteX5" fmla="*/ 6885324 w 6885325"/>
+              <a:gd name="connsiteY5" fmla="*/ 1545582 h 6858000"/>
+              <a:gd name="connsiteX6" fmla="*/ 6885324 w 6885325"/>
+              <a:gd name="connsiteY6" fmla="*/ 4070877 h 6858000"/>
+              <a:gd name="connsiteX7" fmla="*/ 6885325 w 6885325"/>
+              <a:gd name="connsiteY7" fmla="*/ 4070876 h 6858000"/>
+              <a:gd name="connsiteX8" fmla="*/ 6885325 w 6885325"/>
+              <a:gd name="connsiteY8" fmla="*/ 6857999 h 6858000"/>
+              <a:gd name="connsiteX9" fmla="*/ 4456884 w 6885325"/>
+              <a:gd name="connsiteY9" fmla="*/ 6857999 h 6858000"/>
+              <a:gd name="connsiteX0" fmla="*/ 4456884 w 6885325"/>
+              <a:gd name="connsiteY0" fmla="*/ 6857999 h 6858000"/>
+              <a:gd name="connsiteX1" fmla="*/ 0 w 6885325"/>
+              <a:gd name="connsiteY1" fmla="*/ 6858000 h 6858000"/>
+              <a:gd name="connsiteX2" fmla="*/ 6010592 w 6885325"/>
+              <a:gd name="connsiteY2" fmla="*/ 0 h 6858000"/>
+              <a:gd name="connsiteX3" fmla="*/ 6885325 w 6885325"/>
+              <a:gd name="connsiteY3" fmla="*/ 0 h 6858000"/>
+              <a:gd name="connsiteX4" fmla="*/ 6885325 w 6885325"/>
+              <a:gd name="connsiteY4" fmla="*/ 1545581 h 6858000"/>
+              <a:gd name="connsiteX5" fmla="*/ 6885324 w 6885325"/>
+              <a:gd name="connsiteY5" fmla="*/ 1545582 h 6858000"/>
+              <a:gd name="connsiteX6" fmla="*/ 6885324 w 6885325"/>
+              <a:gd name="connsiteY6" fmla="*/ 4070877 h 6858000"/>
+              <a:gd name="connsiteX7" fmla="*/ 6885325 w 6885325"/>
+              <a:gd name="connsiteY7" fmla="*/ 4070876 h 6858000"/>
+              <a:gd name="connsiteX8" fmla="*/ 6885325 w 6885325"/>
+              <a:gd name="connsiteY8" fmla="*/ 6857999 h 6858000"/>
+              <a:gd name="connsiteX9" fmla="*/ 4456884 w 6885325"/>
+              <a:gd name="connsiteY9" fmla="*/ 6857999 h 6858000"/>
+              <a:gd name="connsiteX0" fmla="*/ 6885325 w 6885325"/>
+              <a:gd name="connsiteY0" fmla="*/ 6857999 h 6858000"/>
+              <a:gd name="connsiteX1" fmla="*/ 0 w 6885325"/>
+              <a:gd name="connsiteY1" fmla="*/ 6858000 h 6858000"/>
+              <a:gd name="connsiteX2" fmla="*/ 6010592 w 6885325"/>
+              <a:gd name="connsiteY2" fmla="*/ 0 h 6858000"/>
+              <a:gd name="connsiteX3" fmla="*/ 6885325 w 6885325"/>
+              <a:gd name="connsiteY3" fmla="*/ 0 h 6858000"/>
+              <a:gd name="connsiteX4" fmla="*/ 6885325 w 6885325"/>
+              <a:gd name="connsiteY4" fmla="*/ 1545581 h 6858000"/>
+              <a:gd name="connsiteX5" fmla="*/ 6885324 w 6885325"/>
+              <a:gd name="connsiteY5" fmla="*/ 1545582 h 6858000"/>
+              <a:gd name="connsiteX6" fmla="*/ 6885324 w 6885325"/>
+              <a:gd name="connsiteY6" fmla="*/ 4070877 h 6858000"/>
+              <a:gd name="connsiteX7" fmla="*/ 6885325 w 6885325"/>
+              <a:gd name="connsiteY7" fmla="*/ 4070876 h 6858000"/>
+              <a:gd name="connsiteX8" fmla="*/ 6885325 w 6885325"/>
+              <a:gd name="connsiteY8" fmla="*/ 6857999 h 6858000"/>
+              <a:gd name="connsiteX0" fmla="*/ 6885325 w 6885325"/>
+              <a:gd name="connsiteY0" fmla="*/ 6857999 h 6858000"/>
+              <a:gd name="connsiteX1" fmla="*/ 0 w 6885325"/>
+              <a:gd name="connsiteY1" fmla="*/ 6858000 h 6858000"/>
+              <a:gd name="connsiteX2" fmla="*/ 6010592 w 6885325"/>
+              <a:gd name="connsiteY2" fmla="*/ 0 h 6858000"/>
+              <a:gd name="connsiteX3" fmla="*/ 6885325 w 6885325"/>
+              <a:gd name="connsiteY3" fmla="*/ 0 h 6858000"/>
+              <a:gd name="connsiteX4" fmla="*/ 6885325 w 6885325"/>
+              <a:gd name="connsiteY4" fmla="*/ 1545581 h 6858000"/>
+              <a:gd name="connsiteX5" fmla="*/ 6885324 w 6885325"/>
+              <a:gd name="connsiteY5" fmla="*/ 1545582 h 6858000"/>
+              <a:gd name="connsiteX6" fmla="*/ 6885324 w 6885325"/>
+              <a:gd name="connsiteY6" fmla="*/ 4070877 h 6858000"/>
+              <a:gd name="connsiteX7" fmla="*/ 6885325 w 6885325"/>
+              <a:gd name="connsiteY7" fmla="*/ 6857999 h 6858000"/>
+              <a:gd name="connsiteX0" fmla="*/ 6885325 w 6885325"/>
+              <a:gd name="connsiteY0" fmla="*/ 6857999 h 6858000"/>
+              <a:gd name="connsiteX1" fmla="*/ 0 w 6885325"/>
+              <a:gd name="connsiteY1" fmla="*/ 6858000 h 6858000"/>
+              <a:gd name="connsiteX2" fmla="*/ 6010592 w 6885325"/>
+              <a:gd name="connsiteY2" fmla="*/ 0 h 6858000"/>
+              <a:gd name="connsiteX3" fmla="*/ 6885325 w 6885325"/>
+              <a:gd name="connsiteY3" fmla="*/ 0 h 6858000"/>
+              <a:gd name="connsiteX4" fmla="*/ 6885325 w 6885325"/>
+              <a:gd name="connsiteY4" fmla="*/ 1545581 h 6858000"/>
+              <a:gd name="connsiteX5" fmla="*/ 6885324 w 6885325"/>
+              <a:gd name="connsiteY5" fmla="*/ 1545582 h 6858000"/>
+              <a:gd name="connsiteX6" fmla="*/ 6885325 w 6885325"/>
+              <a:gd name="connsiteY6" fmla="*/ 6857999 h 6858000"/>
+              <a:gd name="connsiteX0" fmla="*/ 6885325 w 6885325"/>
+              <a:gd name="connsiteY0" fmla="*/ 6857999 h 6858000"/>
+              <a:gd name="connsiteX1" fmla="*/ 0 w 6885325"/>
+              <a:gd name="connsiteY1" fmla="*/ 6858000 h 6858000"/>
+              <a:gd name="connsiteX2" fmla="*/ 6010592 w 6885325"/>
+              <a:gd name="connsiteY2" fmla="*/ 0 h 6858000"/>
+              <a:gd name="connsiteX3" fmla="*/ 6885325 w 6885325"/>
+              <a:gd name="connsiteY3" fmla="*/ 0 h 6858000"/>
+              <a:gd name="connsiteX4" fmla="*/ 6885325 w 6885325"/>
+              <a:gd name="connsiteY4" fmla="*/ 1545581 h 6858000"/>
+              <a:gd name="connsiteX5" fmla="*/ 6885325 w 6885325"/>
+              <a:gd name="connsiteY5" fmla="*/ 6857999 h 6858000"/>
+              <a:gd name="connsiteX0" fmla="*/ 6885325 w 6885325"/>
+              <a:gd name="connsiteY0" fmla="*/ 6857999 h 6858000"/>
+              <a:gd name="connsiteX1" fmla="*/ 0 w 6885325"/>
+              <a:gd name="connsiteY1" fmla="*/ 6858000 h 6858000"/>
+              <a:gd name="connsiteX2" fmla="*/ 6010592 w 6885325"/>
+              <a:gd name="connsiteY2" fmla="*/ 0 h 6858000"/>
+              <a:gd name="connsiteX3" fmla="*/ 6885325 w 6885325"/>
+              <a:gd name="connsiteY3" fmla="*/ 0 h 6858000"/>
+              <a:gd name="connsiteX4" fmla="*/ 6885325 w 6885325"/>
+              <a:gd name="connsiteY4" fmla="*/ 6857999 h 6858000"/>
+            </a:gdLst>
+            <a:ahLst/>
+            <a:cxnLst>
+              <a:cxn ang="0">
+                <a:pos x="connsiteX0" y="connsiteY0"/>
+              </a:cxn>
+              <a:cxn ang="0">
+                <a:pos x="connsiteX1" y="connsiteY1"/>
+              </a:cxn>
+              <a:cxn ang="0">
+                <a:pos x="connsiteX2" y="connsiteY2"/>
+              </a:cxn>
+              <a:cxn ang="0">
+                <a:pos x="connsiteX3" y="connsiteY3"/>
+              </a:cxn>
+              <a:cxn ang="0">
+                <a:pos x="connsiteX4" y="connsiteY4"/>
+              </a:cxn>
+            </a:cxnLst>
+            <a:rect l="l" t="t" r="r" b="b"/>
+            <a:pathLst>
+              <a:path w="6885325" h="6858000">
+                <a:moveTo>
+                  <a:pt x="6885325" y="6857999"/>
+                </a:moveTo>
+                <a:lnTo>
+                  <a:pt x="0" y="6858000"/>
+                </a:lnTo>
+                <a:lnTo>
+                  <a:pt x="6010592" y="0"/>
+                </a:lnTo>
+                <a:lnTo>
+                  <a:pt x="6885325" y="0"/>
+                </a:lnTo>
+                <a:lnTo>
+                  <a:pt x="6885325" y="6857999"/>
+                </a:lnTo>
+                <a:close/>
+              </a:path>
+            </a:pathLst>
+          </a:custGeom>
+          <a:solidFill>
+            <a:schemeClr val="bg2"/>
+          </a:solidFill>
+          <a:ln w="12700" cap="flat" cmpd="sng" algn="ctr">
+            <a:noFill/>
+            <a:prstDash val="solid"/>
+            <a:miter lim="800000"/>
+          </a:ln>
+          <a:effectLst/>
+        </p:spPr>
+        <p:style>
+          <a:lnRef idx="2">
+            <a:schemeClr val="accent1">
+              <a:shade val="50000"/>
+            </a:schemeClr>
+          </a:lnRef>
+          <a:fillRef idx="1">
+            <a:schemeClr val="accent1"/>
+          </a:fillRef>
+          <a:effectRef idx="0">
+            <a:schemeClr val="accent1"/>
+          </a:effectRef>
+          <a:fontRef idx="minor">
+            <a:schemeClr val="lt1"/>
+          </a:fontRef>
+        </p:style>
+        <p:txBody>
+          <a:bodyPr wrap="square" rtlCol="0" anchor="ctr">
+            <a:noAutofit/>
           </a:bodyPr>
           <a:lstStyle/>
           <a:p>
-            <a:r>
-              <a:rPr lang="es-ES" b="1" dirty="0"/>
+            <a:pPr algn="ctr"/>
+            <a:endParaRPr lang="en-US"/>
+          </a:p>
+        </p:txBody>
+      </p:sp>
+      <p:sp>
+        <p:nvSpPr>
+          <p:cNvPr id="2" name="Título 1">
+            <a:extLst>
+              <a:ext uri="{FF2B5EF4-FFF2-40B4-BE49-F238E27FC236}">
+                <a16:creationId xmlns:a16="http://schemas.microsoft.com/office/drawing/2014/main" id="{D5C02380-C712-47FE-97A8-11530124E299}"/>
+              </a:ext>
+            </a:extLst>
+          </p:cNvPr>
+          <p:cNvSpPr>
+            <a:spLocks noGrp="1"/>
+          </p:cNvSpPr>
+          <p:nvPr>
+            <p:ph type="title"/>
+          </p:nvPr>
+        </p:nvSpPr>
+        <p:spPr>
+          <a:xfrm>
+            <a:off x="1143001" y="1203678"/>
+            <a:ext cx="4312582" cy="2028707"/>
+          </a:xfrm>
+        </p:spPr>
+        <p:txBody>
+          <a:bodyPr anchor="t">
+            <a:normAutofit/>
+          </a:bodyPr>
+          <a:lstStyle/>
+          <a:p>
+            <a:r>
+              <a:rPr lang="es-ES" dirty="0">
+                <a:ea typeface="+mj-lt"/>
+                <a:cs typeface="+mj-lt"/>
+              </a:rPr>
+              <a:t>Herramientas más comunes:</a:t>
+            </a:r>
+          </a:p>
+        </p:txBody>
+      </p:sp>
+      <p:sp>
+        <p:nvSpPr>
+          <p:cNvPr id="3" name="Marcador de contenido 2">
+            <a:extLst>
+              <a:ext uri="{FF2B5EF4-FFF2-40B4-BE49-F238E27FC236}">
+                <a16:creationId xmlns:a16="http://schemas.microsoft.com/office/drawing/2014/main" id="{731AEE68-F492-4760-A7DA-DB8706D70B5C}"/>
+              </a:ext>
+            </a:extLst>
+          </p:cNvPr>
+          <p:cNvSpPr>
+            <a:spLocks noGrp="1"/>
+          </p:cNvSpPr>
+          <p:nvPr>
+            <p:ph idx="1"/>
+          </p:nvPr>
+        </p:nvSpPr>
+        <p:spPr>
+          <a:xfrm>
+            <a:off x="5453548" y="1446418"/>
+            <a:ext cx="5595452" cy="4268582"/>
+          </a:xfrm>
+        </p:spPr>
+        <p:txBody>
+          <a:bodyPr anchor="b">
+            <a:normAutofit fontScale="85000" lnSpcReduction="10000"/>
+          </a:bodyPr>
+          <a:lstStyle/>
+          <a:p>
+            <a:pPr indent="-227965" algn="ctr">
+              <a:spcBef>
+                <a:spcPts val="1001"/>
+              </a:spcBef>
+              <a:buFont typeface="Arial,Sans-Serif"/>
+              <a:buChar char="•"/>
+            </a:pPr>
+            <a:r>
+              <a:rPr lang="es-ES" b="1" dirty="0">
+                <a:ea typeface="+mn-lt"/>
+                <a:cs typeface="+mn-lt"/>
+              </a:rPr>
               <a:t>Herramientas de diseño:</a:t>
-            </a:r>
-            <a:r>
-              <a:rPr lang="es-ES" dirty="0"/>
-              <a:t> Estas</a:t>
             </a:r>
             <a:r>
               <a:rPr lang="es-ES" dirty="0">
                 <a:ea typeface="+mn-lt"/>
                 <a:cs typeface="+mn-lt"/>
               </a:rPr>
-              <a:t> herramientas ayudan a los diseñadores de software a crear la estructura de los programas, la cual se puede más adelante desglosar en pequeños módulos usando técnicas de perfeccionamiento.</a:t>
-            </a:r>
-            <a:endParaRPr lang="es-ES" dirty="0"/>
-          </a:p>
-          <a:p>
-            <a:r>
-              <a:rPr lang="es-ES" b="1" dirty="0"/>
+              <a:t> Estas herramientas ayudan a los diseñadores de software a crear la estructura de los programas, la cual se puede más adelante desglosar en pequeños módulos usando técnicas de perfeccionamiento.</a:t>
+            </a:r>
+          </a:p>
+          <a:p>
+            <a:pPr indent="-227965" algn="ctr">
+              <a:spcBef>
+                <a:spcPts val="1001"/>
+              </a:spcBef>
+              <a:buFont typeface="Arial,Sans-Serif"/>
+              <a:buChar char="•"/>
+            </a:pPr>
+            <a:r>
+              <a:rPr lang="es-ES" b="1" dirty="0">
+                <a:ea typeface="+mn-lt"/>
+                <a:cs typeface="+mn-lt"/>
+              </a:rPr>
               <a:t>Herramientas para la gestión de la Configuración:</a:t>
             </a:r>
             <a:r>
@@ -6084,61 +8148,119 @@
                 <a:ea typeface="+mn-lt"/>
                 <a:cs typeface="+mn-lt"/>
               </a:rPr>
-              <a:t> Un ejemplo de software se lanza al mercado en una versión. Las Herramientas para la gestión de la Configuración se ocupa de ello:</a:t>
-            </a:r>
-          </a:p>
-          <a:p>
-            <a:pPr lvl="1"/>
+              <a:t> Un ejemplo de software se lanza al mercado en una versión. Las Herramientas para la gestión de la Configuración se ocupa de ello:</a:t>
+            </a:r>
+          </a:p>
+          <a:p>
+            <a:pPr indent="0" algn="ctr">
+              <a:spcBef>
+                <a:spcPts val="499"/>
+              </a:spcBef>
+              <a:buNone/>
+            </a:pPr>
+            <a:r>
+              <a:rPr lang="es-ES" i="1" dirty="0">
+                <a:ea typeface="+mn-lt"/>
+                <a:cs typeface="+mn-lt"/>
+              </a:rPr>
+              <a:t>    - </a:t>
+            </a:r>
             <a:r>
               <a:rPr lang="es-ES" dirty="0">
                 <a:ea typeface="+mn-lt"/>
                 <a:cs typeface="+mn-lt"/>
               </a:rPr>
-              <a:t>    - </a:t>
-            </a:r>
-            <a:r>
-              <a:rPr lang="es-ES" i="0" dirty="0">
-                <a:ea typeface="+mn-lt"/>
-                <a:cs typeface="+mn-lt"/>
-              </a:rPr>
               <a:t>Control de versiones</a:t>
             </a:r>
-            <a:endParaRPr lang="es-ES" i="0" dirty="0"/>
-          </a:p>
-          <a:p>
-            <a:pPr lvl="1"/>
-            <a:r>
-              <a:rPr lang="es-ES" i="0" dirty="0">
+          </a:p>
+          <a:p>
+            <a:pPr indent="0" algn="ctr">
+              <a:spcBef>
+                <a:spcPts val="499"/>
+              </a:spcBef>
+              <a:buNone/>
+            </a:pPr>
+            <a:r>
+              <a:rPr lang="es-ES" dirty="0">
                 <a:ea typeface="+mn-lt"/>
                 <a:cs typeface="+mn-lt"/>
               </a:rPr>
               <a:t>     - Línea base</a:t>
             </a:r>
-            <a:endParaRPr lang="es-ES" i="0" dirty="0"/>
-          </a:p>
-          <a:p>
-            <a:pPr lvl="1"/>
-            <a:r>
-              <a:rPr lang="es-ES" i="0" dirty="0">
+          </a:p>
+          <a:p>
+            <a:pPr indent="0" algn="ctr">
+              <a:spcBef>
+                <a:spcPts val="499"/>
+              </a:spcBef>
+              <a:buNone/>
+            </a:pPr>
+            <a:r>
+              <a:rPr lang="es-ES" dirty="0">
                 <a:ea typeface="+mn-lt"/>
                 <a:cs typeface="+mn-lt"/>
               </a:rPr>
               <a:t>     - Gestión del control de cambios</a:t>
             </a:r>
-            <a:endParaRPr lang="es-ES" i="0"/>
-          </a:p>
-          <a:p>
-            <a:endParaRPr lang="es-ES" dirty="0"/>
-          </a:p>
-          <a:p>
-            <a:endParaRPr lang="es-ES" dirty="0"/>
-          </a:p>
-        </p:txBody>
-      </p:sp>
+          </a:p>
+        </p:txBody>
+      </p:sp>
+      <p:cxnSp>
+        <p:nvCxnSpPr>
+          <p:cNvPr id="12" name="Straight Connector 11">
+            <a:extLst>
+              <a:ext uri="{FF2B5EF4-FFF2-40B4-BE49-F238E27FC236}">
+                <a16:creationId xmlns:a16="http://schemas.microsoft.com/office/drawing/2014/main" id="{1766FD2F-248A-4AA1-8078-E26D6E690BB9}"/>
+              </a:ext>
+              <a:ext uri="{C183D7F6-B498-43B3-948B-1728B52AA6E4}">
+                <adec:decorative xmlns:adec="http://schemas.microsoft.com/office/drawing/2017/decorative" val="1"/>
+              </a:ext>
+            </a:extLst>
+          </p:cNvPr>
+          <p:cNvCxnSpPr>
+            <a:cxnSpLocks noGrp="1" noRot="1" noChangeAspect="1" noMove="1" noResize="1" noEditPoints="1" noAdjustHandles="1" noChangeArrowheads="1" noChangeShapeType="1"/>
+          </p:cNvCxnSpPr>
+          <p:nvPr>
+            <p:extLst>
+              <p:ext uri="{386F3935-93C4-4BCD-93E2-E3B085C9AB24}">
+                <p16:designElem xmlns:p16="http://schemas.microsoft.com/office/powerpoint/2015/main" val="1"/>
+              </p:ext>
+            </p:extLst>
+          </p:nvPr>
+        </p:nvCxnSpPr>
+        <p:spPr>
+          <a:xfrm>
+            <a:off x="1233837" y="6172200"/>
+            <a:ext cx="9760638" cy="0"/>
+          </a:xfrm>
+          <a:prstGeom prst="line">
+            <a:avLst/>
+          </a:prstGeom>
+          <a:ln w="12700">
+            <a:solidFill>
+              <a:schemeClr val="tx1"/>
+            </a:solidFill>
+          </a:ln>
+        </p:spPr>
+        <p:style>
+          <a:lnRef idx="1">
+            <a:schemeClr val="accent1"/>
+          </a:lnRef>
+          <a:fillRef idx="0">
+            <a:schemeClr val="accent1"/>
+          </a:fillRef>
+          <a:effectRef idx="0">
+            <a:schemeClr val="accent1"/>
+          </a:effectRef>
+          <a:fontRef idx="minor">
+            <a:schemeClr val="tx1"/>
+          </a:fontRef>
+        </p:style>
+      </p:cxnSp>
     </p:spTree>
     <p:extLst>
       <p:ext uri="{BB962C8B-B14F-4D97-AF65-F5344CB8AC3E}">
-        <p14:creationId xmlns:p14="http://schemas.microsoft.com/office/powerpoint/2010/main" val="1993857092"/>
+        <p14:creationId xmlns:p14="http://schemas.microsoft.com/office/powerpoint/2010/main" val="1949840629"/>
       </p:ext>
     </p:extLst>
   </p:cSld>
@@ -6151,6 +8273,14 @@
 <file path=ppt/slides/slide8.xml><?xml version="1.0" encoding="utf-8"?>
 <p:sld xmlns:a="http://schemas.openxmlformats.org/drawingml/2006/main" xmlns:r="http://schemas.openxmlformats.org/officeDocument/2006/relationships" xmlns:p="http://schemas.openxmlformats.org/presentationml/2006/main">
   <p:cSld>
+    <p:bg>
+      <p:bgPr>
+        <a:solidFill>
+          <a:schemeClr val="bg1"/>
+        </a:solidFill>
+        <a:effectLst/>
+      </p:bgPr>
+    </p:bg>
     <p:spTree>
       <p:nvGrpSpPr>
         <p:cNvPr id="1" name=""/>
@@ -6165,111 +8295,523 @@
           <a:chExt cx="0" cy="0"/>
         </a:xfrm>
       </p:grpSpPr>
-      <p:sp>
-        <p:nvSpPr>
-          <p:cNvPr id="2" name="Título 1">
-            <a:extLst>
-              <a:ext uri="{FF2B5EF4-FFF2-40B4-BE49-F238E27FC236}">
-                <a16:creationId xmlns:a16="http://schemas.microsoft.com/office/drawing/2014/main" id="{7638D7AC-195E-44BA-B37D-8976F93C3F08}"/>
-              </a:ext>
-            </a:extLst>
-          </p:cNvPr>
-          <p:cNvSpPr>
-            <a:spLocks noGrp="1"/>
-          </p:cNvSpPr>
-          <p:nvPr>
-            <p:ph type="title"/>
-          </p:nvPr>
-        </p:nvSpPr>
-        <p:spPr/>
-        <p:txBody>
-          <a:bodyPr/>
+      <p:sp useBgFill="1">
+        <p:nvSpPr>
+          <p:cNvPr id="8" name="Rectangle 7">
+            <a:extLst>
+              <a:ext uri="{FF2B5EF4-FFF2-40B4-BE49-F238E27FC236}">
+                <a16:creationId xmlns:a16="http://schemas.microsoft.com/office/drawing/2014/main" id="{AB20E7A4-EC2C-47C8-BE55-65771E3F2EDA}"/>
+              </a:ext>
+              <a:ext uri="{C183D7F6-B498-43B3-948B-1728B52AA6E4}">
+                <adec:decorative xmlns:adec="http://schemas.microsoft.com/office/drawing/2017/decorative" val="1"/>
+              </a:ext>
+            </a:extLst>
+          </p:cNvPr>
+          <p:cNvSpPr>
+            <a:spLocks noGrp="1" noRot="1" noChangeAspect="1" noMove="1" noResize="1" noEditPoints="1" noAdjustHandles="1" noChangeArrowheads="1" noChangeShapeType="1" noTextEdit="1"/>
+          </p:cNvSpPr>
+          <p:nvPr>
+            <p:extLst>
+              <p:ext uri="{386F3935-93C4-4BCD-93E2-E3B085C9AB24}">
+                <p16:designElem xmlns:p16="http://schemas.microsoft.com/office/powerpoint/2015/main" val="1"/>
+              </p:ext>
+            </p:extLst>
+          </p:nvPr>
+        </p:nvSpPr>
+        <p:spPr>
+          <a:xfrm>
+            <a:off x="0" y="0"/>
+            <a:ext cx="12192000" cy="6858000"/>
+          </a:xfrm>
+          <a:prstGeom prst="rect">
+            <a:avLst/>
+          </a:prstGeom>
+          <a:ln w="12700" cap="flat" cmpd="sng" algn="ctr">
+            <a:noFill/>
+            <a:prstDash val="solid"/>
+            <a:miter lim="800000"/>
+          </a:ln>
+          <a:effectLst/>
+          <a:extLst>
+            <a:ext uri="{91240B29-F687-4F45-9708-019B960494DF}">
+              <a14:hiddenLine xmlns:a14="http://schemas.microsoft.com/office/drawing/2010/main" w="12700" cap="flat" cmpd="sng" algn="ctr">
+                <a:solidFill>
+                  <a:schemeClr val="accent1">
+                    <a:shade val="50000"/>
+                  </a:schemeClr>
+                </a:solidFill>
+                <a:prstDash val="solid"/>
+                <a:miter lim="800000"/>
+              </a14:hiddenLine>
+            </a:ext>
+          </a:extLst>
+        </p:spPr>
+        <p:style>
+          <a:lnRef idx="2">
+            <a:schemeClr val="accent1">
+              <a:shade val="50000"/>
+            </a:schemeClr>
+          </a:lnRef>
+          <a:fillRef idx="1">
+            <a:schemeClr val="accent1"/>
+          </a:fillRef>
+          <a:effectRef idx="0">
+            <a:schemeClr val="accent1"/>
+          </a:effectRef>
+          <a:fontRef idx="minor">
+            <a:schemeClr val="lt1"/>
+          </a:fontRef>
+        </p:style>
+        <p:txBody>
+          <a:bodyPr rtlCol="0" anchor="ctr"/>
           <a:lstStyle/>
           <a:p>
-            <a:endParaRPr lang="es-ES"/>
-          </a:p>
-        </p:txBody>
-      </p:sp>
-      <p:sp>
-        <p:nvSpPr>
-          <p:cNvPr id="3" name="Marcador de contenido 2">
-            <a:extLst>
-              <a:ext uri="{FF2B5EF4-FFF2-40B4-BE49-F238E27FC236}">
-                <a16:creationId xmlns:a16="http://schemas.microsoft.com/office/drawing/2014/main" id="{CD8D7C1E-3E68-42D3-A292-BC67D0409C50}"/>
-              </a:ext>
-            </a:extLst>
-          </p:cNvPr>
-          <p:cNvSpPr>
-            <a:spLocks noGrp="1"/>
-          </p:cNvSpPr>
-          <p:nvPr>
-            <p:ph idx="1"/>
-          </p:nvPr>
-        </p:nvSpPr>
-        <p:spPr/>
-        <p:txBody>
-          <a:bodyPr vert="horz" lIns="91440" tIns="45720" rIns="91440" bIns="45720" rtlCol="0" anchor="t">
-            <a:normAutofit fontScale="92500" lnSpcReduction="10000"/>
+            <a:pPr algn="ctr"/>
+            <a:endParaRPr lang="en-US"/>
+          </a:p>
+        </p:txBody>
+      </p:sp>
+      <p:sp>
+        <p:nvSpPr>
+          <p:cNvPr id="10" name="Freeform: Shape 9">
+            <a:extLst>
+              <a:ext uri="{FF2B5EF4-FFF2-40B4-BE49-F238E27FC236}">
+                <a16:creationId xmlns:a16="http://schemas.microsoft.com/office/drawing/2014/main" id="{1CF23DDA-0D09-4FE5-AE88-EBBE5E02467C}"/>
+              </a:ext>
+              <a:ext uri="{C183D7F6-B498-43B3-948B-1728B52AA6E4}">
+                <adec:decorative xmlns:adec="http://schemas.microsoft.com/office/drawing/2017/decorative" val="1"/>
+              </a:ext>
+            </a:extLst>
+          </p:cNvPr>
+          <p:cNvSpPr>
+            <a:spLocks noGrp="1" noRot="1" noChangeAspect="1" noMove="1" noResize="1" noEditPoints="1" noAdjustHandles="1" noChangeArrowheads="1" noChangeShapeType="1" noTextEdit="1"/>
+          </p:cNvSpPr>
+          <p:nvPr>
+            <p:extLst>
+              <p:ext uri="{386F3935-93C4-4BCD-93E2-E3B085C9AB24}">
+                <p16:designElem xmlns:p16="http://schemas.microsoft.com/office/powerpoint/2015/main" val="1"/>
+              </p:ext>
+            </p:extLst>
+          </p:nvPr>
+        </p:nvSpPr>
+        <p:spPr>
+          <a:xfrm rot="10800000">
+            <a:off x="0" y="0"/>
+            <a:ext cx="6885325" cy="6858000"/>
+          </a:xfrm>
+          <a:custGeom>
+            <a:avLst/>
+            <a:gdLst>
+              <a:gd name="connsiteX0" fmla="*/ 4456883 w 6885325"/>
+              <a:gd name="connsiteY0" fmla="*/ 6858000 h 6858000"/>
+              <a:gd name="connsiteX1" fmla="*/ 0 w 6885325"/>
+              <a:gd name="connsiteY1" fmla="*/ 6858000 h 6858000"/>
+              <a:gd name="connsiteX2" fmla="*/ 6010592 w 6885325"/>
+              <a:gd name="connsiteY2" fmla="*/ 0 h 6858000"/>
+              <a:gd name="connsiteX3" fmla="*/ 6885325 w 6885325"/>
+              <a:gd name="connsiteY3" fmla="*/ 0 h 6858000"/>
+              <a:gd name="connsiteX4" fmla="*/ 6885325 w 6885325"/>
+              <a:gd name="connsiteY4" fmla="*/ 1545581 h 6858000"/>
+              <a:gd name="connsiteX5" fmla="*/ 6885324 w 6885325"/>
+              <a:gd name="connsiteY5" fmla="*/ 1545582 h 6858000"/>
+              <a:gd name="connsiteX6" fmla="*/ 6885324 w 6885325"/>
+              <a:gd name="connsiteY6" fmla="*/ 4070877 h 6858000"/>
+              <a:gd name="connsiteX7" fmla="*/ 6885325 w 6885325"/>
+              <a:gd name="connsiteY7" fmla="*/ 4070876 h 6858000"/>
+              <a:gd name="connsiteX8" fmla="*/ 6885325 w 6885325"/>
+              <a:gd name="connsiteY8" fmla="*/ 6857999 h 6858000"/>
+              <a:gd name="connsiteX9" fmla="*/ 4456884 w 6885325"/>
+              <a:gd name="connsiteY9" fmla="*/ 6857999 h 6858000"/>
+              <a:gd name="connsiteX0" fmla="*/ 4456884 w 6885325"/>
+              <a:gd name="connsiteY0" fmla="*/ 6857999 h 6858000"/>
+              <a:gd name="connsiteX1" fmla="*/ 0 w 6885325"/>
+              <a:gd name="connsiteY1" fmla="*/ 6858000 h 6858000"/>
+              <a:gd name="connsiteX2" fmla="*/ 6010592 w 6885325"/>
+              <a:gd name="connsiteY2" fmla="*/ 0 h 6858000"/>
+              <a:gd name="connsiteX3" fmla="*/ 6885325 w 6885325"/>
+              <a:gd name="connsiteY3" fmla="*/ 0 h 6858000"/>
+              <a:gd name="connsiteX4" fmla="*/ 6885325 w 6885325"/>
+              <a:gd name="connsiteY4" fmla="*/ 1545581 h 6858000"/>
+              <a:gd name="connsiteX5" fmla="*/ 6885324 w 6885325"/>
+              <a:gd name="connsiteY5" fmla="*/ 1545582 h 6858000"/>
+              <a:gd name="connsiteX6" fmla="*/ 6885324 w 6885325"/>
+              <a:gd name="connsiteY6" fmla="*/ 4070877 h 6858000"/>
+              <a:gd name="connsiteX7" fmla="*/ 6885325 w 6885325"/>
+              <a:gd name="connsiteY7" fmla="*/ 4070876 h 6858000"/>
+              <a:gd name="connsiteX8" fmla="*/ 6885325 w 6885325"/>
+              <a:gd name="connsiteY8" fmla="*/ 6857999 h 6858000"/>
+              <a:gd name="connsiteX9" fmla="*/ 4456884 w 6885325"/>
+              <a:gd name="connsiteY9" fmla="*/ 6857999 h 6858000"/>
+              <a:gd name="connsiteX0" fmla="*/ 6885325 w 6885325"/>
+              <a:gd name="connsiteY0" fmla="*/ 6857999 h 6858000"/>
+              <a:gd name="connsiteX1" fmla="*/ 0 w 6885325"/>
+              <a:gd name="connsiteY1" fmla="*/ 6858000 h 6858000"/>
+              <a:gd name="connsiteX2" fmla="*/ 6010592 w 6885325"/>
+              <a:gd name="connsiteY2" fmla="*/ 0 h 6858000"/>
+              <a:gd name="connsiteX3" fmla="*/ 6885325 w 6885325"/>
+              <a:gd name="connsiteY3" fmla="*/ 0 h 6858000"/>
+              <a:gd name="connsiteX4" fmla="*/ 6885325 w 6885325"/>
+              <a:gd name="connsiteY4" fmla="*/ 1545581 h 6858000"/>
+              <a:gd name="connsiteX5" fmla="*/ 6885324 w 6885325"/>
+              <a:gd name="connsiteY5" fmla="*/ 1545582 h 6858000"/>
+              <a:gd name="connsiteX6" fmla="*/ 6885324 w 6885325"/>
+              <a:gd name="connsiteY6" fmla="*/ 4070877 h 6858000"/>
+              <a:gd name="connsiteX7" fmla="*/ 6885325 w 6885325"/>
+              <a:gd name="connsiteY7" fmla="*/ 4070876 h 6858000"/>
+              <a:gd name="connsiteX8" fmla="*/ 6885325 w 6885325"/>
+              <a:gd name="connsiteY8" fmla="*/ 6857999 h 6858000"/>
+              <a:gd name="connsiteX0" fmla="*/ 6885325 w 6885325"/>
+              <a:gd name="connsiteY0" fmla="*/ 6857999 h 6858000"/>
+              <a:gd name="connsiteX1" fmla="*/ 0 w 6885325"/>
+              <a:gd name="connsiteY1" fmla="*/ 6858000 h 6858000"/>
+              <a:gd name="connsiteX2" fmla="*/ 6010592 w 6885325"/>
+              <a:gd name="connsiteY2" fmla="*/ 0 h 6858000"/>
+              <a:gd name="connsiteX3" fmla="*/ 6885325 w 6885325"/>
+              <a:gd name="connsiteY3" fmla="*/ 0 h 6858000"/>
+              <a:gd name="connsiteX4" fmla="*/ 6885325 w 6885325"/>
+              <a:gd name="connsiteY4" fmla="*/ 1545581 h 6858000"/>
+              <a:gd name="connsiteX5" fmla="*/ 6885324 w 6885325"/>
+              <a:gd name="connsiteY5" fmla="*/ 1545582 h 6858000"/>
+              <a:gd name="connsiteX6" fmla="*/ 6885324 w 6885325"/>
+              <a:gd name="connsiteY6" fmla="*/ 4070877 h 6858000"/>
+              <a:gd name="connsiteX7" fmla="*/ 6885325 w 6885325"/>
+              <a:gd name="connsiteY7" fmla="*/ 6857999 h 6858000"/>
+              <a:gd name="connsiteX0" fmla="*/ 6885325 w 6885325"/>
+              <a:gd name="connsiteY0" fmla="*/ 6857999 h 6858000"/>
+              <a:gd name="connsiteX1" fmla="*/ 0 w 6885325"/>
+              <a:gd name="connsiteY1" fmla="*/ 6858000 h 6858000"/>
+              <a:gd name="connsiteX2" fmla="*/ 6010592 w 6885325"/>
+              <a:gd name="connsiteY2" fmla="*/ 0 h 6858000"/>
+              <a:gd name="connsiteX3" fmla="*/ 6885325 w 6885325"/>
+              <a:gd name="connsiteY3" fmla="*/ 0 h 6858000"/>
+              <a:gd name="connsiteX4" fmla="*/ 6885325 w 6885325"/>
+              <a:gd name="connsiteY4" fmla="*/ 1545581 h 6858000"/>
+              <a:gd name="connsiteX5" fmla="*/ 6885324 w 6885325"/>
+              <a:gd name="connsiteY5" fmla="*/ 1545582 h 6858000"/>
+              <a:gd name="connsiteX6" fmla="*/ 6885325 w 6885325"/>
+              <a:gd name="connsiteY6" fmla="*/ 6857999 h 6858000"/>
+              <a:gd name="connsiteX0" fmla="*/ 6885325 w 6885325"/>
+              <a:gd name="connsiteY0" fmla="*/ 6857999 h 6858000"/>
+              <a:gd name="connsiteX1" fmla="*/ 0 w 6885325"/>
+              <a:gd name="connsiteY1" fmla="*/ 6858000 h 6858000"/>
+              <a:gd name="connsiteX2" fmla="*/ 6010592 w 6885325"/>
+              <a:gd name="connsiteY2" fmla="*/ 0 h 6858000"/>
+              <a:gd name="connsiteX3" fmla="*/ 6885325 w 6885325"/>
+              <a:gd name="connsiteY3" fmla="*/ 0 h 6858000"/>
+              <a:gd name="connsiteX4" fmla="*/ 6885325 w 6885325"/>
+              <a:gd name="connsiteY4" fmla="*/ 1545581 h 6858000"/>
+              <a:gd name="connsiteX5" fmla="*/ 6885325 w 6885325"/>
+              <a:gd name="connsiteY5" fmla="*/ 6857999 h 6858000"/>
+              <a:gd name="connsiteX0" fmla="*/ 6885325 w 6885325"/>
+              <a:gd name="connsiteY0" fmla="*/ 6857999 h 6858000"/>
+              <a:gd name="connsiteX1" fmla="*/ 0 w 6885325"/>
+              <a:gd name="connsiteY1" fmla="*/ 6858000 h 6858000"/>
+              <a:gd name="connsiteX2" fmla="*/ 6010592 w 6885325"/>
+              <a:gd name="connsiteY2" fmla="*/ 0 h 6858000"/>
+              <a:gd name="connsiteX3" fmla="*/ 6885325 w 6885325"/>
+              <a:gd name="connsiteY3" fmla="*/ 0 h 6858000"/>
+              <a:gd name="connsiteX4" fmla="*/ 6885325 w 6885325"/>
+              <a:gd name="connsiteY4" fmla="*/ 6857999 h 6858000"/>
+            </a:gdLst>
+            <a:ahLst/>
+            <a:cxnLst>
+              <a:cxn ang="0">
+                <a:pos x="connsiteX0" y="connsiteY0"/>
+              </a:cxn>
+              <a:cxn ang="0">
+                <a:pos x="connsiteX1" y="connsiteY1"/>
+              </a:cxn>
+              <a:cxn ang="0">
+                <a:pos x="connsiteX2" y="connsiteY2"/>
+              </a:cxn>
+              <a:cxn ang="0">
+                <a:pos x="connsiteX3" y="connsiteY3"/>
+              </a:cxn>
+              <a:cxn ang="0">
+                <a:pos x="connsiteX4" y="connsiteY4"/>
+              </a:cxn>
+            </a:cxnLst>
+            <a:rect l="l" t="t" r="r" b="b"/>
+            <a:pathLst>
+              <a:path w="6885325" h="6858000">
+                <a:moveTo>
+                  <a:pt x="6885325" y="6857999"/>
+                </a:moveTo>
+                <a:lnTo>
+                  <a:pt x="0" y="6858000"/>
+                </a:lnTo>
+                <a:lnTo>
+                  <a:pt x="6010592" y="0"/>
+                </a:lnTo>
+                <a:lnTo>
+                  <a:pt x="6885325" y="0"/>
+                </a:lnTo>
+                <a:lnTo>
+                  <a:pt x="6885325" y="6857999"/>
+                </a:lnTo>
+                <a:close/>
+              </a:path>
+            </a:pathLst>
+          </a:custGeom>
+          <a:solidFill>
+            <a:schemeClr val="bg2"/>
+          </a:solidFill>
+          <a:ln w="12700" cap="flat" cmpd="sng" algn="ctr">
+            <a:noFill/>
+            <a:prstDash val="solid"/>
+            <a:miter lim="800000"/>
+          </a:ln>
+          <a:effectLst/>
+        </p:spPr>
+        <p:style>
+          <a:lnRef idx="2">
+            <a:schemeClr val="accent1">
+              <a:shade val="50000"/>
+            </a:schemeClr>
+          </a:lnRef>
+          <a:fillRef idx="1">
+            <a:schemeClr val="accent1"/>
+          </a:fillRef>
+          <a:effectRef idx="0">
+            <a:schemeClr val="accent1"/>
+          </a:effectRef>
+          <a:fontRef idx="minor">
+            <a:schemeClr val="lt1"/>
+          </a:fontRef>
+        </p:style>
+        <p:txBody>
+          <a:bodyPr wrap="square" rtlCol="0" anchor="ctr">
+            <a:noAutofit/>
           </a:bodyPr>
           <a:lstStyle/>
           <a:p>
-            <a:r>
-              <a:rPr lang="es-ES" b="1" dirty="0"/>
-              <a:t>Herramientas de control de cambios:</a:t>
+            <a:pPr algn="ctr"/>
+            <a:endParaRPr lang="en-US"/>
+          </a:p>
+        </p:txBody>
+      </p:sp>
+      <p:sp>
+        <p:nvSpPr>
+          <p:cNvPr id="2" name="Título 1">
+            <a:extLst>
+              <a:ext uri="{FF2B5EF4-FFF2-40B4-BE49-F238E27FC236}">
+                <a16:creationId xmlns:a16="http://schemas.microsoft.com/office/drawing/2014/main" id="{DDCEC6E0-D81A-4AC3-ADBF-F39552828472}"/>
+              </a:ext>
+            </a:extLst>
+          </p:cNvPr>
+          <p:cNvSpPr>
+            <a:spLocks noGrp="1"/>
+          </p:cNvSpPr>
+          <p:nvPr>
+            <p:ph type="title"/>
+          </p:nvPr>
+        </p:nvSpPr>
+        <p:spPr>
+          <a:xfrm>
+            <a:off x="1143001" y="1203678"/>
+            <a:ext cx="4312582" cy="2028707"/>
+          </a:xfrm>
+        </p:spPr>
+        <p:txBody>
+          <a:bodyPr anchor="t">
+            <a:normAutofit/>
+          </a:bodyPr>
+          <a:lstStyle/>
+          <a:p>
+            <a:r>
+              <a:rPr lang="es-ES" dirty="0">
+                <a:ea typeface="+mj-lt"/>
+                <a:cs typeface="+mj-lt"/>
+              </a:rPr>
+              <a:t>Herramientas más comunes:</a:t>
+            </a:r>
+            <a:endParaRPr lang="es-ES" dirty="0"/>
+          </a:p>
+        </p:txBody>
+      </p:sp>
+      <p:sp>
+        <p:nvSpPr>
+          <p:cNvPr id="3" name="Marcador de contenido 2">
+            <a:extLst>
+              <a:ext uri="{FF2B5EF4-FFF2-40B4-BE49-F238E27FC236}">
+                <a16:creationId xmlns:a16="http://schemas.microsoft.com/office/drawing/2014/main" id="{7A76B06C-7A05-4F7D-A4DC-8B5A88ABC8E4}"/>
+              </a:ext>
+            </a:extLst>
+          </p:cNvPr>
+          <p:cNvSpPr>
+            <a:spLocks noGrp="1"/>
+          </p:cNvSpPr>
+          <p:nvPr>
+            <p:ph idx="1"/>
+          </p:nvPr>
+        </p:nvSpPr>
+        <p:spPr>
+          <a:xfrm>
+            <a:off x="5453548" y="1446418"/>
+            <a:ext cx="5595452" cy="4268582"/>
+          </a:xfrm>
+        </p:spPr>
+        <p:txBody>
+          <a:bodyPr anchor="b">
+            <a:normAutofit fontScale="85000" lnSpcReduction="10000"/>
+          </a:bodyPr>
+          <a:lstStyle/>
+          <a:p>
+            <a:pPr indent="-227965" algn="ctr">
+              <a:spcBef>
+                <a:spcPts val="1001"/>
+              </a:spcBef>
+              <a:buFont typeface="Arial,Sans-Serif" panose="020B0604020202020204" pitchFamily="34" charset="0"/>
+            </a:pPr>
+            <a:r>
+              <a:rPr lang="es-ES" b="1" dirty="0">
+                <a:ea typeface="+mn-lt"/>
+                <a:cs typeface="+mn-lt"/>
+              </a:rPr>
+              <a:t>Herramientas de diseño:</a:t>
             </a:r>
             <a:r>
               <a:rPr lang="es-ES" dirty="0">
                 <a:ea typeface="+mn-lt"/>
                 <a:cs typeface="+mn-lt"/>
               </a:rPr>
-              <a:t> Estas herramientas son consideradas como una parte de la configuración en la gestión de herramientas. Se ocupan de los cambios hechos en el software después de que se haya fijado su línea de base, o cuando el software se lanza por primera vez al mercado.</a:t>
+              <a:t> Estas herramientas ayudan a los diseñadores de software a crear la estructura de los programas, la cual se puede más adelante desglosar en pequeños módulos usando técnicas de perfeccionamiento.</a:t>
             </a:r>
             <a:endParaRPr lang="es-ES" dirty="0"/>
           </a:p>
           <a:p>
-            <a:r>
-              <a:rPr lang="es-ES" b="1" i="0" dirty="0"/>
-              <a:t>Herramientas de programación:</a:t>
-            </a:r>
-            <a:r>
-              <a:rPr lang="es-ES" i="0" dirty="0"/>
-              <a:t> Estas herramientas están compuestas por entornos de programación como IDE, con librerías moduladas y herramientas de simulación.</a:t>
-            </a:r>
-            <a:endParaRPr lang="es-ES" dirty="0"/>
-          </a:p>
-          <a:p>
-            <a:r>
-              <a:rPr lang="es-ES" b="1" dirty="0"/>
-              <a:t>Herramientas de desarrollo de software:</a:t>
-            </a:r>
-            <a:r>
-              <a:rPr lang="es-ES" dirty="0"/>
-              <a:t> El</a:t>
+            <a:pPr indent="-227965" algn="ctr">
+              <a:spcBef>
+                <a:spcPts val="1001"/>
+              </a:spcBef>
+              <a:buFont typeface="Arial,Sans-Serif" panose="020B0604020202020204" pitchFamily="34" charset="0"/>
+            </a:pPr>
+            <a:r>
+              <a:rPr lang="es-ES" b="1" dirty="0">
+                <a:ea typeface="+mn-lt"/>
+                <a:cs typeface="+mn-lt"/>
+              </a:rPr>
+              <a:t>Herramientas para la gestión de la Configuración:</a:t>
             </a:r>
             <a:r>
               <a:rPr lang="es-ES" dirty="0">
                 <a:ea typeface="+mn-lt"/>
                 <a:cs typeface="+mn-lt"/>
               </a:rPr>
-              <a:t> modelo de prototipo en Ingeniería de software, es una versión simulada del producto software que se intenta conseguir. Este prototipo da una idea inicial del producto y simula algunos aspectos del producto real.</a:t>
+              <a:t> Un ejemplo de software se lanza al mercado en una versión. Las Herramientas para la gestión de la Configuración se ocupa de ello:</a:t>
+            </a:r>
+          </a:p>
+          <a:p>
+            <a:pPr marL="0" indent="0" algn="ctr">
+              <a:spcBef>
+                <a:spcPts val="499"/>
+              </a:spcBef>
+              <a:buNone/>
+            </a:pPr>
+            <a:r>
+              <a:rPr lang="es-ES" i="1" dirty="0">
+                <a:ea typeface="+mn-lt"/>
+                <a:cs typeface="+mn-lt"/>
+              </a:rPr>
+              <a:t>    - </a:t>
+            </a:r>
+            <a:r>
+              <a:rPr lang="es-ES" dirty="0">
+                <a:ea typeface="+mn-lt"/>
+                <a:cs typeface="+mn-lt"/>
+              </a:rPr>
+              <a:t>Control de versiones</a:t>
+            </a:r>
+          </a:p>
+          <a:p>
+            <a:pPr marL="0" indent="0" algn="ctr">
+              <a:spcBef>
+                <a:spcPts val="499"/>
+              </a:spcBef>
+              <a:buNone/>
+            </a:pPr>
+            <a:r>
+              <a:rPr lang="es-ES" dirty="0">
+                <a:ea typeface="+mn-lt"/>
+                <a:cs typeface="+mn-lt"/>
+              </a:rPr>
+              <a:t>     - Línea base</a:t>
+            </a:r>
+          </a:p>
+          <a:p>
+            <a:pPr marL="0" indent="0" algn="ctr">
+              <a:spcBef>
+                <a:spcPts val="499"/>
+              </a:spcBef>
+              <a:buNone/>
+            </a:pPr>
+            <a:r>
+              <a:rPr lang="es-ES" dirty="0">
+                <a:ea typeface="+mn-lt"/>
+                <a:cs typeface="+mn-lt"/>
+              </a:rPr>
+              <a:t>     - Gestión del control de cambios</a:t>
             </a:r>
             <a:endParaRPr lang="es-ES" dirty="0"/>
           </a:p>
-          <a:p>
-            <a:endParaRPr lang="es-ES" dirty="0"/>
-          </a:p>
-          <a:p>
-            <a:endParaRPr lang="es-ES" dirty="0"/>
-          </a:p>
-          <a:p>
-            <a:endParaRPr lang="es-ES" dirty="0"/>
-          </a:p>
-        </p:txBody>
-      </p:sp>
+        </p:txBody>
+      </p:sp>
+      <p:cxnSp>
+        <p:nvCxnSpPr>
+          <p:cNvPr id="12" name="Straight Connector 11">
+            <a:extLst>
+              <a:ext uri="{FF2B5EF4-FFF2-40B4-BE49-F238E27FC236}">
+                <a16:creationId xmlns:a16="http://schemas.microsoft.com/office/drawing/2014/main" id="{1766FD2F-248A-4AA1-8078-E26D6E690BB9}"/>
+              </a:ext>
+              <a:ext uri="{C183D7F6-B498-43B3-948B-1728B52AA6E4}">
+                <adec:decorative xmlns:adec="http://schemas.microsoft.com/office/drawing/2017/decorative" val="1"/>
+              </a:ext>
+            </a:extLst>
+          </p:cNvPr>
+          <p:cNvCxnSpPr>
+            <a:cxnSpLocks noGrp="1" noRot="1" noChangeAspect="1" noMove="1" noResize="1" noEditPoints="1" noAdjustHandles="1" noChangeArrowheads="1" noChangeShapeType="1"/>
+          </p:cNvCxnSpPr>
+          <p:nvPr>
+            <p:extLst>
+              <p:ext uri="{386F3935-93C4-4BCD-93E2-E3B085C9AB24}">
+                <p16:designElem xmlns:p16="http://schemas.microsoft.com/office/powerpoint/2015/main" val="1"/>
+              </p:ext>
+            </p:extLst>
+          </p:nvPr>
+        </p:nvCxnSpPr>
+        <p:spPr>
+          <a:xfrm>
+            <a:off x="1233837" y="6172200"/>
+            <a:ext cx="9760638" cy="0"/>
+          </a:xfrm>
+          <a:prstGeom prst="line">
+            <a:avLst/>
+          </a:prstGeom>
+          <a:ln w="12700">
+            <a:solidFill>
+              <a:schemeClr val="tx1"/>
+            </a:solidFill>
+          </a:ln>
+        </p:spPr>
+        <p:style>
+          <a:lnRef idx="1">
+            <a:schemeClr val="accent1"/>
+          </a:lnRef>
+          <a:fillRef idx="0">
+            <a:schemeClr val="accent1"/>
+          </a:fillRef>
+          <a:effectRef idx="0">
+            <a:schemeClr val="accent1"/>
+          </a:effectRef>
+          <a:fontRef idx="minor">
+            <a:schemeClr val="tx1"/>
+          </a:fontRef>
+        </p:style>
+      </p:cxnSp>
     </p:spTree>
     <p:extLst>
       <p:ext uri="{BB962C8B-B14F-4D97-AF65-F5344CB8AC3E}">
-        <p14:creationId xmlns:p14="http://schemas.microsoft.com/office/powerpoint/2010/main" val="128546984"/>
+        <p14:creationId xmlns:p14="http://schemas.microsoft.com/office/powerpoint/2010/main" val="709063164"/>
       </p:ext>
     </p:extLst>
   </p:cSld>
@@ -6282,6 +8824,14 @@
 <file path=ppt/slides/slide9.xml><?xml version="1.0" encoding="utf-8"?>
 <p:sld xmlns:a="http://schemas.openxmlformats.org/drawingml/2006/main" xmlns:r="http://schemas.openxmlformats.org/officeDocument/2006/relationships" xmlns:p="http://schemas.openxmlformats.org/presentationml/2006/main">
   <p:cSld>
+    <p:bg>
+      <p:bgPr>
+        <a:solidFill>
+          <a:schemeClr val="bg1"/>
+        </a:solidFill>
+        <a:effectLst/>
+      </p:bgPr>
+    </p:bg>
     <p:spTree>
       <p:nvGrpSpPr>
         <p:cNvPr id="1" name=""/>
@@ -6296,77 +8846,401 @@
           <a:chExt cx="0" cy="0"/>
         </a:xfrm>
       </p:grpSpPr>
-      <p:sp>
-        <p:nvSpPr>
-          <p:cNvPr id="2" name="Título 1">
-            <a:extLst>
-              <a:ext uri="{FF2B5EF4-FFF2-40B4-BE49-F238E27FC236}">
-                <a16:creationId xmlns:a16="http://schemas.microsoft.com/office/drawing/2014/main" id="{81F55C74-6DD7-432A-ABFE-C0497B0FB051}"/>
-              </a:ext>
-            </a:extLst>
-          </p:cNvPr>
-          <p:cNvSpPr>
-            <a:spLocks noGrp="1"/>
-          </p:cNvSpPr>
-          <p:nvPr>
-            <p:ph type="title"/>
-          </p:nvPr>
-        </p:nvSpPr>
-        <p:spPr/>
-        <p:txBody>
-          <a:bodyPr/>
+      <p:sp useBgFill="1">
+        <p:nvSpPr>
+          <p:cNvPr id="8" name="Rectangle 7">
+            <a:extLst>
+              <a:ext uri="{FF2B5EF4-FFF2-40B4-BE49-F238E27FC236}">
+                <a16:creationId xmlns:a16="http://schemas.microsoft.com/office/drawing/2014/main" id="{AB20E7A4-EC2C-47C8-BE55-65771E3F2EDA}"/>
+              </a:ext>
+              <a:ext uri="{C183D7F6-B498-43B3-948B-1728B52AA6E4}">
+                <adec:decorative xmlns:adec="http://schemas.microsoft.com/office/drawing/2017/decorative" val="1"/>
+              </a:ext>
+            </a:extLst>
+          </p:cNvPr>
+          <p:cNvSpPr>
+            <a:spLocks noGrp="1" noRot="1" noChangeAspect="1" noMove="1" noResize="1" noEditPoints="1" noAdjustHandles="1" noChangeArrowheads="1" noChangeShapeType="1" noTextEdit="1"/>
+          </p:cNvSpPr>
+          <p:nvPr>
+            <p:extLst>
+              <p:ext uri="{386F3935-93C4-4BCD-93E2-E3B085C9AB24}">
+                <p16:designElem xmlns:p16="http://schemas.microsoft.com/office/powerpoint/2015/main" val="1"/>
+              </p:ext>
+            </p:extLst>
+          </p:nvPr>
+        </p:nvSpPr>
+        <p:spPr>
+          <a:xfrm>
+            <a:off x="0" y="0"/>
+            <a:ext cx="12192000" cy="6858000"/>
+          </a:xfrm>
+          <a:prstGeom prst="rect">
+            <a:avLst/>
+          </a:prstGeom>
+          <a:ln w="12700" cap="flat" cmpd="sng" algn="ctr">
+            <a:noFill/>
+            <a:prstDash val="solid"/>
+            <a:miter lim="800000"/>
+          </a:ln>
+          <a:effectLst/>
+          <a:extLst>
+            <a:ext uri="{91240B29-F687-4F45-9708-019B960494DF}">
+              <a14:hiddenLine xmlns:a14="http://schemas.microsoft.com/office/drawing/2010/main" w="12700" cap="flat" cmpd="sng" algn="ctr">
+                <a:solidFill>
+                  <a:schemeClr val="accent1">
+                    <a:shade val="50000"/>
+                  </a:schemeClr>
+                </a:solidFill>
+                <a:prstDash val="solid"/>
+                <a:miter lim="800000"/>
+              </a14:hiddenLine>
+            </a:ext>
+          </a:extLst>
+        </p:spPr>
+        <p:style>
+          <a:lnRef idx="2">
+            <a:schemeClr val="accent1">
+              <a:shade val="50000"/>
+            </a:schemeClr>
+          </a:lnRef>
+          <a:fillRef idx="1">
+            <a:schemeClr val="accent1"/>
+          </a:fillRef>
+          <a:effectRef idx="0">
+            <a:schemeClr val="accent1"/>
+          </a:effectRef>
+          <a:fontRef idx="minor">
+            <a:schemeClr val="lt1"/>
+          </a:fontRef>
+        </p:style>
+        <p:txBody>
+          <a:bodyPr rtlCol="0" anchor="ctr"/>
           <a:lstStyle/>
           <a:p>
-            <a:endParaRPr lang="es-ES"/>
-          </a:p>
-        </p:txBody>
-      </p:sp>
-      <p:sp>
-        <p:nvSpPr>
-          <p:cNvPr id="3" name="Marcador de contenido 2">
-            <a:extLst>
-              <a:ext uri="{FF2B5EF4-FFF2-40B4-BE49-F238E27FC236}">
-                <a16:creationId xmlns:a16="http://schemas.microsoft.com/office/drawing/2014/main" id="{7BF01A8C-BE8F-49B1-A67C-38F4D5297934}"/>
-              </a:ext>
-            </a:extLst>
-          </p:cNvPr>
-          <p:cNvSpPr>
-            <a:spLocks noGrp="1"/>
-          </p:cNvSpPr>
-          <p:nvPr>
-            <p:ph idx="1"/>
-          </p:nvPr>
-        </p:nvSpPr>
-        <p:spPr/>
-        <p:txBody>
-          <a:bodyPr vert="horz" lIns="91440" tIns="45720" rIns="91440" bIns="45720" rtlCol="0" anchor="t">
-            <a:normAutofit lnSpcReduction="10000"/>
+            <a:pPr algn="ctr"/>
+            <a:endParaRPr lang="en-US"/>
+          </a:p>
+        </p:txBody>
+      </p:sp>
+      <p:sp>
+        <p:nvSpPr>
+          <p:cNvPr id="10" name="Freeform: Shape 9">
+            <a:extLst>
+              <a:ext uri="{FF2B5EF4-FFF2-40B4-BE49-F238E27FC236}">
+                <a16:creationId xmlns:a16="http://schemas.microsoft.com/office/drawing/2014/main" id="{1CF23DDA-0D09-4FE5-AE88-EBBE5E02467C}"/>
+              </a:ext>
+              <a:ext uri="{C183D7F6-B498-43B3-948B-1728B52AA6E4}">
+                <adec:decorative xmlns:adec="http://schemas.microsoft.com/office/drawing/2017/decorative" val="1"/>
+              </a:ext>
+            </a:extLst>
+          </p:cNvPr>
+          <p:cNvSpPr>
+            <a:spLocks noGrp="1" noRot="1" noChangeAspect="1" noMove="1" noResize="1" noEditPoints="1" noAdjustHandles="1" noChangeArrowheads="1" noChangeShapeType="1" noTextEdit="1"/>
+          </p:cNvSpPr>
+          <p:nvPr>
+            <p:extLst>
+              <p:ext uri="{386F3935-93C4-4BCD-93E2-E3B085C9AB24}">
+                <p16:designElem xmlns:p16="http://schemas.microsoft.com/office/powerpoint/2015/main" val="1"/>
+              </p:ext>
+            </p:extLst>
+          </p:nvPr>
+        </p:nvSpPr>
+        <p:spPr>
+          <a:xfrm rot="10800000">
+            <a:off x="0" y="0"/>
+            <a:ext cx="6885325" cy="6858000"/>
+          </a:xfrm>
+          <a:custGeom>
+            <a:avLst/>
+            <a:gdLst>
+              <a:gd name="connsiteX0" fmla="*/ 4456883 w 6885325"/>
+              <a:gd name="connsiteY0" fmla="*/ 6858000 h 6858000"/>
+              <a:gd name="connsiteX1" fmla="*/ 0 w 6885325"/>
+              <a:gd name="connsiteY1" fmla="*/ 6858000 h 6858000"/>
+              <a:gd name="connsiteX2" fmla="*/ 6010592 w 6885325"/>
+              <a:gd name="connsiteY2" fmla="*/ 0 h 6858000"/>
+              <a:gd name="connsiteX3" fmla="*/ 6885325 w 6885325"/>
+              <a:gd name="connsiteY3" fmla="*/ 0 h 6858000"/>
+              <a:gd name="connsiteX4" fmla="*/ 6885325 w 6885325"/>
+              <a:gd name="connsiteY4" fmla="*/ 1545581 h 6858000"/>
+              <a:gd name="connsiteX5" fmla="*/ 6885324 w 6885325"/>
+              <a:gd name="connsiteY5" fmla="*/ 1545582 h 6858000"/>
+              <a:gd name="connsiteX6" fmla="*/ 6885324 w 6885325"/>
+              <a:gd name="connsiteY6" fmla="*/ 4070877 h 6858000"/>
+              <a:gd name="connsiteX7" fmla="*/ 6885325 w 6885325"/>
+              <a:gd name="connsiteY7" fmla="*/ 4070876 h 6858000"/>
+              <a:gd name="connsiteX8" fmla="*/ 6885325 w 6885325"/>
+              <a:gd name="connsiteY8" fmla="*/ 6857999 h 6858000"/>
+              <a:gd name="connsiteX9" fmla="*/ 4456884 w 6885325"/>
+              <a:gd name="connsiteY9" fmla="*/ 6857999 h 6858000"/>
+              <a:gd name="connsiteX0" fmla="*/ 4456884 w 6885325"/>
+              <a:gd name="connsiteY0" fmla="*/ 6857999 h 6858000"/>
+              <a:gd name="connsiteX1" fmla="*/ 0 w 6885325"/>
+              <a:gd name="connsiteY1" fmla="*/ 6858000 h 6858000"/>
+              <a:gd name="connsiteX2" fmla="*/ 6010592 w 6885325"/>
+              <a:gd name="connsiteY2" fmla="*/ 0 h 6858000"/>
+              <a:gd name="connsiteX3" fmla="*/ 6885325 w 6885325"/>
+              <a:gd name="connsiteY3" fmla="*/ 0 h 6858000"/>
+              <a:gd name="connsiteX4" fmla="*/ 6885325 w 6885325"/>
+              <a:gd name="connsiteY4" fmla="*/ 1545581 h 6858000"/>
+              <a:gd name="connsiteX5" fmla="*/ 6885324 w 6885325"/>
+              <a:gd name="connsiteY5" fmla="*/ 1545582 h 6858000"/>
+              <a:gd name="connsiteX6" fmla="*/ 6885324 w 6885325"/>
+              <a:gd name="connsiteY6" fmla="*/ 4070877 h 6858000"/>
+              <a:gd name="connsiteX7" fmla="*/ 6885325 w 6885325"/>
+              <a:gd name="connsiteY7" fmla="*/ 4070876 h 6858000"/>
+              <a:gd name="connsiteX8" fmla="*/ 6885325 w 6885325"/>
+              <a:gd name="connsiteY8" fmla="*/ 6857999 h 6858000"/>
+              <a:gd name="connsiteX9" fmla="*/ 4456884 w 6885325"/>
+              <a:gd name="connsiteY9" fmla="*/ 6857999 h 6858000"/>
+              <a:gd name="connsiteX0" fmla="*/ 6885325 w 6885325"/>
+              <a:gd name="connsiteY0" fmla="*/ 6857999 h 6858000"/>
+              <a:gd name="connsiteX1" fmla="*/ 0 w 6885325"/>
+              <a:gd name="connsiteY1" fmla="*/ 6858000 h 6858000"/>
+              <a:gd name="connsiteX2" fmla="*/ 6010592 w 6885325"/>
+              <a:gd name="connsiteY2" fmla="*/ 0 h 6858000"/>
+              <a:gd name="connsiteX3" fmla="*/ 6885325 w 6885325"/>
+              <a:gd name="connsiteY3" fmla="*/ 0 h 6858000"/>
+              <a:gd name="connsiteX4" fmla="*/ 6885325 w 6885325"/>
+              <a:gd name="connsiteY4" fmla="*/ 1545581 h 6858000"/>
+              <a:gd name="connsiteX5" fmla="*/ 6885324 w 6885325"/>
+              <a:gd name="connsiteY5" fmla="*/ 1545582 h 6858000"/>
+              <a:gd name="connsiteX6" fmla="*/ 6885324 w 6885325"/>
+              <a:gd name="connsiteY6" fmla="*/ 4070877 h 6858000"/>
+              <a:gd name="connsiteX7" fmla="*/ 6885325 w 6885325"/>
+              <a:gd name="connsiteY7" fmla="*/ 4070876 h 6858000"/>
+              <a:gd name="connsiteX8" fmla="*/ 6885325 w 6885325"/>
+              <a:gd name="connsiteY8" fmla="*/ 6857999 h 6858000"/>
+              <a:gd name="connsiteX0" fmla="*/ 6885325 w 6885325"/>
+              <a:gd name="connsiteY0" fmla="*/ 6857999 h 6858000"/>
+              <a:gd name="connsiteX1" fmla="*/ 0 w 6885325"/>
+              <a:gd name="connsiteY1" fmla="*/ 6858000 h 6858000"/>
+              <a:gd name="connsiteX2" fmla="*/ 6010592 w 6885325"/>
+              <a:gd name="connsiteY2" fmla="*/ 0 h 6858000"/>
+              <a:gd name="connsiteX3" fmla="*/ 6885325 w 6885325"/>
+              <a:gd name="connsiteY3" fmla="*/ 0 h 6858000"/>
+              <a:gd name="connsiteX4" fmla="*/ 6885325 w 6885325"/>
+              <a:gd name="connsiteY4" fmla="*/ 1545581 h 6858000"/>
+              <a:gd name="connsiteX5" fmla="*/ 6885324 w 6885325"/>
+              <a:gd name="connsiteY5" fmla="*/ 1545582 h 6858000"/>
+              <a:gd name="connsiteX6" fmla="*/ 6885324 w 6885325"/>
+              <a:gd name="connsiteY6" fmla="*/ 4070877 h 6858000"/>
+              <a:gd name="connsiteX7" fmla="*/ 6885325 w 6885325"/>
+              <a:gd name="connsiteY7" fmla="*/ 6857999 h 6858000"/>
+              <a:gd name="connsiteX0" fmla="*/ 6885325 w 6885325"/>
+              <a:gd name="connsiteY0" fmla="*/ 6857999 h 6858000"/>
+              <a:gd name="connsiteX1" fmla="*/ 0 w 6885325"/>
+              <a:gd name="connsiteY1" fmla="*/ 6858000 h 6858000"/>
+              <a:gd name="connsiteX2" fmla="*/ 6010592 w 6885325"/>
+              <a:gd name="connsiteY2" fmla="*/ 0 h 6858000"/>
+              <a:gd name="connsiteX3" fmla="*/ 6885325 w 6885325"/>
+              <a:gd name="connsiteY3" fmla="*/ 0 h 6858000"/>
+              <a:gd name="connsiteX4" fmla="*/ 6885325 w 6885325"/>
+              <a:gd name="connsiteY4" fmla="*/ 1545581 h 6858000"/>
+              <a:gd name="connsiteX5" fmla="*/ 6885324 w 6885325"/>
+              <a:gd name="connsiteY5" fmla="*/ 1545582 h 6858000"/>
+              <a:gd name="connsiteX6" fmla="*/ 6885325 w 6885325"/>
+              <a:gd name="connsiteY6" fmla="*/ 6857999 h 6858000"/>
+              <a:gd name="connsiteX0" fmla="*/ 6885325 w 6885325"/>
+              <a:gd name="connsiteY0" fmla="*/ 6857999 h 6858000"/>
+              <a:gd name="connsiteX1" fmla="*/ 0 w 6885325"/>
+              <a:gd name="connsiteY1" fmla="*/ 6858000 h 6858000"/>
+              <a:gd name="connsiteX2" fmla="*/ 6010592 w 6885325"/>
+              <a:gd name="connsiteY2" fmla="*/ 0 h 6858000"/>
+              <a:gd name="connsiteX3" fmla="*/ 6885325 w 6885325"/>
+              <a:gd name="connsiteY3" fmla="*/ 0 h 6858000"/>
+              <a:gd name="connsiteX4" fmla="*/ 6885325 w 6885325"/>
+              <a:gd name="connsiteY4" fmla="*/ 1545581 h 6858000"/>
+              <a:gd name="connsiteX5" fmla="*/ 6885325 w 6885325"/>
+              <a:gd name="connsiteY5" fmla="*/ 6857999 h 6858000"/>
+              <a:gd name="connsiteX0" fmla="*/ 6885325 w 6885325"/>
+              <a:gd name="connsiteY0" fmla="*/ 6857999 h 6858000"/>
+              <a:gd name="connsiteX1" fmla="*/ 0 w 6885325"/>
+              <a:gd name="connsiteY1" fmla="*/ 6858000 h 6858000"/>
+              <a:gd name="connsiteX2" fmla="*/ 6010592 w 6885325"/>
+              <a:gd name="connsiteY2" fmla="*/ 0 h 6858000"/>
+              <a:gd name="connsiteX3" fmla="*/ 6885325 w 6885325"/>
+              <a:gd name="connsiteY3" fmla="*/ 0 h 6858000"/>
+              <a:gd name="connsiteX4" fmla="*/ 6885325 w 6885325"/>
+              <a:gd name="connsiteY4" fmla="*/ 6857999 h 6858000"/>
+            </a:gdLst>
+            <a:ahLst/>
+            <a:cxnLst>
+              <a:cxn ang="0">
+                <a:pos x="connsiteX0" y="connsiteY0"/>
+              </a:cxn>
+              <a:cxn ang="0">
+                <a:pos x="connsiteX1" y="connsiteY1"/>
+              </a:cxn>
+              <a:cxn ang="0">
+                <a:pos x="connsiteX2" y="connsiteY2"/>
+              </a:cxn>
+              <a:cxn ang="0">
+                <a:pos x="connsiteX3" y="connsiteY3"/>
+              </a:cxn>
+              <a:cxn ang="0">
+                <a:pos x="connsiteX4" y="connsiteY4"/>
+              </a:cxn>
+            </a:cxnLst>
+            <a:rect l="l" t="t" r="r" b="b"/>
+            <a:pathLst>
+              <a:path w="6885325" h="6858000">
+                <a:moveTo>
+                  <a:pt x="6885325" y="6857999"/>
+                </a:moveTo>
+                <a:lnTo>
+                  <a:pt x="0" y="6858000"/>
+                </a:lnTo>
+                <a:lnTo>
+                  <a:pt x="6010592" y="0"/>
+                </a:lnTo>
+                <a:lnTo>
+                  <a:pt x="6885325" y="0"/>
+                </a:lnTo>
+                <a:lnTo>
+                  <a:pt x="6885325" y="6857999"/>
+                </a:lnTo>
+                <a:close/>
+              </a:path>
+            </a:pathLst>
+          </a:custGeom>
+          <a:solidFill>
+            <a:schemeClr val="bg2"/>
+          </a:solidFill>
+          <a:ln w="12700" cap="flat" cmpd="sng" algn="ctr">
+            <a:noFill/>
+            <a:prstDash val="solid"/>
+            <a:miter lim="800000"/>
+          </a:ln>
+          <a:effectLst/>
+        </p:spPr>
+        <p:style>
+          <a:lnRef idx="2">
+            <a:schemeClr val="accent1">
+              <a:shade val="50000"/>
+            </a:schemeClr>
+          </a:lnRef>
+          <a:fillRef idx="1">
+            <a:schemeClr val="accent1"/>
+          </a:fillRef>
+          <a:effectRef idx="0">
+            <a:schemeClr val="accent1"/>
+          </a:effectRef>
+          <a:fontRef idx="minor">
+            <a:schemeClr val="lt1"/>
+          </a:fontRef>
+        </p:style>
+        <p:txBody>
+          <a:bodyPr wrap="square" rtlCol="0" anchor="ctr">
+            <a:noAutofit/>
           </a:bodyPr>
           <a:lstStyle/>
           <a:p>
-            <a:r>
-              <a:rPr lang="es-ES" b="1" dirty="0"/>
-              <a:t>Herramientas de desarrollo Web:</a:t>
-            </a:r>
+            <a:pPr algn="ctr"/>
+            <a:endParaRPr lang="en-US"/>
+          </a:p>
+        </p:txBody>
+      </p:sp>
+      <p:sp>
+        <p:nvSpPr>
+          <p:cNvPr id="2" name="Título 1">
+            <a:extLst>
+              <a:ext uri="{FF2B5EF4-FFF2-40B4-BE49-F238E27FC236}">
+                <a16:creationId xmlns:a16="http://schemas.microsoft.com/office/drawing/2014/main" id="{B9DB7477-C15E-4465-B92F-384AA0D81273}"/>
+              </a:ext>
+            </a:extLst>
+          </p:cNvPr>
+          <p:cNvSpPr>
+            <a:spLocks noGrp="1"/>
+          </p:cNvSpPr>
+          <p:nvPr>
+            <p:ph type="title"/>
+          </p:nvPr>
+        </p:nvSpPr>
+        <p:spPr>
+          <a:xfrm>
+            <a:off x="1143001" y="1203678"/>
+            <a:ext cx="4312582" cy="2028707"/>
+          </a:xfrm>
+        </p:spPr>
+        <p:txBody>
+          <a:bodyPr anchor="t">
+            <a:normAutofit/>
+          </a:bodyPr>
+          <a:lstStyle/>
+          <a:p>
+            <a:r>
+              <a:rPr lang="es-ES" dirty="0">
+                <a:ea typeface="+mj-lt"/>
+                <a:cs typeface="+mj-lt"/>
+              </a:rPr>
+              <a:t>Herramientas más comunes:</a:t>
+            </a:r>
+            <a:endParaRPr lang="es-ES" dirty="0"/>
+          </a:p>
+        </p:txBody>
+      </p:sp>
+      <p:sp>
+        <p:nvSpPr>
+          <p:cNvPr id="3" name="Marcador de contenido 2">
+            <a:extLst>
+              <a:ext uri="{FF2B5EF4-FFF2-40B4-BE49-F238E27FC236}">
+                <a16:creationId xmlns:a16="http://schemas.microsoft.com/office/drawing/2014/main" id="{0F42DEB0-5148-4742-869F-8E3FF13B5F38}"/>
+              </a:ext>
+            </a:extLst>
+          </p:cNvPr>
+          <p:cNvSpPr>
+            <a:spLocks noGrp="1"/>
+          </p:cNvSpPr>
+          <p:nvPr>
+            <p:ph idx="1"/>
+          </p:nvPr>
+        </p:nvSpPr>
+        <p:spPr>
+          <a:xfrm>
+            <a:off x="5453548" y="1446418"/>
+            <a:ext cx="5595452" cy="4268582"/>
+          </a:xfrm>
+        </p:spPr>
+        <p:txBody>
+          <a:bodyPr anchor="b">
+            <a:normAutofit fontScale="85000" lnSpcReduction="20000"/>
+          </a:bodyPr>
+          <a:lstStyle/>
+          <a:p>
+            <a:pPr indent="-227965" algn="ctr">
+              <a:spcBef>
+                <a:spcPts val="1001"/>
+              </a:spcBef>
+              <a:buFont typeface="Arial,Sans-Serif" panose="020B0604020202020204" pitchFamily="34" charset="0"/>
+            </a:pPr>
             <a:r>
               <a:rPr lang="es-ES" b="1" dirty="0">
                 <a:ea typeface="+mn-lt"/>
                 <a:cs typeface="+mn-lt"/>
               </a:rPr>
-              <a:t> </a:t>
+              <a:t>Herramientas de desarrollo Web: </a:t>
             </a:r>
             <a:r>
               <a:rPr lang="es-ES" dirty="0">
                 <a:ea typeface="+mn-lt"/>
                 <a:cs typeface="+mn-lt"/>
               </a:rPr>
-              <a:t>Estas herramientas ayudan en el diseño de páginas Web con todos los elementos relacionados como impresos, textos, secuencias de comando, gráficos y demás.</a:t>
-            </a:r>
-            <a:endParaRPr lang="es-ES" dirty="0"/>
-          </a:p>
-          <a:p>
-            <a:r>
-              <a:rPr lang="es-ES" b="1" dirty="0"/>
+              <a:t>Estas herramientas ayudan en el diseño de páginas Web con todos los elementos relacionados como impresos, textos, secuencias de comando, gráficos y demás.</a:t>
+            </a:r>
+          </a:p>
+          <a:p>
+            <a:pPr indent="-227965" algn="ctr">
+              <a:spcBef>
+                <a:spcPts val="1001"/>
+              </a:spcBef>
+              <a:buFont typeface="Arial,Sans-Serif" panose="020B0604020202020204" pitchFamily="34" charset="0"/>
+            </a:pPr>
+            <a:r>
+              <a:rPr lang="es-ES" b="1" dirty="0">
+                <a:ea typeface="+mn-lt"/>
+                <a:cs typeface="+mn-lt"/>
+              </a:rPr>
               <a:t>Herramientas de Aseguramiento de la calidad:</a:t>
             </a:r>
             <a:r>
@@ -6374,46 +9248,104 @@
                 <a:ea typeface="+mn-lt"/>
                 <a:cs typeface="+mn-lt"/>
               </a:rPr>
-              <a:t> El aseguramiento de la calidad de una organización de Software es la supervisión del proceso de Ingeniería y de los métodos adoptados para desarrollar el producto software con tal de asegurar conformidad con la calidad según los estándares organizativos.</a:t>
-            </a:r>
-            <a:endParaRPr lang="es-ES" dirty="0"/>
-          </a:p>
-          <a:p>
-            <a:r>
-              <a:rPr lang="es-ES" b="1" u="sng" dirty="0"/>
+              <a:t> El aseguramiento de la calidad de una organización de Software es la supervisión del proceso de Ingeniería y de los métodos adoptados para desarrollar el producto software con tal de asegurar conformidad con la calidad según los estándares organizativos.</a:t>
+            </a:r>
+          </a:p>
+          <a:p>
+            <a:pPr indent="-227965" algn="ctr">
+              <a:spcBef>
+                <a:spcPts val="1001"/>
+              </a:spcBef>
+              <a:buFont typeface="Arial,Sans-Serif" panose="020B0604020202020204" pitchFamily="34" charset="0"/>
+            </a:pPr>
+            <a:r>
+              <a:rPr lang="es-ES" b="1" u="sng" dirty="0">
+                <a:ea typeface="+mn-lt"/>
+                <a:cs typeface="+mn-lt"/>
+              </a:rPr>
               <a:t>Herramientas de mantenimiento:</a:t>
-            </a:r>
-            <a:r>
-              <a:rPr lang="es-ES" dirty="0"/>
-              <a:t> </a:t>
             </a:r>
             <a:r>
               <a:rPr lang="es-ES" dirty="0">
                 <a:ea typeface="+mn-lt"/>
                 <a:cs typeface="+mn-lt"/>
               </a:rPr>
-              <a:t>El mantenimiento del Software incluye modificaciones en el producto software después de ser distribuido.</a:t>
-            </a:r>
+              <a:t> El mantenimiento del Software incluye modificaciones en el producto software después de ser distribuido.</a:t>
+            </a:r>
+          </a:p>
+          <a:p>
+            <a:pPr>
+              <a:spcBef>
+                <a:spcPts val="1001"/>
+              </a:spcBef>
+            </a:pPr>
+            <a:endParaRPr lang="es-ES" dirty="0">
+              <a:ea typeface="+mn-lt"/>
+              <a:cs typeface="+mn-lt"/>
+            </a:endParaRPr>
+          </a:p>
+          <a:p>
+            <a:pPr algn="r"/>
             <a:endParaRPr lang="es-ES" dirty="0"/>
           </a:p>
-          <a:p>
-            <a:endParaRPr lang="es-ES" dirty="0"/>
-          </a:p>
-          <a:p>
-            <a:endParaRPr lang="es-ES" dirty="0"/>
-          </a:p>
-          <a:p>
-            <a:endParaRPr lang="es-ES" dirty="0"/>
-          </a:p>
-          <a:p>
-            <a:endParaRPr lang="es-ES" dirty="0"/>
-          </a:p>
-        </p:txBody>
-      </p:sp>
+        </p:txBody>
+      </p:sp>
+      <p:cxnSp>
+        <p:nvCxnSpPr>
+          <p:cNvPr id="12" name="Straight Connector 11">
+            <a:extLst>
+              <a:ext uri="{FF2B5EF4-FFF2-40B4-BE49-F238E27FC236}">
+                <a16:creationId xmlns:a16="http://schemas.microsoft.com/office/drawing/2014/main" id="{1766FD2F-248A-4AA1-8078-E26D6E690BB9}"/>
+              </a:ext>
+              <a:ext uri="{C183D7F6-B498-43B3-948B-1728B52AA6E4}">
+                <adec:decorative xmlns:adec="http://schemas.microsoft.com/office/drawing/2017/decorative" val="1"/>
+              </a:ext>
+            </a:extLst>
+          </p:cNvPr>
+          <p:cNvCxnSpPr>
+            <a:cxnSpLocks noGrp="1" noRot="1" noChangeAspect="1" noMove="1" noResize="1" noEditPoints="1" noAdjustHandles="1" noChangeArrowheads="1" noChangeShapeType="1"/>
+          </p:cNvCxnSpPr>
+          <p:nvPr>
+            <p:extLst>
+              <p:ext uri="{386F3935-93C4-4BCD-93E2-E3B085C9AB24}">
+                <p16:designElem xmlns:p16="http://schemas.microsoft.com/office/powerpoint/2015/main" val="1"/>
+              </p:ext>
+            </p:extLst>
+          </p:nvPr>
+        </p:nvCxnSpPr>
+        <p:spPr>
+          <a:xfrm>
+            <a:off x="1233837" y="6172200"/>
+            <a:ext cx="9760638" cy="0"/>
+          </a:xfrm>
+          <a:prstGeom prst="line">
+            <a:avLst/>
+          </a:prstGeom>
+          <a:ln w="12700">
+            <a:solidFill>
+              <a:schemeClr val="tx1"/>
+            </a:solidFill>
+          </a:ln>
+        </p:spPr>
+        <p:style>
+          <a:lnRef idx="1">
+            <a:schemeClr val="accent1"/>
+          </a:lnRef>
+          <a:fillRef idx="0">
+            <a:schemeClr val="accent1"/>
+          </a:fillRef>
+          <a:effectRef idx="0">
+            <a:schemeClr val="accent1"/>
+          </a:effectRef>
+          <a:fontRef idx="minor">
+            <a:schemeClr val="tx1"/>
+          </a:fontRef>
+        </p:style>
+      </p:cxnSp>
     </p:spTree>
     <p:extLst>
       <p:ext uri="{BB962C8B-B14F-4D97-AF65-F5344CB8AC3E}">
-        <p14:creationId xmlns:p14="http://schemas.microsoft.com/office/powerpoint/2010/main" val="3421493324"/>
+        <p14:creationId xmlns:p14="http://schemas.microsoft.com/office/powerpoint/2010/main" val="1944463769"/>
       </p:ext>
     </p:extLst>
   </p:cSld>

--- a/case.pptx
+++ b/case.pptx
@@ -8608,8 +8608,8 @@
         </p:nvSpPr>
         <p:spPr>
           <a:xfrm>
-            <a:off x="1143001" y="1203678"/>
-            <a:ext cx="4312582" cy="2028707"/>
+            <a:off x="982133" y="1203678"/>
+            <a:ext cx="4473450" cy="2028707"/>
           </a:xfrm>
         </p:spPr>
         <p:txBody>
@@ -8653,52 +8653,52 @@
         </p:spPr>
         <p:txBody>
           <a:bodyPr anchor="b">
-            <a:normAutofit fontScale="85000" lnSpcReduction="10000"/>
+            <a:normAutofit/>
           </a:bodyPr>
           <a:lstStyle/>
           <a:p>
-            <a:pPr indent="-227965" algn="ctr">
+            <a:pPr algn="l"/>
+            <a:endParaRPr lang="es-ES" b="1" i="0" dirty="0">
+              <a:effectLst/>
+              <a:latin typeface="Arial" panose="020B0604020202020204" pitchFamily="34" charset="0"/>
+              <a:ea typeface="+mn-lt"/>
+              <a:cs typeface="+mn-lt"/>
+            </a:endParaRPr>
+          </a:p>
+          <a:p>
+            <a:pPr algn="l"/>
+            <a:r>
+              <a:rPr lang="es-ES" b="1" i="0" dirty="0">
+                <a:effectLst/>
+              </a:rPr>
+              <a:t>Herramientas de control de cambio. </a:t>
+            </a:r>
+            <a:r>
+              <a:rPr lang="es-ES" b="0" i="0" dirty="0">
+                <a:effectLst/>
+              </a:rPr>
+              <a:t>Se ocupan de los cambios hechos en el software después de que se haya fijado su línea de base, o cuando el software se lanza por primera vez al mercado.</a:t>
+            </a:r>
+          </a:p>
+          <a:p>
+            <a:pPr algn="ctr">
               <a:spcBef>
-                <a:spcPts val="1001"/>
+                <a:spcPts val="499"/>
               </a:spcBef>
-              <a:buFont typeface="Arial,Sans-Serif" panose="020B0604020202020204" pitchFamily="34" charset="0"/>
             </a:pPr>
             <a:r>
               <a:rPr lang="es-ES" b="1" dirty="0">
                 <a:ea typeface="+mn-lt"/>
                 <a:cs typeface="+mn-lt"/>
               </a:rPr>
-              <a:t>Herramientas de diseño:</a:t>
+              <a:t>Herramientas de programación:</a:t>
             </a:r>
             <a:r>
               <a:rPr lang="es-ES" dirty="0">
                 <a:ea typeface="+mn-lt"/>
                 <a:cs typeface="+mn-lt"/>
               </a:rPr>
-              <a:t> Estas herramientas ayudan a los diseñadores de software a crear la estructura de los programas, la cual se puede más adelante desglosar en pequeños módulos usando técnicas de perfeccionamiento.</a:t>
-            </a:r>
-            <a:endParaRPr lang="es-ES" dirty="0"/>
-          </a:p>
-          <a:p>
-            <a:pPr indent="-227965" algn="ctr">
-              <a:spcBef>
-                <a:spcPts val="1001"/>
-              </a:spcBef>
-              <a:buFont typeface="Arial,Sans-Serif" panose="020B0604020202020204" pitchFamily="34" charset="0"/>
-            </a:pPr>
-            <a:r>
-              <a:rPr lang="es-ES" b="1" dirty="0">
-                <a:ea typeface="+mn-lt"/>
-                <a:cs typeface="+mn-lt"/>
-              </a:rPr>
-              <a:t>Herramientas para la gestión de la Configuración:</a:t>
-            </a:r>
-            <a:r>
-              <a:rPr lang="es-ES" dirty="0">
-                <a:ea typeface="+mn-lt"/>
-                <a:cs typeface="+mn-lt"/>
-              </a:rPr>
-              <a:t> Un ejemplo de software se lanza al mercado en una versión. Las Herramientas para la gestión de la Configuración se ocupa de ello:</a:t>
+              <a:t> Consisten en entornos de programación como IDE, basado en bibliotecas modulares y herramientas de simulaciones.</a:t>
             </a:r>
           </a:p>
           <a:p>
@@ -8708,50 +8708,6 @@
               </a:spcBef>
               <a:buNone/>
             </a:pPr>
-            <a:r>
-              <a:rPr lang="es-ES" i="1" dirty="0">
-                <a:ea typeface="+mn-lt"/>
-                <a:cs typeface="+mn-lt"/>
-              </a:rPr>
-              <a:t>    - </a:t>
-            </a:r>
-            <a:r>
-              <a:rPr lang="es-ES" dirty="0">
-                <a:ea typeface="+mn-lt"/>
-                <a:cs typeface="+mn-lt"/>
-              </a:rPr>
-              <a:t>Control de versiones</a:t>
-            </a:r>
-          </a:p>
-          <a:p>
-            <a:pPr marL="0" indent="0" algn="ctr">
-              <a:spcBef>
-                <a:spcPts val="499"/>
-              </a:spcBef>
-              <a:buNone/>
-            </a:pPr>
-            <a:r>
-              <a:rPr lang="es-ES" dirty="0">
-                <a:ea typeface="+mn-lt"/>
-                <a:cs typeface="+mn-lt"/>
-              </a:rPr>
-              <a:t>     - Línea base</a:t>
-            </a:r>
-          </a:p>
-          <a:p>
-            <a:pPr marL="0" indent="0" algn="ctr">
-              <a:spcBef>
-                <a:spcPts val="499"/>
-              </a:spcBef>
-              <a:buNone/>
-            </a:pPr>
-            <a:r>
-              <a:rPr lang="es-ES" dirty="0">
-                <a:ea typeface="+mn-lt"/>
-                <a:cs typeface="+mn-lt"/>
-              </a:rPr>
-              <a:t>     - Gestión del control de cambios</a:t>
-            </a:r>
             <a:endParaRPr lang="es-ES" dirty="0"/>
           </a:p>
         </p:txBody>
